--- a/IMGD-2900/A10/presentation.pptx
+++ b/IMGD-2900/A10/presentation.pptx
@@ -2,12 +2,18 @@
 <file path=ppt/presentation.xml><?xml version="1.0" encoding="utf-8"?>
 <p:presentation xmlns:a="http://schemas.openxmlformats.org/drawingml/2006/main" xmlns:r="http://schemas.openxmlformats.org/officeDocument/2006/relationships" xmlns:p="http://schemas.openxmlformats.org/presentationml/2006/main" saveSubsetFonts="1">
   <p:sldMasterIdLst>
-    <p:sldMasterId id="2147483648" r:id="rId1"/>
+    <p:sldMasterId id="2147483660" r:id="rId1"/>
   </p:sldMasterIdLst>
   <p:sldIdLst>
-    <p:sldId id="256" r:id="rId2"/>
+    <p:sldId id="257" r:id="rId2"/>
+    <p:sldId id="258" r:id="rId3"/>
+    <p:sldId id="259" r:id="rId4"/>
+    <p:sldId id="264" r:id="rId5"/>
+    <p:sldId id="261" r:id="rId6"/>
+    <p:sldId id="262" r:id="rId7"/>
+    <p:sldId id="265" r:id="rId8"/>
   </p:sldIdLst>
-  <p:sldSz cx="9144000" cy="5143500" type="screen16x9"/>
+  <p:sldSz cx="12192000" cy="6858000"/>
   <p:notesSz cx="6858000" cy="9144000"/>
   <p:defaultTextStyle>
     <a:defPPr>
@@ -104,7 +110,816 @@
       </a:defRPr>
     </a:lvl9pPr>
   </p:defaultTextStyle>
+  <p:extLst>
+    <p:ext uri="{EFAFB233-063F-42B5-8137-9DF3F51BA10A}">
+      <p15:sldGuideLst xmlns:p15="http://schemas.microsoft.com/office/powerpoint/2012/main"/>
+    </p:ext>
+  </p:extLst>
 </p:presentation>
+</file>
+
+<file path=ppt/revisionInfo.xml><?xml version="1.0" encoding="utf-8"?>
+<p1510:revInfo xmlns:a="http://schemas.openxmlformats.org/drawingml/2006/main" xmlns:r="http://schemas.openxmlformats.org/officeDocument/2006/relationships" xmlns:p1510="http://schemas.microsoft.com/office/powerpoint/2015/10/main">
+  <p1510:revLst>
+    <p1510:client id="{A316D020-788D-47A1-B5BD-00CAEEBB6801}" v="20" dt="2020-05-14T00:02:19.367"/>
+    <p1510:client id="{CF426403-5529-01CE-AA9C-DCDB801DE1FE}" v="390" dt="2020-05-14T00:15:19.389"/>
+  </p1510:revLst>
+</p1510:revInfo>
+</file>
+
+<file path=ppt/changesInfos/changesInfo1.xml><?xml version="1.0" encoding="utf-8"?>
+<pc:chgInfo xmlns:a="http://schemas.openxmlformats.org/drawingml/2006/main" xmlns:r="http://schemas.openxmlformats.org/officeDocument/2006/relationships" xmlns:ac="http://schemas.microsoft.com/office/drawing/2013/main/command" xmlns:pc="http://schemas.microsoft.com/office/powerpoint/2013/main/command">
+  <pc:docChgLst>
+    <pc:chgData name="Taylor, Gavin" userId="S::gtaylor@wpi.edu::994ac6b7-11df-4645-a39b-9dedf391bfc6" providerId="AD" clId="Web-{D6AA12F2-93C7-883A-6E30-2AEAE3E61B2D}"/>
+    <pc:docChg chg="modSld">
+      <pc:chgData name="Taylor, Gavin" userId="S::gtaylor@wpi.edu::994ac6b7-11df-4645-a39b-9dedf391bfc6" providerId="AD" clId="Web-{D6AA12F2-93C7-883A-6E30-2AEAE3E61B2D}" dt="2020-04-19T18:01:07.996" v="3" actId="14100"/>
+      <pc:docMkLst>
+        <pc:docMk/>
+      </pc:docMkLst>
+      <pc:sldChg chg="addSp modSp">
+        <pc:chgData name="Taylor, Gavin" userId="S::gtaylor@wpi.edu::994ac6b7-11df-4645-a39b-9dedf391bfc6" providerId="AD" clId="Web-{D6AA12F2-93C7-883A-6E30-2AEAE3E61B2D}" dt="2020-04-19T18:01:07.996" v="3" actId="14100"/>
+        <pc:sldMkLst>
+          <pc:docMk/>
+          <pc:sldMk cId="3755884589" sldId="261"/>
+        </pc:sldMkLst>
+        <pc:picChg chg="add mod">
+          <ac:chgData name="Taylor, Gavin" userId="S::gtaylor@wpi.edu::994ac6b7-11df-4645-a39b-9dedf391bfc6" providerId="AD" clId="Web-{D6AA12F2-93C7-883A-6E30-2AEAE3E61B2D}" dt="2020-04-19T18:01:07.996" v="3" actId="14100"/>
+          <ac:picMkLst>
+            <pc:docMk/>
+            <pc:sldMk cId="3755884589" sldId="261"/>
+            <ac:picMk id="3" creationId="{186DB7FA-0E77-4FEB-BB67-8B5F065EBE90}"/>
+          </ac:picMkLst>
+        </pc:picChg>
+      </pc:sldChg>
+    </pc:docChg>
+  </pc:docChgLst>
+  <pc:docChgLst>
+    <pc:chgData name="Taylor, Gavin" userId="S::gtaylor@wpi.edu::994ac6b7-11df-4645-a39b-9dedf391bfc6" providerId="AD" clId="Web-{4CB977A9-D134-02FF-3C10-0D1A8D082D0B}"/>
+    <pc:docChg chg="modSld">
+      <pc:chgData name="Taylor, Gavin" userId="S::gtaylor@wpi.edu::994ac6b7-11df-4645-a39b-9dedf391bfc6" providerId="AD" clId="Web-{4CB977A9-D134-02FF-3C10-0D1A8D082D0B}" dt="2020-04-17T20:50:27.747" v="210" actId="20577"/>
+      <pc:docMkLst>
+        <pc:docMk/>
+      </pc:docMkLst>
+      <pc:sldChg chg="modSp">
+        <pc:chgData name="Taylor, Gavin" userId="S::gtaylor@wpi.edu::994ac6b7-11df-4645-a39b-9dedf391bfc6" providerId="AD" clId="Web-{4CB977A9-D134-02FF-3C10-0D1A8D082D0B}" dt="2020-04-17T20:49:24.682" v="208" actId="20577"/>
+        <pc:sldMkLst>
+          <pc:docMk/>
+          <pc:sldMk cId="203405605" sldId="259"/>
+        </pc:sldMkLst>
+        <pc:spChg chg="mod">
+          <ac:chgData name="Taylor, Gavin" userId="S::gtaylor@wpi.edu::994ac6b7-11df-4645-a39b-9dedf391bfc6" providerId="AD" clId="Web-{4CB977A9-D134-02FF-3C10-0D1A8D082D0B}" dt="2020-04-17T20:49:24.682" v="208" actId="20577"/>
+          <ac:spMkLst>
+            <pc:docMk/>
+            <pc:sldMk cId="203405605" sldId="259"/>
+            <ac:spMk id="3" creationId="{8B03DCAB-F77F-4164-9B6E-CF4338534561}"/>
+          </ac:spMkLst>
+        </pc:spChg>
+      </pc:sldChg>
+      <pc:sldChg chg="modSp">
+        <pc:chgData name="Taylor, Gavin" userId="S::gtaylor@wpi.edu::994ac6b7-11df-4645-a39b-9dedf391bfc6" providerId="AD" clId="Web-{4CB977A9-D134-02FF-3C10-0D1A8D082D0B}" dt="2020-04-17T17:55:18.019" v="165" actId="20577"/>
+        <pc:sldMkLst>
+          <pc:docMk/>
+          <pc:sldMk cId="173165252" sldId="260"/>
+        </pc:sldMkLst>
+        <pc:spChg chg="mod">
+          <ac:chgData name="Taylor, Gavin" userId="S::gtaylor@wpi.edu::994ac6b7-11df-4645-a39b-9dedf391bfc6" providerId="AD" clId="Web-{4CB977A9-D134-02FF-3C10-0D1A8D082D0B}" dt="2020-04-17T17:55:18.019" v="165" actId="20577"/>
+          <ac:spMkLst>
+            <pc:docMk/>
+            <pc:sldMk cId="173165252" sldId="260"/>
+            <ac:spMk id="3" creationId="{36F0DF2D-054A-487A-BAEC-E1A9F4308604}"/>
+          </ac:spMkLst>
+        </pc:spChg>
+      </pc:sldChg>
+    </pc:docChg>
+  </pc:docChgLst>
+  <pc:docChgLst>
+    <pc:chgData name="Taylor, Gavin" userId="S::gtaylor@wpi.edu::994ac6b7-11df-4645-a39b-9dedf391bfc6" providerId="AD" clId="Web-{13041351-895B-6795-A0EE-59010A374154}"/>
+    <pc:docChg chg="addSld delSld modSld">
+      <pc:chgData name="Taylor, Gavin" userId="S::gtaylor@wpi.edu::994ac6b7-11df-4645-a39b-9dedf391bfc6" providerId="AD" clId="Web-{13041351-895B-6795-A0EE-59010A374154}" dt="2020-04-19T21:45:35.901" v="1263"/>
+      <pc:docMkLst>
+        <pc:docMk/>
+      </pc:docMkLst>
+      <pc:sldChg chg="modSp">
+        <pc:chgData name="Taylor, Gavin" userId="S::gtaylor@wpi.edu::994ac6b7-11df-4645-a39b-9dedf391bfc6" providerId="AD" clId="Web-{13041351-895B-6795-A0EE-59010A374154}" dt="2020-04-19T21:45:33.995" v="1261" actId="20577"/>
+        <pc:sldMkLst>
+          <pc:docMk/>
+          <pc:sldMk cId="3233467802" sldId="258"/>
+        </pc:sldMkLst>
+        <pc:spChg chg="mod">
+          <ac:chgData name="Taylor, Gavin" userId="S::gtaylor@wpi.edu::994ac6b7-11df-4645-a39b-9dedf391bfc6" providerId="AD" clId="Web-{13041351-895B-6795-A0EE-59010A374154}" dt="2020-04-19T21:35:15.309" v="508" actId="20577"/>
+          <ac:spMkLst>
+            <pc:docMk/>
+            <pc:sldMk cId="3233467802" sldId="258"/>
+            <ac:spMk id="2" creationId="{029980EC-70A1-47E2-92C8-AE13CF3706A8}"/>
+          </ac:spMkLst>
+        </pc:spChg>
+        <pc:spChg chg="mod">
+          <ac:chgData name="Taylor, Gavin" userId="S::gtaylor@wpi.edu::994ac6b7-11df-4645-a39b-9dedf391bfc6" providerId="AD" clId="Web-{13041351-895B-6795-A0EE-59010A374154}" dt="2020-04-19T21:45:33.995" v="1261" actId="20577"/>
+          <ac:spMkLst>
+            <pc:docMk/>
+            <pc:sldMk cId="3233467802" sldId="258"/>
+            <ac:spMk id="3" creationId="{4AA79CD1-CBD8-4176-AE8E-F1A904062B55}"/>
+          </ac:spMkLst>
+        </pc:spChg>
+      </pc:sldChg>
+      <pc:sldChg chg="modSp">
+        <pc:chgData name="Taylor, Gavin" userId="S::gtaylor@wpi.edu::994ac6b7-11df-4645-a39b-9dedf391bfc6" providerId="AD" clId="Web-{13041351-895B-6795-A0EE-59010A374154}" dt="2020-04-19T21:43:55.928" v="1208" actId="20577"/>
+        <pc:sldMkLst>
+          <pc:docMk/>
+          <pc:sldMk cId="203405605" sldId="259"/>
+        </pc:sldMkLst>
+        <pc:spChg chg="mod">
+          <ac:chgData name="Taylor, Gavin" userId="S::gtaylor@wpi.edu::994ac6b7-11df-4645-a39b-9dedf391bfc6" providerId="AD" clId="Web-{13041351-895B-6795-A0EE-59010A374154}" dt="2020-04-19T21:43:55.928" v="1208" actId="20577"/>
+          <ac:spMkLst>
+            <pc:docMk/>
+            <pc:sldMk cId="203405605" sldId="259"/>
+            <ac:spMk id="3" creationId="{8B03DCAB-F77F-4164-9B6E-CF4338534561}"/>
+          </ac:spMkLst>
+        </pc:spChg>
+      </pc:sldChg>
+      <pc:sldChg chg="modSp del">
+        <pc:chgData name="Taylor, Gavin" userId="S::gtaylor@wpi.edu::994ac6b7-11df-4645-a39b-9dedf391bfc6" providerId="AD" clId="Web-{13041351-895B-6795-A0EE-59010A374154}" dt="2020-04-19T21:45:35.901" v="1263"/>
+        <pc:sldMkLst>
+          <pc:docMk/>
+          <pc:sldMk cId="173165252" sldId="260"/>
+        </pc:sldMkLst>
+        <pc:spChg chg="mod">
+          <ac:chgData name="Taylor, Gavin" userId="S::gtaylor@wpi.edu::994ac6b7-11df-4645-a39b-9dedf391bfc6" providerId="AD" clId="Web-{13041351-895B-6795-A0EE-59010A374154}" dt="2020-04-19T21:35:26.512" v="516" actId="20577"/>
+          <ac:spMkLst>
+            <pc:docMk/>
+            <pc:sldMk cId="173165252" sldId="260"/>
+            <ac:spMk id="2" creationId="{3345329D-58B0-495B-AECA-F5852DE036E8}"/>
+          </ac:spMkLst>
+        </pc:spChg>
+        <pc:spChg chg="mod">
+          <ac:chgData name="Taylor, Gavin" userId="S::gtaylor@wpi.edu::994ac6b7-11df-4645-a39b-9dedf391bfc6" providerId="AD" clId="Web-{13041351-895B-6795-A0EE-59010A374154}" dt="2020-04-19T21:45:18.291" v="1251" actId="20577"/>
+          <ac:spMkLst>
+            <pc:docMk/>
+            <pc:sldMk cId="173165252" sldId="260"/>
+            <ac:spMk id="3" creationId="{36F0DF2D-054A-487A-BAEC-E1A9F4308604}"/>
+          </ac:spMkLst>
+        </pc:spChg>
+      </pc:sldChg>
+      <pc:sldChg chg="addSp delSp modSp">
+        <pc:chgData name="Taylor, Gavin" userId="S::gtaylor@wpi.edu::994ac6b7-11df-4645-a39b-9dedf391bfc6" providerId="AD" clId="Web-{13041351-895B-6795-A0EE-59010A374154}" dt="2020-04-19T21:32:57.443" v="456"/>
+        <pc:sldMkLst>
+          <pc:docMk/>
+          <pc:sldMk cId="3755884589" sldId="261"/>
+        </pc:sldMkLst>
+        <pc:spChg chg="add mod">
+          <ac:chgData name="Taylor, Gavin" userId="S::gtaylor@wpi.edu::994ac6b7-11df-4645-a39b-9dedf391bfc6" providerId="AD" clId="Web-{13041351-895B-6795-A0EE-59010A374154}" dt="2020-04-19T21:31:47.455" v="427" actId="1076"/>
+          <ac:spMkLst>
+            <pc:docMk/>
+            <pc:sldMk cId="3755884589" sldId="261"/>
+            <ac:spMk id="8" creationId="{CB2A2247-A71D-46EF-83E4-F349CBCDA5D6}"/>
+          </ac:spMkLst>
+        </pc:spChg>
+        <pc:spChg chg="add mod">
+          <ac:chgData name="Taylor, Gavin" userId="S::gtaylor@wpi.edu::994ac6b7-11df-4645-a39b-9dedf391bfc6" providerId="AD" clId="Web-{13041351-895B-6795-A0EE-59010A374154}" dt="2020-04-19T21:32:24.426" v="454" actId="1076"/>
+          <ac:spMkLst>
+            <pc:docMk/>
+            <pc:sldMk cId="3755884589" sldId="261"/>
+            <ac:spMk id="11" creationId="{103B39EA-62E5-437B-9E90-48E67C0B9194}"/>
+          </ac:spMkLst>
+        </pc:spChg>
+        <pc:picChg chg="del mod">
+          <ac:chgData name="Taylor, Gavin" userId="S::gtaylor@wpi.edu::994ac6b7-11df-4645-a39b-9dedf391bfc6" providerId="AD" clId="Web-{13041351-895B-6795-A0EE-59010A374154}" dt="2020-04-19T21:13:36.434" v="1"/>
+          <ac:picMkLst>
+            <pc:docMk/>
+            <pc:sldMk cId="3755884589" sldId="261"/>
+            <ac:picMk id="3" creationId="{186DB7FA-0E77-4FEB-BB67-8B5F065EBE90}"/>
+          </ac:picMkLst>
+        </pc:picChg>
+        <pc:picChg chg="add del mod">
+          <ac:chgData name="Taylor, Gavin" userId="S::gtaylor@wpi.edu::994ac6b7-11df-4645-a39b-9dedf391bfc6" providerId="AD" clId="Web-{13041351-895B-6795-A0EE-59010A374154}" dt="2020-04-19T21:16:11.707" v="12"/>
+          <ac:picMkLst>
+            <pc:docMk/>
+            <pc:sldMk cId="3755884589" sldId="261"/>
+            <ac:picMk id="4" creationId="{3AD71233-CC2C-46A1-82FB-E6D4753CAAA5}"/>
+          </ac:picMkLst>
+        </pc:picChg>
+        <pc:picChg chg="add mod">
+          <ac:chgData name="Taylor, Gavin" userId="S::gtaylor@wpi.edu::994ac6b7-11df-4645-a39b-9dedf391bfc6" providerId="AD" clId="Web-{13041351-895B-6795-A0EE-59010A374154}" dt="2020-04-19T21:16:23.301" v="16" actId="1076"/>
+          <ac:picMkLst>
+            <pc:docMk/>
+            <pc:sldMk cId="3755884589" sldId="261"/>
+            <ac:picMk id="6" creationId="{CB9A46D3-97AA-460B-B2E7-FF9AFFCE2C49}"/>
+          </ac:picMkLst>
+        </pc:picChg>
+        <pc:cxnChg chg="add mod">
+          <ac:chgData name="Taylor, Gavin" userId="S::gtaylor@wpi.edu::994ac6b7-11df-4645-a39b-9dedf391bfc6" providerId="AD" clId="Web-{13041351-895B-6795-A0EE-59010A374154}" dt="2020-04-19T21:32:57.443" v="456"/>
+          <ac:cxnSpMkLst>
+            <pc:docMk/>
+            <pc:sldMk cId="3755884589" sldId="261"/>
+            <ac:cxnSpMk id="9" creationId="{72B57E1A-DF5C-4E23-AE25-D184AB4A09BE}"/>
+          </ac:cxnSpMkLst>
+        </pc:cxnChg>
+        <pc:cxnChg chg="add mod">
+          <ac:chgData name="Taylor, Gavin" userId="S::gtaylor@wpi.edu::994ac6b7-11df-4645-a39b-9dedf391bfc6" providerId="AD" clId="Web-{13041351-895B-6795-A0EE-59010A374154}" dt="2020-04-19T21:32:51.880" v="455"/>
+          <ac:cxnSpMkLst>
+            <pc:docMk/>
+            <pc:sldMk cId="3755884589" sldId="261"/>
+            <ac:cxnSpMk id="10" creationId="{3CC5D56E-82A2-4DF0-9043-5B4DDCC51037}"/>
+          </ac:cxnSpMkLst>
+        </pc:cxnChg>
+      </pc:sldChg>
+      <pc:sldChg chg="addSp modSp">
+        <pc:chgData name="Taylor, Gavin" userId="S::gtaylor@wpi.edu::994ac6b7-11df-4645-a39b-9dedf391bfc6" providerId="AD" clId="Web-{13041351-895B-6795-A0EE-59010A374154}" dt="2020-04-19T21:33:30.179" v="468" actId="14100"/>
+        <pc:sldMkLst>
+          <pc:docMk/>
+          <pc:sldMk cId="731696971" sldId="262"/>
+        </pc:sldMkLst>
+        <pc:spChg chg="add mod">
+          <ac:chgData name="Taylor, Gavin" userId="S::gtaylor@wpi.edu::994ac6b7-11df-4645-a39b-9dedf391bfc6" providerId="AD" clId="Web-{13041351-895B-6795-A0EE-59010A374154}" dt="2020-04-19T21:33:30.179" v="468" actId="14100"/>
+          <ac:spMkLst>
+            <pc:docMk/>
+            <pc:sldMk cId="731696971" sldId="262"/>
+            <ac:spMk id="7" creationId="{71EF38FD-1590-4713-A4E0-3412381133C5}"/>
+          </ac:spMkLst>
+        </pc:spChg>
+        <pc:picChg chg="add mod">
+          <ac:chgData name="Taylor, Gavin" userId="S::gtaylor@wpi.edu::994ac6b7-11df-4645-a39b-9dedf391bfc6" providerId="AD" clId="Web-{13041351-895B-6795-A0EE-59010A374154}" dt="2020-04-19T21:14:14.748" v="11" actId="1076"/>
+          <ac:picMkLst>
+            <pc:docMk/>
+            <pc:sldMk cId="731696971" sldId="262"/>
+            <ac:picMk id="3" creationId="{FEC5C733-DD62-438B-B6F5-7F221D1B75DD}"/>
+          </ac:picMkLst>
+        </pc:picChg>
+        <pc:cxnChg chg="add mod">
+          <ac:chgData name="Taylor, Gavin" userId="S::gtaylor@wpi.edu::994ac6b7-11df-4645-a39b-9dedf391bfc6" providerId="AD" clId="Web-{13041351-895B-6795-A0EE-59010A374154}" dt="2020-04-19T21:33:14.912" v="460" actId="1076"/>
+          <ac:cxnSpMkLst>
+            <pc:docMk/>
+            <pc:sldMk cId="731696971" sldId="262"/>
+            <ac:cxnSpMk id="6" creationId="{6F2EA1FA-CD4B-4C4A-9A5E-46BBFEA4CA74}"/>
+          </ac:cxnSpMkLst>
+        </pc:cxnChg>
+      </pc:sldChg>
+      <pc:sldChg chg="addSp modSp">
+        <pc:chgData name="Taylor, Gavin" userId="S::gtaylor@wpi.edu::994ac6b7-11df-4645-a39b-9dedf391bfc6" providerId="AD" clId="Web-{13041351-895B-6795-A0EE-59010A374154}" dt="2020-04-19T21:34:02.477" v="499" actId="1076"/>
+        <pc:sldMkLst>
+          <pc:docMk/>
+          <pc:sldMk cId="2999454200" sldId="263"/>
+        </pc:sldMkLst>
+        <pc:spChg chg="add mod">
+          <ac:chgData name="Taylor, Gavin" userId="S::gtaylor@wpi.edu::994ac6b7-11df-4645-a39b-9dedf391bfc6" providerId="AD" clId="Web-{13041351-895B-6795-A0EE-59010A374154}" dt="2020-04-19T21:34:02.477" v="499" actId="1076"/>
+          <ac:spMkLst>
+            <pc:docMk/>
+            <pc:sldMk cId="2999454200" sldId="263"/>
+            <ac:spMk id="7" creationId="{417B358B-1F5C-4F72-96CF-EDD0FE354E89}"/>
+          </ac:spMkLst>
+        </pc:spChg>
+        <pc:picChg chg="add mod">
+          <ac:chgData name="Taylor, Gavin" userId="S::gtaylor@wpi.edu::994ac6b7-11df-4645-a39b-9dedf391bfc6" providerId="AD" clId="Web-{13041351-895B-6795-A0EE-59010A374154}" dt="2020-04-19T21:25:07.826" v="19" actId="1076"/>
+          <ac:picMkLst>
+            <pc:docMk/>
+            <pc:sldMk cId="2999454200" sldId="263"/>
+            <ac:picMk id="3" creationId="{0B686414-CD9D-4091-BB04-4420DBE72131}"/>
+          </ac:picMkLst>
+        </pc:picChg>
+        <pc:cxnChg chg="add mod">
+          <ac:chgData name="Taylor, Gavin" userId="S::gtaylor@wpi.edu::994ac6b7-11df-4645-a39b-9dedf391bfc6" providerId="AD" clId="Web-{13041351-895B-6795-A0EE-59010A374154}" dt="2020-04-19T21:33:46.523" v="471" actId="14100"/>
+          <ac:cxnSpMkLst>
+            <pc:docMk/>
+            <pc:sldMk cId="2999454200" sldId="263"/>
+            <ac:cxnSpMk id="6" creationId="{59E2CF5B-EF8D-42D6-B8DC-45B085FF6882}"/>
+          </ac:cxnSpMkLst>
+        </pc:cxnChg>
+      </pc:sldChg>
+      <pc:sldChg chg="modSp new">
+        <pc:chgData name="Taylor, Gavin" userId="S::gtaylor@wpi.edu::994ac6b7-11df-4645-a39b-9dedf391bfc6" providerId="AD" clId="Web-{13041351-895B-6795-A0EE-59010A374154}" dt="2020-04-19T21:41:40.030" v="996" actId="20577"/>
+        <pc:sldMkLst>
+          <pc:docMk/>
+          <pc:sldMk cId="3733008032" sldId="264"/>
+        </pc:sldMkLst>
+        <pc:spChg chg="mod">
+          <ac:chgData name="Taylor, Gavin" userId="S::gtaylor@wpi.edu::994ac6b7-11df-4645-a39b-9dedf391bfc6" providerId="AD" clId="Web-{13041351-895B-6795-A0EE-59010A374154}" dt="2020-04-19T21:35:38.044" v="530" actId="20577"/>
+          <ac:spMkLst>
+            <pc:docMk/>
+            <pc:sldMk cId="3733008032" sldId="264"/>
+            <ac:spMk id="2" creationId="{249450C9-E4C7-433D-9256-29DB5B1254D3}"/>
+          </ac:spMkLst>
+        </pc:spChg>
+        <pc:spChg chg="mod">
+          <ac:chgData name="Taylor, Gavin" userId="S::gtaylor@wpi.edu::994ac6b7-11df-4645-a39b-9dedf391bfc6" providerId="AD" clId="Web-{13041351-895B-6795-A0EE-59010A374154}" dt="2020-04-19T21:41:40.030" v="996" actId="20577"/>
+          <ac:spMkLst>
+            <pc:docMk/>
+            <pc:sldMk cId="3733008032" sldId="264"/>
+            <ac:spMk id="3" creationId="{C90A231C-60FB-49A0-BF3A-4FBF842B7BA2}"/>
+          </ac:spMkLst>
+        </pc:spChg>
+      </pc:sldChg>
+    </pc:docChg>
+  </pc:docChgLst>
+  <pc:docChgLst>
+    <pc:chgData name="Taylor, Gavin" userId="S::gtaylor@wpi.edu::994ac6b7-11df-4645-a39b-9dedf391bfc6" providerId="AD" clId="Web-{CF426403-5529-01CE-AA9C-DCDB801DE1FE}"/>
+    <pc:docChg chg="addSld delSld modSld">
+      <pc:chgData name="Taylor, Gavin" userId="S::gtaylor@wpi.edu::994ac6b7-11df-4645-a39b-9dedf391bfc6" providerId="AD" clId="Web-{CF426403-5529-01CE-AA9C-DCDB801DE1FE}" dt="2020-05-14T00:15:19.389" v="378" actId="20577"/>
+      <pc:docMkLst>
+        <pc:docMk/>
+      </pc:docMkLst>
+      <pc:sldChg chg="modSp">
+        <pc:chgData name="Taylor, Gavin" userId="S::gtaylor@wpi.edu::994ac6b7-11df-4645-a39b-9dedf391bfc6" providerId="AD" clId="Web-{CF426403-5529-01CE-AA9C-DCDB801DE1FE}" dt="2020-05-14T00:15:19.389" v="377" actId="20577"/>
+        <pc:sldMkLst>
+          <pc:docMk/>
+          <pc:sldMk cId="905767964" sldId="257"/>
+        </pc:sldMkLst>
+        <pc:spChg chg="mod">
+          <ac:chgData name="Taylor, Gavin" userId="S::gtaylor@wpi.edu::994ac6b7-11df-4645-a39b-9dedf391bfc6" providerId="AD" clId="Web-{CF426403-5529-01CE-AA9C-DCDB801DE1FE}" dt="2020-05-14T00:15:19.389" v="377" actId="20577"/>
+          <ac:spMkLst>
+            <pc:docMk/>
+            <pc:sldMk cId="905767964" sldId="257"/>
+            <ac:spMk id="2" creationId="{B6FAA4E3-12BF-44A7-9C05-E2DA7A9843C5}"/>
+          </ac:spMkLst>
+        </pc:spChg>
+      </pc:sldChg>
+      <pc:sldChg chg="modSp">
+        <pc:chgData name="Taylor, Gavin" userId="S::gtaylor@wpi.edu::994ac6b7-11df-4645-a39b-9dedf391bfc6" providerId="AD" clId="Web-{CF426403-5529-01CE-AA9C-DCDB801DE1FE}" dt="2020-05-14T00:03:27.343" v="156" actId="20577"/>
+        <pc:sldMkLst>
+          <pc:docMk/>
+          <pc:sldMk cId="203405605" sldId="259"/>
+        </pc:sldMkLst>
+        <pc:spChg chg="mod">
+          <ac:chgData name="Taylor, Gavin" userId="S::gtaylor@wpi.edu::994ac6b7-11df-4645-a39b-9dedf391bfc6" providerId="AD" clId="Web-{CF426403-5529-01CE-AA9C-DCDB801DE1FE}" dt="2020-05-14T00:03:27.343" v="156" actId="20577"/>
+          <ac:spMkLst>
+            <pc:docMk/>
+            <pc:sldMk cId="203405605" sldId="259"/>
+            <ac:spMk id="3" creationId="{8B03DCAB-F77F-4164-9B6E-CF4338534561}"/>
+          </ac:spMkLst>
+        </pc:spChg>
+      </pc:sldChg>
+      <pc:sldChg chg="addSp delSp modSp">
+        <pc:chgData name="Taylor, Gavin" userId="S::gtaylor@wpi.edu::994ac6b7-11df-4645-a39b-9dedf391bfc6" providerId="AD" clId="Web-{CF426403-5529-01CE-AA9C-DCDB801DE1FE}" dt="2020-05-14T00:12:41.952" v="319" actId="20577"/>
+        <pc:sldMkLst>
+          <pc:docMk/>
+          <pc:sldMk cId="3755884589" sldId="261"/>
+        </pc:sldMkLst>
+        <pc:spChg chg="del">
+          <ac:chgData name="Taylor, Gavin" userId="S::gtaylor@wpi.edu::994ac6b7-11df-4645-a39b-9dedf391bfc6" providerId="AD" clId="Web-{CF426403-5529-01CE-AA9C-DCDB801DE1FE}" dt="2020-05-14T00:06:56.530" v="162"/>
+          <ac:spMkLst>
+            <pc:docMk/>
+            <pc:sldMk cId="3755884589" sldId="261"/>
+            <ac:spMk id="8" creationId="{CB2A2247-A71D-46EF-83E4-F349CBCDA5D6}"/>
+          </ac:spMkLst>
+        </pc:spChg>
+        <pc:spChg chg="del">
+          <ac:chgData name="Taylor, Gavin" userId="S::gtaylor@wpi.edu::994ac6b7-11df-4645-a39b-9dedf391bfc6" providerId="AD" clId="Web-{CF426403-5529-01CE-AA9C-DCDB801DE1FE}" dt="2020-05-14T00:06:56.530" v="159"/>
+          <ac:spMkLst>
+            <pc:docMk/>
+            <pc:sldMk cId="3755884589" sldId="261"/>
+            <ac:spMk id="11" creationId="{103B39EA-62E5-437B-9E90-48E67C0B9194}"/>
+          </ac:spMkLst>
+        </pc:spChg>
+        <pc:spChg chg="add mod">
+          <ac:chgData name="Taylor, Gavin" userId="S::gtaylor@wpi.edu::994ac6b7-11df-4645-a39b-9dedf391bfc6" providerId="AD" clId="Web-{CF426403-5529-01CE-AA9C-DCDB801DE1FE}" dt="2020-05-14T00:11:50.046" v="287"/>
+          <ac:spMkLst>
+            <pc:docMk/>
+            <pc:sldMk cId="3755884589" sldId="261"/>
+            <ac:spMk id="18" creationId="{A1B31DCF-0455-4FEE-8EA9-94D2FB293FDB}"/>
+          </ac:spMkLst>
+        </pc:spChg>
+        <pc:spChg chg="add mod">
+          <ac:chgData name="Taylor, Gavin" userId="S::gtaylor@wpi.edu::994ac6b7-11df-4645-a39b-9dedf391bfc6" providerId="AD" clId="Web-{CF426403-5529-01CE-AA9C-DCDB801DE1FE}" dt="2020-05-14T00:12:07.108" v="305" actId="1076"/>
+          <ac:spMkLst>
+            <pc:docMk/>
+            <pc:sldMk cId="3755884589" sldId="261"/>
+            <ac:spMk id="22" creationId="{D03706B0-D9D4-4AEE-BCEE-1E56E899343B}"/>
+          </ac:spMkLst>
+        </pc:spChg>
+        <pc:spChg chg="add mod">
+          <ac:chgData name="Taylor, Gavin" userId="S::gtaylor@wpi.edu::994ac6b7-11df-4645-a39b-9dedf391bfc6" providerId="AD" clId="Web-{CF426403-5529-01CE-AA9C-DCDB801DE1FE}" dt="2020-05-14T00:12:41.952" v="319" actId="20577"/>
+          <ac:spMkLst>
+            <pc:docMk/>
+            <pc:sldMk cId="3755884589" sldId="261"/>
+            <ac:spMk id="24" creationId="{3EF2D98E-36B7-4AF4-B04D-8FBD95F3F72C}"/>
+          </ac:spMkLst>
+        </pc:spChg>
+        <pc:picChg chg="add del mod">
+          <ac:chgData name="Taylor, Gavin" userId="S::gtaylor@wpi.edu::994ac6b7-11df-4645-a39b-9dedf391bfc6" providerId="AD" clId="Web-{CF426403-5529-01CE-AA9C-DCDB801DE1FE}" dt="2020-05-14T00:07:47.624" v="221"/>
+          <ac:picMkLst>
+            <pc:docMk/>
+            <pc:sldMk cId="3755884589" sldId="261"/>
+            <ac:picMk id="3" creationId="{96D578E3-FD1E-4340-BFCE-BD1FEF9D8A92}"/>
+          </ac:picMkLst>
+        </pc:picChg>
+        <pc:picChg chg="add mod">
+          <ac:chgData name="Taylor, Gavin" userId="S::gtaylor@wpi.edu::994ac6b7-11df-4645-a39b-9dedf391bfc6" providerId="AD" clId="Web-{CF426403-5529-01CE-AA9C-DCDB801DE1FE}" dt="2020-05-14T00:07:59.093" v="226" actId="1076"/>
+          <ac:picMkLst>
+            <pc:docMk/>
+            <pc:sldMk cId="3755884589" sldId="261"/>
+            <ac:picMk id="5" creationId="{E31E0BBB-C032-466D-8FD2-36A9F61F5185}"/>
+          </ac:picMkLst>
+        </pc:picChg>
+        <pc:picChg chg="del">
+          <ac:chgData name="Taylor, Gavin" userId="S::gtaylor@wpi.edu::994ac6b7-11df-4645-a39b-9dedf391bfc6" providerId="AD" clId="Web-{CF426403-5529-01CE-AA9C-DCDB801DE1FE}" dt="2020-05-14T00:06:54.858" v="158"/>
+          <ac:picMkLst>
+            <pc:docMk/>
+            <pc:sldMk cId="3755884589" sldId="261"/>
+            <ac:picMk id="6" creationId="{CB9A46D3-97AA-460B-B2E7-FF9AFFCE2C49}"/>
+          </ac:picMkLst>
+        </pc:picChg>
+        <pc:picChg chg="add del mod">
+          <ac:chgData name="Taylor, Gavin" userId="S::gtaylor@wpi.edu::994ac6b7-11df-4645-a39b-9dedf391bfc6" providerId="AD" clId="Web-{CF426403-5529-01CE-AA9C-DCDB801DE1FE}" dt="2020-05-14T00:10:44.999" v="274"/>
+          <ac:picMkLst>
+            <pc:docMk/>
+            <pc:sldMk cId="3755884589" sldId="261"/>
+            <ac:picMk id="14" creationId="{12713363-A527-48EF-AC97-865C369C5F42}"/>
+          </ac:picMkLst>
+        </pc:picChg>
+        <pc:inkChg chg="add del">
+          <ac:chgData name="Taylor, Gavin" userId="S::gtaylor@wpi.edu::994ac6b7-11df-4645-a39b-9dedf391bfc6" providerId="AD" clId="Web-{CF426403-5529-01CE-AA9C-DCDB801DE1FE}" dt="2020-05-14T00:09:03.874" v="239"/>
+          <ac:inkMkLst>
+            <pc:docMk/>
+            <pc:sldMk cId="3755884589" sldId="261"/>
+            <ac:inkMk id="12" creationId="{4F16F0ED-0420-457B-9AA8-BDDBAD5724D4}"/>
+          </ac:inkMkLst>
+        </pc:inkChg>
+        <pc:inkChg chg="add del">
+          <ac:chgData name="Taylor, Gavin" userId="S::gtaylor@wpi.edu::994ac6b7-11df-4645-a39b-9dedf391bfc6" providerId="AD" clId="Web-{CF426403-5529-01CE-AA9C-DCDB801DE1FE}" dt="2020-05-14T00:09:02.999" v="238"/>
+          <ac:inkMkLst>
+            <pc:docMk/>
+            <pc:sldMk cId="3755884589" sldId="261"/>
+            <ac:inkMk id="13" creationId="{D652F63A-C2D3-4712-855E-22A484E4CB58}"/>
+          </ac:inkMkLst>
+        </pc:inkChg>
+        <pc:inkChg chg="add del">
+          <ac:chgData name="Taylor, Gavin" userId="S::gtaylor@wpi.edu::994ac6b7-11df-4645-a39b-9dedf391bfc6" providerId="AD" clId="Web-{CF426403-5529-01CE-AA9C-DCDB801DE1FE}" dt="2020-05-14T00:09:24.358" v="242"/>
+          <ac:inkMkLst>
+            <pc:docMk/>
+            <pc:sldMk cId="3755884589" sldId="261"/>
+            <ac:inkMk id="16" creationId="{0F5B853C-A42E-42D9-BEB7-C1A8C115142B}"/>
+          </ac:inkMkLst>
+        </pc:inkChg>
+        <pc:inkChg chg="add del">
+          <ac:chgData name="Taylor, Gavin" userId="S::gtaylor@wpi.edu::994ac6b7-11df-4645-a39b-9dedf391bfc6" providerId="AD" clId="Web-{CF426403-5529-01CE-AA9C-DCDB801DE1FE}" dt="2020-05-14T00:09:28.858" v="244"/>
+          <ac:inkMkLst>
+            <pc:docMk/>
+            <pc:sldMk cId="3755884589" sldId="261"/>
+            <ac:inkMk id="17" creationId="{C868A397-C803-475E-84D0-A51982118136}"/>
+          </ac:inkMkLst>
+        </pc:inkChg>
+        <pc:cxnChg chg="del">
+          <ac:chgData name="Taylor, Gavin" userId="S::gtaylor@wpi.edu::994ac6b7-11df-4645-a39b-9dedf391bfc6" providerId="AD" clId="Web-{CF426403-5529-01CE-AA9C-DCDB801DE1FE}" dt="2020-05-14T00:06:56.530" v="161"/>
+          <ac:cxnSpMkLst>
+            <pc:docMk/>
+            <pc:sldMk cId="3755884589" sldId="261"/>
+            <ac:cxnSpMk id="9" creationId="{72B57E1A-DF5C-4E23-AE25-D184AB4A09BE}"/>
+          </ac:cxnSpMkLst>
+        </pc:cxnChg>
+        <pc:cxnChg chg="del">
+          <ac:chgData name="Taylor, Gavin" userId="S::gtaylor@wpi.edu::994ac6b7-11df-4645-a39b-9dedf391bfc6" providerId="AD" clId="Web-{CF426403-5529-01CE-AA9C-DCDB801DE1FE}" dt="2020-05-14T00:06:56.530" v="160"/>
+          <ac:cxnSpMkLst>
+            <pc:docMk/>
+            <pc:sldMk cId="3755884589" sldId="261"/>
+            <ac:cxnSpMk id="10" creationId="{3CC5D56E-82A2-4DF0-9043-5B4DDCC51037}"/>
+          </ac:cxnSpMkLst>
+        </pc:cxnChg>
+        <pc:cxnChg chg="add mod">
+          <ac:chgData name="Taylor, Gavin" userId="S::gtaylor@wpi.edu::994ac6b7-11df-4645-a39b-9dedf391bfc6" providerId="AD" clId="Web-{CF426403-5529-01CE-AA9C-DCDB801DE1FE}" dt="2020-05-14T00:11:14.483" v="280" actId="1076"/>
+          <ac:cxnSpMkLst>
+            <pc:docMk/>
+            <pc:sldMk cId="3755884589" sldId="261"/>
+            <ac:cxnSpMk id="19" creationId="{0326AAD0-29C4-4FE2-94E5-694465E59059}"/>
+          </ac:cxnSpMkLst>
+        </pc:cxnChg>
+        <pc:cxnChg chg="add mod">
+          <ac:chgData name="Taylor, Gavin" userId="S::gtaylor@wpi.edu::994ac6b7-11df-4645-a39b-9dedf391bfc6" providerId="AD" clId="Web-{CF426403-5529-01CE-AA9C-DCDB801DE1FE}" dt="2020-05-14T00:11:26.936" v="282" actId="1076"/>
+          <ac:cxnSpMkLst>
+            <pc:docMk/>
+            <pc:sldMk cId="3755884589" sldId="261"/>
+            <ac:cxnSpMk id="20" creationId="{5E440254-084E-4C4A-802D-E4B5B6AF0293}"/>
+          </ac:cxnSpMkLst>
+        </pc:cxnChg>
+        <pc:cxnChg chg="add del mod">
+          <ac:chgData name="Taylor, Gavin" userId="S::gtaylor@wpi.edu::994ac6b7-11df-4645-a39b-9dedf391bfc6" providerId="AD" clId="Web-{CF426403-5529-01CE-AA9C-DCDB801DE1FE}" dt="2020-05-14T00:11:41.233" v="285"/>
+          <ac:cxnSpMkLst>
+            <pc:docMk/>
+            <pc:sldMk cId="3755884589" sldId="261"/>
+            <ac:cxnSpMk id="21" creationId="{65AAFB85-89F1-4623-A516-82E389F4931B}"/>
+          </ac:cxnSpMkLst>
+        </pc:cxnChg>
+        <pc:cxnChg chg="add mod">
+          <ac:chgData name="Taylor, Gavin" userId="S::gtaylor@wpi.edu::994ac6b7-11df-4645-a39b-9dedf391bfc6" providerId="AD" clId="Web-{CF426403-5529-01CE-AA9C-DCDB801DE1FE}" dt="2020-05-14T00:12:25.624" v="310" actId="14100"/>
+          <ac:cxnSpMkLst>
+            <pc:docMk/>
+            <pc:sldMk cId="3755884589" sldId="261"/>
+            <ac:cxnSpMk id="23" creationId="{5F5A4EA8-A530-46F5-9982-20CEF36D963B}"/>
+          </ac:cxnSpMkLst>
+        </pc:cxnChg>
+      </pc:sldChg>
+      <pc:sldChg chg="addSp delSp modSp">
+        <pc:chgData name="Taylor, Gavin" userId="S::gtaylor@wpi.edu::994ac6b7-11df-4645-a39b-9dedf391bfc6" providerId="AD" clId="Web-{CF426403-5529-01CE-AA9C-DCDB801DE1FE}" dt="2020-05-14T00:08:10.546" v="229" actId="1076"/>
+        <pc:sldMkLst>
+          <pc:docMk/>
+          <pc:sldMk cId="731696971" sldId="262"/>
+        </pc:sldMkLst>
+        <pc:spChg chg="del">
+          <ac:chgData name="Taylor, Gavin" userId="S::gtaylor@wpi.edu::994ac6b7-11df-4645-a39b-9dedf391bfc6" providerId="AD" clId="Web-{CF426403-5529-01CE-AA9C-DCDB801DE1FE}" dt="2020-05-14T00:06:58.530" v="163"/>
+          <ac:spMkLst>
+            <pc:docMk/>
+            <pc:sldMk cId="731696971" sldId="262"/>
+            <ac:spMk id="7" creationId="{71EF38FD-1590-4713-A4E0-3412381133C5}"/>
+          </ac:spMkLst>
+        </pc:spChg>
+        <pc:picChg chg="del mod">
+          <ac:chgData name="Taylor, Gavin" userId="S::gtaylor@wpi.edu::994ac6b7-11df-4645-a39b-9dedf391bfc6" providerId="AD" clId="Web-{CF426403-5529-01CE-AA9C-DCDB801DE1FE}" dt="2020-05-14T00:07:10.140" v="174"/>
+          <ac:picMkLst>
+            <pc:docMk/>
+            <pc:sldMk cId="731696971" sldId="262"/>
+            <ac:picMk id="3" creationId="{FEC5C733-DD62-438B-B6F5-7F221D1B75DD}"/>
+          </ac:picMkLst>
+        </pc:picChg>
+        <pc:picChg chg="add mod">
+          <ac:chgData name="Taylor, Gavin" userId="S::gtaylor@wpi.edu::994ac6b7-11df-4645-a39b-9dedf391bfc6" providerId="AD" clId="Web-{CF426403-5529-01CE-AA9C-DCDB801DE1FE}" dt="2020-05-14T00:08:10.546" v="229" actId="1076"/>
+          <ac:picMkLst>
+            <pc:docMk/>
+            <pc:sldMk cId="731696971" sldId="262"/>
+            <ac:picMk id="4" creationId="{3672A8EC-7251-4DE0-AD70-EF9823B147E1}"/>
+          </ac:picMkLst>
+        </pc:picChg>
+        <pc:cxnChg chg="del">
+          <ac:chgData name="Taylor, Gavin" userId="S::gtaylor@wpi.edu::994ac6b7-11df-4645-a39b-9dedf391bfc6" providerId="AD" clId="Web-{CF426403-5529-01CE-AA9C-DCDB801DE1FE}" dt="2020-05-14T00:07:00.702" v="164"/>
+          <ac:cxnSpMkLst>
+            <pc:docMk/>
+            <pc:sldMk cId="731696971" sldId="262"/>
+            <ac:cxnSpMk id="6" creationId="{6F2EA1FA-CD4B-4C4A-9A5E-46BBFEA4CA74}"/>
+          </ac:cxnSpMkLst>
+        </pc:cxnChg>
+      </pc:sldChg>
+      <pc:sldChg chg="delSp modSp del">
+        <pc:chgData name="Taylor, Gavin" userId="S::gtaylor@wpi.edu::994ac6b7-11df-4645-a39b-9dedf391bfc6" providerId="AD" clId="Web-{CF426403-5529-01CE-AA9C-DCDB801DE1FE}" dt="2020-05-14T00:07:10.858" v="175"/>
+        <pc:sldMkLst>
+          <pc:docMk/>
+          <pc:sldMk cId="2999454200" sldId="263"/>
+        </pc:sldMkLst>
+        <pc:spChg chg="del mod">
+          <ac:chgData name="Taylor, Gavin" userId="S::gtaylor@wpi.edu::994ac6b7-11df-4645-a39b-9dedf391bfc6" providerId="AD" clId="Web-{CF426403-5529-01CE-AA9C-DCDB801DE1FE}" dt="2020-05-14T00:07:08.452" v="172"/>
+          <ac:spMkLst>
+            <pc:docMk/>
+            <pc:sldMk cId="2999454200" sldId="263"/>
+            <ac:spMk id="7" creationId="{417B358B-1F5C-4F72-96CF-EDD0FE354E89}"/>
+          </ac:spMkLst>
+        </pc:spChg>
+        <pc:cxnChg chg="del">
+          <ac:chgData name="Taylor, Gavin" userId="S::gtaylor@wpi.edu::994ac6b7-11df-4645-a39b-9dedf391bfc6" providerId="AD" clId="Web-{CF426403-5529-01CE-AA9C-DCDB801DE1FE}" dt="2020-05-14T00:07:05.593" v="168"/>
+          <ac:cxnSpMkLst>
+            <pc:docMk/>
+            <pc:sldMk cId="2999454200" sldId="263"/>
+            <ac:cxnSpMk id="6" creationId="{59E2CF5B-EF8D-42D6-B8DC-45B085FF6882}"/>
+          </ac:cxnSpMkLst>
+        </pc:cxnChg>
+      </pc:sldChg>
+      <pc:sldChg chg="modSp">
+        <pc:chgData name="Taylor, Gavin" userId="S::gtaylor@wpi.edu::994ac6b7-11df-4645-a39b-9dedf391bfc6" providerId="AD" clId="Web-{CF426403-5529-01CE-AA9C-DCDB801DE1FE}" dt="2020-05-14T00:14:14.436" v="366" actId="20577"/>
+        <pc:sldMkLst>
+          <pc:docMk/>
+          <pc:sldMk cId="3733008032" sldId="264"/>
+        </pc:sldMkLst>
+        <pc:spChg chg="mod">
+          <ac:chgData name="Taylor, Gavin" userId="S::gtaylor@wpi.edu::994ac6b7-11df-4645-a39b-9dedf391bfc6" providerId="AD" clId="Web-{CF426403-5529-01CE-AA9C-DCDB801DE1FE}" dt="2020-05-14T00:14:14.436" v="366" actId="20577"/>
+          <ac:spMkLst>
+            <pc:docMk/>
+            <pc:sldMk cId="3733008032" sldId="264"/>
+            <ac:spMk id="3" creationId="{C90A231C-60FB-49A0-BF3A-4FBF842B7BA2}"/>
+          </ac:spMkLst>
+        </pc:spChg>
+      </pc:sldChg>
+      <pc:sldChg chg="addSp delSp modSp new">
+        <pc:chgData name="Taylor, Gavin" userId="S::gtaylor@wpi.edu::994ac6b7-11df-4645-a39b-9dedf391bfc6" providerId="AD" clId="Web-{CF426403-5529-01CE-AA9C-DCDB801DE1FE}" dt="2020-05-14T00:08:26.218" v="235" actId="1076"/>
+        <pc:sldMkLst>
+          <pc:docMk/>
+          <pc:sldMk cId="3655777338" sldId="265"/>
+        </pc:sldMkLst>
+        <pc:spChg chg="mod">
+          <ac:chgData name="Taylor, Gavin" userId="S::gtaylor@wpi.edu::994ac6b7-11df-4645-a39b-9dedf391bfc6" providerId="AD" clId="Web-{CF426403-5529-01CE-AA9C-DCDB801DE1FE}" dt="2020-05-14T00:07:22.030" v="215" actId="20577"/>
+          <ac:spMkLst>
+            <pc:docMk/>
+            <pc:sldMk cId="3655777338" sldId="265"/>
+            <ac:spMk id="2" creationId="{871B1A0A-DA7A-4512-A919-9637987C018F}"/>
+          </ac:spMkLst>
+        </pc:spChg>
+        <pc:spChg chg="del">
+          <ac:chgData name="Taylor, Gavin" userId="S::gtaylor@wpi.edu::994ac6b7-11df-4645-a39b-9dedf391bfc6" providerId="AD" clId="Web-{CF426403-5529-01CE-AA9C-DCDB801DE1FE}" dt="2020-05-14T00:08:15.436" v="230"/>
+          <ac:spMkLst>
+            <pc:docMk/>
+            <pc:sldMk cId="3655777338" sldId="265"/>
+            <ac:spMk id="3" creationId="{C4CB7A7D-27D4-4A94-8E83-00DD20D59263}"/>
+          </ac:spMkLst>
+        </pc:spChg>
+        <pc:picChg chg="add mod ord">
+          <ac:chgData name="Taylor, Gavin" userId="S::gtaylor@wpi.edu::994ac6b7-11df-4645-a39b-9dedf391bfc6" providerId="AD" clId="Web-{CF426403-5529-01CE-AA9C-DCDB801DE1FE}" dt="2020-05-14T00:08:26.218" v="235" actId="1076"/>
+          <ac:picMkLst>
+            <pc:docMk/>
+            <pc:sldMk cId="3655777338" sldId="265"/>
+            <ac:picMk id="4" creationId="{5BCEFCAF-43FD-42E3-8E64-3F23CFF39FD2}"/>
+          </ac:picMkLst>
+        </pc:picChg>
+      </pc:sldChg>
+    </pc:docChg>
+  </pc:docChgLst>
+  <pc:docChgLst>
+    <pc:chgData name="Luke Bodwell" userId="40034145-3666-4fce-883f-110ef14c647d" providerId="ADAL" clId="{A316D020-788D-47A1-B5BD-00CAEEBB6801}"/>
+    <pc:docChg chg="custSel addSld delSld modSld">
+      <pc:chgData name="Luke Bodwell" userId="40034145-3666-4fce-883f-110ef14c647d" providerId="ADAL" clId="{A316D020-788D-47A1-B5BD-00CAEEBB6801}" dt="2020-05-14T00:02:19.367" v="179" actId="20577"/>
+      <pc:docMkLst>
+        <pc:docMk/>
+      </pc:docMkLst>
+      <pc:sldChg chg="del">
+        <pc:chgData name="Luke Bodwell" userId="40034145-3666-4fce-883f-110ef14c647d" providerId="ADAL" clId="{A316D020-788D-47A1-B5BD-00CAEEBB6801}" dt="2020-04-16T00:34:23.522" v="1" actId="2696"/>
+        <pc:sldMkLst>
+          <pc:docMk/>
+          <pc:sldMk cId="109857222" sldId="256"/>
+        </pc:sldMkLst>
+      </pc:sldChg>
+      <pc:sldChg chg="modSp add">
+        <pc:chgData name="Luke Bodwell" userId="40034145-3666-4fce-883f-110ef14c647d" providerId="ADAL" clId="{A316D020-788D-47A1-B5BD-00CAEEBB6801}" dt="2020-04-16T00:34:29.639" v="9" actId="20577"/>
+        <pc:sldMkLst>
+          <pc:docMk/>
+          <pc:sldMk cId="905767964" sldId="257"/>
+        </pc:sldMkLst>
+        <pc:spChg chg="mod">
+          <ac:chgData name="Luke Bodwell" userId="40034145-3666-4fce-883f-110ef14c647d" providerId="ADAL" clId="{A316D020-788D-47A1-B5BD-00CAEEBB6801}" dt="2020-04-16T00:34:29.639" v="9" actId="20577"/>
+          <ac:spMkLst>
+            <pc:docMk/>
+            <pc:sldMk cId="905767964" sldId="257"/>
+            <ac:spMk id="2" creationId="{B6FAA4E3-12BF-44A7-9C05-E2DA7A9843C5}"/>
+          </ac:spMkLst>
+        </pc:spChg>
+      </pc:sldChg>
+      <pc:sldChg chg="add">
+        <pc:chgData name="Luke Bodwell" userId="40034145-3666-4fce-883f-110ef14c647d" providerId="ADAL" clId="{A316D020-788D-47A1-B5BD-00CAEEBB6801}" dt="2020-04-16T00:34:20.426" v="0"/>
+        <pc:sldMkLst>
+          <pc:docMk/>
+          <pc:sldMk cId="3233467802" sldId="258"/>
+        </pc:sldMkLst>
+      </pc:sldChg>
+      <pc:sldChg chg="modSp add">
+        <pc:chgData name="Luke Bodwell" userId="40034145-3666-4fce-883f-110ef14c647d" providerId="ADAL" clId="{A316D020-788D-47A1-B5BD-00CAEEBB6801}" dt="2020-05-14T00:02:19.367" v="179" actId="20577"/>
+        <pc:sldMkLst>
+          <pc:docMk/>
+          <pc:sldMk cId="203405605" sldId="259"/>
+        </pc:sldMkLst>
+        <pc:spChg chg="mod">
+          <ac:chgData name="Luke Bodwell" userId="40034145-3666-4fce-883f-110ef14c647d" providerId="ADAL" clId="{A316D020-788D-47A1-B5BD-00CAEEBB6801}" dt="2020-05-14T00:02:19.367" v="179" actId="20577"/>
+          <ac:spMkLst>
+            <pc:docMk/>
+            <pc:sldMk cId="203405605" sldId="259"/>
+            <ac:spMk id="3" creationId="{8B03DCAB-F77F-4164-9B6E-CF4338534561}"/>
+          </ac:spMkLst>
+        </pc:spChg>
+      </pc:sldChg>
+      <pc:sldChg chg="add">
+        <pc:chgData name="Luke Bodwell" userId="40034145-3666-4fce-883f-110ef14c647d" providerId="ADAL" clId="{A316D020-788D-47A1-B5BD-00CAEEBB6801}" dt="2020-04-16T00:34:20.426" v="0"/>
+        <pc:sldMkLst>
+          <pc:docMk/>
+          <pc:sldMk cId="173165252" sldId="260"/>
+        </pc:sldMkLst>
+      </pc:sldChg>
+      <pc:sldChg chg="add">
+        <pc:chgData name="Luke Bodwell" userId="40034145-3666-4fce-883f-110ef14c647d" providerId="ADAL" clId="{A316D020-788D-47A1-B5BD-00CAEEBB6801}" dt="2020-04-16T00:34:20.426" v="0"/>
+        <pc:sldMkLst>
+          <pc:docMk/>
+          <pc:sldMk cId="3755884589" sldId="261"/>
+        </pc:sldMkLst>
+      </pc:sldChg>
+      <pc:sldChg chg="add">
+        <pc:chgData name="Luke Bodwell" userId="40034145-3666-4fce-883f-110ef14c647d" providerId="ADAL" clId="{A316D020-788D-47A1-B5BD-00CAEEBB6801}" dt="2020-04-16T00:34:20.426" v="0"/>
+        <pc:sldMkLst>
+          <pc:docMk/>
+          <pc:sldMk cId="731696971" sldId="262"/>
+        </pc:sldMkLst>
+      </pc:sldChg>
+      <pc:sldChg chg="add">
+        <pc:chgData name="Luke Bodwell" userId="40034145-3666-4fce-883f-110ef14c647d" providerId="ADAL" clId="{A316D020-788D-47A1-B5BD-00CAEEBB6801}" dt="2020-04-16T00:34:20.426" v="0"/>
+        <pc:sldMkLst>
+          <pc:docMk/>
+          <pc:sldMk cId="2999454200" sldId="263"/>
+        </pc:sldMkLst>
+      </pc:sldChg>
+      <pc:sldChg chg="modSp">
+        <pc:chgData name="Luke Bodwell" userId="40034145-3666-4fce-883f-110ef14c647d" providerId="ADAL" clId="{A316D020-788D-47A1-B5BD-00CAEEBB6801}" dt="2020-05-14T00:00:02.301" v="13" actId="20577"/>
+        <pc:sldMkLst>
+          <pc:docMk/>
+          <pc:sldMk cId="3733008032" sldId="264"/>
+        </pc:sldMkLst>
+        <pc:spChg chg="mod">
+          <ac:chgData name="Luke Bodwell" userId="40034145-3666-4fce-883f-110ef14c647d" providerId="ADAL" clId="{A316D020-788D-47A1-B5BD-00CAEEBB6801}" dt="2020-05-14T00:00:02.301" v="13" actId="20577"/>
+          <ac:spMkLst>
+            <pc:docMk/>
+            <pc:sldMk cId="3733008032" sldId="264"/>
+            <ac:spMk id="3" creationId="{C90A231C-60FB-49A0-BF3A-4FBF842B7BA2}"/>
+          </ac:spMkLst>
+        </pc:spChg>
+      </pc:sldChg>
+    </pc:docChg>
+  </pc:docChgLst>
+  <pc:docChgLst>
+    <pc:chgData name="Taylor, Gavin" userId="S::gtaylor@wpi.edu::994ac6b7-11df-4645-a39b-9dedf391bfc6" providerId="AD" clId="Web-{D9193752-B9FB-6ADB-1800-0561DD2B0C65}"/>
+    <pc:docChg chg="modSld">
+      <pc:chgData name="Taylor, Gavin" userId="S::gtaylor@wpi.edu::994ac6b7-11df-4645-a39b-9dedf391bfc6" providerId="AD" clId="Web-{D9193752-B9FB-6ADB-1800-0561DD2B0C65}" dt="2020-04-16T00:50:12.500" v="316" actId="20577"/>
+      <pc:docMkLst>
+        <pc:docMk/>
+      </pc:docMkLst>
+      <pc:sldChg chg="modSp">
+        <pc:chgData name="Taylor, Gavin" userId="S::gtaylor@wpi.edu::994ac6b7-11df-4645-a39b-9dedf391bfc6" providerId="AD" clId="Web-{D9193752-B9FB-6ADB-1800-0561DD2B0C65}" dt="2020-04-16T00:37:07.739" v="32" actId="20577"/>
+        <pc:sldMkLst>
+          <pc:docMk/>
+          <pc:sldMk cId="3233467802" sldId="258"/>
+        </pc:sldMkLst>
+        <pc:spChg chg="mod">
+          <ac:chgData name="Taylor, Gavin" userId="S::gtaylor@wpi.edu::994ac6b7-11df-4645-a39b-9dedf391bfc6" providerId="AD" clId="Web-{D9193752-B9FB-6ADB-1800-0561DD2B0C65}" dt="2020-04-16T00:37:07.739" v="32" actId="20577"/>
+          <ac:spMkLst>
+            <pc:docMk/>
+            <pc:sldMk cId="3233467802" sldId="258"/>
+            <ac:spMk id="2" creationId="{029980EC-70A1-47E2-92C8-AE13CF3706A8}"/>
+          </ac:spMkLst>
+        </pc:spChg>
+        <pc:spChg chg="mod">
+          <ac:chgData name="Taylor, Gavin" userId="S::gtaylor@wpi.edu::994ac6b7-11df-4645-a39b-9dedf391bfc6" providerId="AD" clId="Web-{D9193752-B9FB-6ADB-1800-0561DD2B0C65}" dt="2020-04-16T00:34:36.659" v="0" actId="20577"/>
+          <ac:spMkLst>
+            <pc:docMk/>
+            <pc:sldMk cId="3233467802" sldId="258"/>
+            <ac:spMk id="3" creationId="{4AA79CD1-CBD8-4176-AE8E-F1A904062B55}"/>
+          </ac:spMkLst>
+        </pc:spChg>
+      </pc:sldChg>
+      <pc:sldChg chg="modSp">
+        <pc:chgData name="Taylor, Gavin" userId="S::gtaylor@wpi.edu::994ac6b7-11df-4645-a39b-9dedf391bfc6" providerId="AD" clId="Web-{D9193752-B9FB-6ADB-1800-0561DD2B0C65}" dt="2020-04-16T00:46:49.575" v="199" actId="20577"/>
+        <pc:sldMkLst>
+          <pc:docMk/>
+          <pc:sldMk cId="203405605" sldId="259"/>
+        </pc:sldMkLst>
+        <pc:spChg chg="mod">
+          <ac:chgData name="Taylor, Gavin" userId="S::gtaylor@wpi.edu::994ac6b7-11df-4645-a39b-9dedf391bfc6" providerId="AD" clId="Web-{D9193752-B9FB-6ADB-1800-0561DD2B0C65}" dt="2020-04-16T00:46:49.575" v="199" actId="20577"/>
+          <ac:spMkLst>
+            <pc:docMk/>
+            <pc:sldMk cId="203405605" sldId="259"/>
+            <ac:spMk id="3" creationId="{8B03DCAB-F77F-4164-9B6E-CF4338534561}"/>
+          </ac:spMkLst>
+        </pc:spChg>
+      </pc:sldChg>
+      <pc:sldChg chg="modSp">
+        <pc:chgData name="Taylor, Gavin" userId="S::gtaylor@wpi.edu::994ac6b7-11df-4645-a39b-9dedf391bfc6" providerId="AD" clId="Web-{D9193752-B9FB-6ADB-1800-0561DD2B0C65}" dt="2020-04-16T00:50:12.500" v="315" actId="20577"/>
+        <pc:sldMkLst>
+          <pc:docMk/>
+          <pc:sldMk cId="173165252" sldId="260"/>
+        </pc:sldMkLst>
+        <pc:spChg chg="mod">
+          <ac:chgData name="Taylor, Gavin" userId="S::gtaylor@wpi.edu::994ac6b7-11df-4645-a39b-9dedf391bfc6" providerId="AD" clId="Web-{D9193752-B9FB-6ADB-1800-0561DD2B0C65}" dt="2020-04-16T00:50:12.500" v="315" actId="20577"/>
+          <ac:spMkLst>
+            <pc:docMk/>
+            <pc:sldMk cId="173165252" sldId="260"/>
+            <ac:spMk id="3" creationId="{36F0DF2D-054A-487A-BAEC-E1A9F4308604}"/>
+          </ac:spMkLst>
+        </pc:spChg>
+      </pc:sldChg>
+      <pc:sldChg chg="delSp">
+        <pc:chgData name="Taylor, Gavin" userId="S::gtaylor@wpi.edu::994ac6b7-11df-4645-a39b-9dedf391bfc6" providerId="AD" clId="Web-{D9193752-B9FB-6ADB-1800-0561DD2B0C65}" dt="2020-04-16T00:34:49.003" v="9"/>
+        <pc:sldMkLst>
+          <pc:docMk/>
+          <pc:sldMk cId="3755884589" sldId="261"/>
+        </pc:sldMkLst>
+        <pc:picChg chg="del">
+          <ac:chgData name="Taylor, Gavin" userId="S::gtaylor@wpi.edu::994ac6b7-11df-4645-a39b-9dedf391bfc6" providerId="AD" clId="Web-{D9193752-B9FB-6ADB-1800-0561DD2B0C65}" dt="2020-04-16T00:34:49.003" v="9"/>
+          <ac:picMkLst>
+            <pc:docMk/>
+            <pc:sldMk cId="3755884589" sldId="261"/>
+            <ac:picMk id="3" creationId="{A3B2FEFD-5208-4FDF-B6E2-C33098D551A2}"/>
+          </ac:picMkLst>
+        </pc:picChg>
+      </pc:sldChg>
+      <pc:sldChg chg="delSp">
+        <pc:chgData name="Taylor, Gavin" userId="S::gtaylor@wpi.edu::994ac6b7-11df-4645-a39b-9dedf391bfc6" providerId="AD" clId="Web-{D9193752-B9FB-6ADB-1800-0561DD2B0C65}" dt="2020-04-16T00:34:50.925" v="10"/>
+        <pc:sldMkLst>
+          <pc:docMk/>
+          <pc:sldMk cId="731696971" sldId="262"/>
+        </pc:sldMkLst>
+        <pc:picChg chg="del">
+          <ac:chgData name="Taylor, Gavin" userId="S::gtaylor@wpi.edu::994ac6b7-11df-4645-a39b-9dedf391bfc6" providerId="AD" clId="Web-{D9193752-B9FB-6ADB-1800-0561DD2B0C65}" dt="2020-04-16T00:34:50.925" v="10"/>
+          <ac:picMkLst>
+            <pc:docMk/>
+            <pc:sldMk cId="731696971" sldId="262"/>
+            <ac:picMk id="3" creationId="{E95B96B4-6505-41DC-8DA9-8D18AF34075F}"/>
+          </ac:picMkLst>
+        </pc:picChg>
+      </pc:sldChg>
+      <pc:sldChg chg="delSp">
+        <pc:chgData name="Taylor, Gavin" userId="S::gtaylor@wpi.edu::994ac6b7-11df-4645-a39b-9dedf391bfc6" providerId="AD" clId="Web-{D9193752-B9FB-6ADB-1800-0561DD2B0C65}" dt="2020-04-16T00:34:53.206" v="11"/>
+        <pc:sldMkLst>
+          <pc:docMk/>
+          <pc:sldMk cId="2999454200" sldId="263"/>
+        </pc:sldMkLst>
+        <pc:picChg chg="del">
+          <ac:chgData name="Taylor, Gavin" userId="S::gtaylor@wpi.edu::994ac6b7-11df-4645-a39b-9dedf391bfc6" providerId="AD" clId="Web-{D9193752-B9FB-6ADB-1800-0561DD2B0C65}" dt="2020-04-16T00:34:53.206" v="11"/>
+          <ac:picMkLst>
+            <pc:docMk/>
+            <pc:sldMk cId="2999454200" sldId="263"/>
+            <ac:picMk id="3" creationId="{3F7278A6-9DB3-45F6-A3B5-110817B5AE5C}"/>
+          </ac:picMkLst>
+        </pc:picChg>
+      </pc:sldChg>
+    </pc:docChg>
+  </pc:docChgLst>
+</pc:chgInfo>
 </file>
 
 <file path=ppt/slideLayouts/slideLayout1.xml><?xml version="1.0" encoding="utf-8"?>
@@ -136,19 +951,22 @@
         </p:nvSpPr>
         <p:spPr>
           <a:xfrm>
-            <a:off x="685800" y="1597819"/>
-            <a:ext cx="7772400" cy="1102519"/>
+            <a:off x="1524000" y="1122363"/>
+            <a:ext cx="9144000" cy="2387600"/>
           </a:xfrm>
         </p:spPr>
         <p:txBody>
-          <a:bodyPr/>
-          <a:lstStyle/>
-          <a:p>
-            <a:r>
-              <a:rPr lang="en-US" smtClean="0"/>
+          <a:bodyPr anchor="b"/>
+          <a:lstStyle>
+            <a:lvl1pPr algn="ctr">
+              <a:defRPr sz="6000"/>
+            </a:lvl1pPr>
+          </a:lstStyle>
+          <a:p>
+            <a:r>
+              <a:rPr lang="en-US"/>
               <a:t>Click to edit Master title style</a:t>
             </a:r>
-            <a:endParaRPr lang="en-US"/>
           </a:p>
         </p:txBody>
       </p:sp>
@@ -164,8 +982,8 @@
         </p:nvSpPr>
         <p:spPr>
           <a:xfrm>
-            <a:off x="1371600" y="2914650"/>
-            <a:ext cx="6400800" cy="1314450"/>
+            <a:off x="1524000" y="3602038"/>
+            <a:ext cx="9144000" cy="1655762"/>
           </a:xfrm>
         </p:spPr>
         <p:txBody>
@@ -173,122 +991,67 @@
           <a:lstStyle>
             <a:lvl1pPr marL="0" indent="0" algn="ctr">
               <a:buNone/>
-              <a:defRPr>
-                <a:solidFill>
-                  <a:schemeClr val="tx1">
-                    <a:tint val="75000"/>
-                  </a:schemeClr>
-                </a:solidFill>
-              </a:defRPr>
+              <a:defRPr sz="2400"/>
             </a:lvl1pPr>
             <a:lvl2pPr marL="457200" indent="0" algn="ctr">
               <a:buNone/>
-              <a:defRPr>
-                <a:solidFill>
-                  <a:schemeClr val="tx1">
-                    <a:tint val="75000"/>
-                  </a:schemeClr>
-                </a:solidFill>
-              </a:defRPr>
+              <a:defRPr sz="2000"/>
             </a:lvl2pPr>
             <a:lvl3pPr marL="914400" indent="0" algn="ctr">
               <a:buNone/>
-              <a:defRPr>
-                <a:solidFill>
-                  <a:schemeClr val="tx1">
-                    <a:tint val="75000"/>
-                  </a:schemeClr>
-                </a:solidFill>
-              </a:defRPr>
+              <a:defRPr sz="1800"/>
             </a:lvl3pPr>
             <a:lvl4pPr marL="1371600" indent="0" algn="ctr">
               <a:buNone/>
-              <a:defRPr>
-                <a:solidFill>
-                  <a:schemeClr val="tx1">
-                    <a:tint val="75000"/>
-                  </a:schemeClr>
-                </a:solidFill>
-              </a:defRPr>
+              <a:defRPr sz="1600"/>
             </a:lvl4pPr>
             <a:lvl5pPr marL="1828800" indent="0" algn="ctr">
               <a:buNone/>
-              <a:defRPr>
-                <a:solidFill>
-                  <a:schemeClr val="tx1">
-                    <a:tint val="75000"/>
-                  </a:schemeClr>
-                </a:solidFill>
-              </a:defRPr>
+              <a:defRPr sz="1600"/>
             </a:lvl5pPr>
             <a:lvl6pPr marL="2286000" indent="0" algn="ctr">
               <a:buNone/>
-              <a:defRPr>
-                <a:solidFill>
-                  <a:schemeClr val="tx1">
-                    <a:tint val="75000"/>
-                  </a:schemeClr>
-                </a:solidFill>
-              </a:defRPr>
+              <a:defRPr sz="1600"/>
             </a:lvl6pPr>
             <a:lvl7pPr marL="2743200" indent="0" algn="ctr">
               <a:buNone/>
-              <a:defRPr>
-                <a:solidFill>
-                  <a:schemeClr val="tx1">
-                    <a:tint val="75000"/>
-                  </a:schemeClr>
-                </a:solidFill>
-              </a:defRPr>
+              <a:defRPr sz="1600"/>
             </a:lvl7pPr>
             <a:lvl8pPr marL="3200400" indent="0" algn="ctr">
               <a:buNone/>
-              <a:defRPr>
-                <a:solidFill>
-                  <a:schemeClr val="tx1">
-                    <a:tint val="75000"/>
-                  </a:schemeClr>
-                </a:solidFill>
-              </a:defRPr>
+              <a:defRPr sz="1600"/>
             </a:lvl8pPr>
             <a:lvl9pPr marL="3657600" indent="0" algn="ctr">
               <a:buNone/>
-              <a:defRPr>
-                <a:solidFill>
-                  <a:schemeClr val="tx1">
-                    <a:tint val="75000"/>
-                  </a:schemeClr>
-                </a:solidFill>
-              </a:defRPr>
+              <a:defRPr sz="1600"/>
             </a:lvl9pPr>
           </a:lstStyle>
           <a:p>
             <a:r>
+              <a:rPr lang="en-US"/>
+              <a:t>Click to edit Master subtitle style</a:t>
+            </a:r>
+          </a:p>
+        </p:txBody>
+      </p:sp>
+      <p:sp>
+        <p:nvSpPr>
+          <p:cNvPr id="4" name="Date Placeholder 3"/>
+          <p:cNvSpPr>
+            <a:spLocks noGrp="1"/>
+          </p:cNvSpPr>
+          <p:nvPr>
+            <p:ph type="dt" sz="half" idx="10"/>
+          </p:nvPr>
+        </p:nvSpPr>
+        <p:spPr/>
+        <p:txBody>
+          <a:bodyPr/>
+          <a:lstStyle/>
+          <a:p>
+            <a:fld id="{846CE7D5-CF57-46EF-B807-FDD0502418D4}" type="datetimeFigureOut">
               <a:rPr lang="en-US" smtClean="0"/>
-              <a:t>Click to edit Master subtitle style</a:t>
-            </a:r>
-            <a:endParaRPr lang="en-US"/>
-          </a:p>
-        </p:txBody>
-      </p:sp>
-      <p:sp>
-        <p:nvSpPr>
-          <p:cNvPr id="4" name="Date Placeholder 3"/>
-          <p:cNvSpPr>
-            <a:spLocks noGrp="1"/>
-          </p:cNvSpPr>
-          <p:nvPr>
-            <p:ph type="dt" sz="half" idx="10"/>
-          </p:nvPr>
-        </p:nvSpPr>
-        <p:spPr/>
-        <p:txBody>
-          <a:bodyPr/>
-          <a:lstStyle/>
-          <a:p>
-            <a:fld id="{C9A72ECC-C4E6-43CF-A8B7-AA3E2120E49E}" type="datetimeFigureOut">
-              <a:rPr lang="en-US" smtClean="0"/>
-              <a:t>1/8/2019</a:t>
+              <a:t>5/13/2020</a:t>
             </a:fld>
             <a:endParaRPr lang="en-US"/>
           </a:p>
@@ -328,7 +1091,7 @@
           <a:bodyPr/>
           <a:lstStyle/>
           <a:p>
-            <a:fld id="{0B49E6E0-DE98-41EA-9E21-D83281D2FF67}" type="slidenum">
+            <a:fld id="{330EA680-D336-4FF7-8B7A-9848BB0A1C32}" type="slidenum">
               <a:rPr lang="en-US" smtClean="0"/>
               <a:t>‹#›</a:t>
             </a:fld>
@@ -339,7 +1102,7 @@
     </p:spTree>
     <p:extLst>
       <p:ext uri="{BB962C8B-B14F-4D97-AF65-F5344CB8AC3E}">
-        <p14:creationId xmlns:p14="http://schemas.microsoft.com/office/powerpoint/2010/main" val="2558404347"/>
+        <p14:creationId xmlns:p14="http://schemas.microsoft.com/office/powerpoint/2010/main" val="2385387890"/>
       </p:ext>
     </p:extLst>
   </p:cSld>
@@ -382,83 +1145,81 @@
           <a:lstStyle/>
           <a:p>
             <a:r>
+              <a:rPr lang="en-US"/>
+              <a:t>Click to edit Master title style</a:t>
+            </a:r>
+          </a:p>
+        </p:txBody>
+      </p:sp>
+      <p:sp>
+        <p:nvSpPr>
+          <p:cNvPr id="3" name="Vertical Text Placeholder 2"/>
+          <p:cNvSpPr>
+            <a:spLocks noGrp="1"/>
+          </p:cNvSpPr>
+          <p:nvPr>
+            <p:ph type="body" orient="vert" idx="1"/>
+          </p:nvPr>
+        </p:nvSpPr>
+        <p:spPr/>
+        <p:txBody>
+          <a:bodyPr vert="eaVert"/>
+          <a:lstStyle/>
+          <a:p>
+            <a:pPr lvl="0"/>
+            <a:r>
+              <a:rPr lang="en-US"/>
+              <a:t>Click to edit Master text styles</a:t>
+            </a:r>
+          </a:p>
+          <a:p>
+            <a:pPr lvl="1"/>
+            <a:r>
+              <a:rPr lang="en-US"/>
+              <a:t>Second level</a:t>
+            </a:r>
+          </a:p>
+          <a:p>
+            <a:pPr lvl="2"/>
+            <a:r>
+              <a:rPr lang="en-US"/>
+              <a:t>Third level</a:t>
+            </a:r>
+          </a:p>
+          <a:p>
+            <a:pPr lvl="3"/>
+            <a:r>
+              <a:rPr lang="en-US"/>
+              <a:t>Fourth level</a:t>
+            </a:r>
+          </a:p>
+          <a:p>
+            <a:pPr lvl="4"/>
+            <a:r>
+              <a:rPr lang="en-US"/>
+              <a:t>Fifth level</a:t>
+            </a:r>
+          </a:p>
+        </p:txBody>
+      </p:sp>
+      <p:sp>
+        <p:nvSpPr>
+          <p:cNvPr id="4" name="Date Placeholder 3"/>
+          <p:cNvSpPr>
+            <a:spLocks noGrp="1"/>
+          </p:cNvSpPr>
+          <p:nvPr>
+            <p:ph type="dt" sz="half" idx="10"/>
+          </p:nvPr>
+        </p:nvSpPr>
+        <p:spPr/>
+        <p:txBody>
+          <a:bodyPr/>
+          <a:lstStyle/>
+          <a:p>
+            <a:fld id="{846CE7D5-CF57-46EF-B807-FDD0502418D4}" type="datetimeFigureOut">
               <a:rPr lang="en-US" smtClean="0"/>
-              <a:t>Click to edit Master title style</a:t>
-            </a:r>
-            <a:endParaRPr lang="en-US"/>
-          </a:p>
-        </p:txBody>
-      </p:sp>
-      <p:sp>
-        <p:nvSpPr>
-          <p:cNvPr id="3" name="Vertical Text Placeholder 2"/>
-          <p:cNvSpPr>
-            <a:spLocks noGrp="1"/>
-          </p:cNvSpPr>
-          <p:nvPr>
-            <p:ph type="body" orient="vert" idx="1"/>
-          </p:nvPr>
-        </p:nvSpPr>
-        <p:spPr/>
-        <p:txBody>
-          <a:bodyPr vert="eaVert"/>
-          <a:lstStyle/>
-          <a:p>
-            <a:pPr lvl="0"/>
-            <a:r>
-              <a:rPr lang="en-US" smtClean="0"/>
-              <a:t>Click to edit Master text styles</a:t>
-            </a:r>
-          </a:p>
-          <a:p>
-            <a:pPr lvl="1"/>
-            <a:r>
-              <a:rPr lang="en-US" smtClean="0"/>
-              <a:t>Second level</a:t>
-            </a:r>
-          </a:p>
-          <a:p>
-            <a:pPr lvl="2"/>
-            <a:r>
-              <a:rPr lang="en-US" smtClean="0"/>
-              <a:t>Third level</a:t>
-            </a:r>
-          </a:p>
-          <a:p>
-            <a:pPr lvl="3"/>
-            <a:r>
-              <a:rPr lang="en-US" smtClean="0"/>
-              <a:t>Fourth level</a:t>
-            </a:r>
-          </a:p>
-          <a:p>
-            <a:pPr lvl="4"/>
-            <a:r>
-              <a:rPr lang="en-US" smtClean="0"/>
-              <a:t>Fifth level</a:t>
-            </a:r>
-            <a:endParaRPr lang="en-US"/>
-          </a:p>
-        </p:txBody>
-      </p:sp>
-      <p:sp>
-        <p:nvSpPr>
-          <p:cNvPr id="4" name="Date Placeholder 3"/>
-          <p:cNvSpPr>
-            <a:spLocks noGrp="1"/>
-          </p:cNvSpPr>
-          <p:nvPr>
-            <p:ph type="dt" sz="half" idx="10"/>
-          </p:nvPr>
-        </p:nvSpPr>
-        <p:spPr/>
-        <p:txBody>
-          <a:bodyPr/>
-          <a:lstStyle/>
-          <a:p>
-            <a:fld id="{C9A72ECC-C4E6-43CF-A8B7-AA3E2120E49E}" type="datetimeFigureOut">
-              <a:rPr lang="en-US" smtClean="0"/>
-              <a:t>1/8/2019</a:t>
+              <a:t>5/13/2020</a:t>
             </a:fld>
             <a:endParaRPr lang="en-US"/>
           </a:p>
@@ -498,7 +1259,7 @@
           <a:bodyPr/>
           <a:lstStyle/>
           <a:p>
-            <a:fld id="{0B49E6E0-DE98-41EA-9E21-D83281D2FF67}" type="slidenum">
+            <a:fld id="{330EA680-D336-4FF7-8B7A-9848BB0A1C32}" type="slidenum">
               <a:rPr lang="en-US" smtClean="0"/>
               <a:t>‹#›</a:t>
             </a:fld>
@@ -509,7 +1270,7 @@
     </p:spTree>
     <p:extLst>
       <p:ext uri="{BB962C8B-B14F-4D97-AF65-F5344CB8AC3E}">
-        <p14:creationId xmlns:p14="http://schemas.microsoft.com/office/powerpoint/2010/main" val="3950410865"/>
+        <p14:creationId xmlns:p14="http://schemas.microsoft.com/office/powerpoint/2010/main" val="2202905451"/>
       </p:ext>
     </p:extLst>
   </p:cSld>
@@ -548,8 +1309,8 @@
         </p:nvSpPr>
         <p:spPr>
           <a:xfrm>
-            <a:off x="6629400" y="154781"/>
-            <a:ext cx="2057400" cy="3290888"/>
+            <a:off x="8724900" y="365125"/>
+            <a:ext cx="2628900" cy="5811838"/>
           </a:xfrm>
         </p:spPr>
         <p:txBody>
@@ -557,10 +1318,9 @@
           <a:lstStyle/>
           <a:p>
             <a:r>
-              <a:rPr lang="en-US" smtClean="0"/>
+              <a:rPr lang="en-US"/>
               <a:t>Click to edit Master title style</a:t>
             </a:r>
-            <a:endParaRPr lang="en-US"/>
           </a:p>
         </p:txBody>
       </p:sp>
@@ -576,8 +1336,8 @@
         </p:nvSpPr>
         <p:spPr>
           <a:xfrm>
-            <a:off x="457200" y="154781"/>
-            <a:ext cx="6019800" cy="3290888"/>
+            <a:off x="838200" y="365125"/>
+            <a:ext cx="7734300" cy="5811838"/>
           </a:xfrm>
         </p:spPr>
         <p:txBody>
@@ -586,59 +1346,58 @@
           <a:p>
             <a:pPr lvl="0"/>
             <a:r>
+              <a:rPr lang="en-US"/>
+              <a:t>Click to edit Master text styles</a:t>
+            </a:r>
+          </a:p>
+          <a:p>
+            <a:pPr lvl="1"/>
+            <a:r>
+              <a:rPr lang="en-US"/>
+              <a:t>Second level</a:t>
+            </a:r>
+          </a:p>
+          <a:p>
+            <a:pPr lvl="2"/>
+            <a:r>
+              <a:rPr lang="en-US"/>
+              <a:t>Third level</a:t>
+            </a:r>
+          </a:p>
+          <a:p>
+            <a:pPr lvl="3"/>
+            <a:r>
+              <a:rPr lang="en-US"/>
+              <a:t>Fourth level</a:t>
+            </a:r>
+          </a:p>
+          <a:p>
+            <a:pPr lvl="4"/>
+            <a:r>
+              <a:rPr lang="en-US"/>
+              <a:t>Fifth level</a:t>
+            </a:r>
+          </a:p>
+        </p:txBody>
+      </p:sp>
+      <p:sp>
+        <p:nvSpPr>
+          <p:cNvPr id="4" name="Date Placeholder 3"/>
+          <p:cNvSpPr>
+            <a:spLocks noGrp="1"/>
+          </p:cNvSpPr>
+          <p:nvPr>
+            <p:ph type="dt" sz="half" idx="10"/>
+          </p:nvPr>
+        </p:nvSpPr>
+        <p:spPr/>
+        <p:txBody>
+          <a:bodyPr/>
+          <a:lstStyle/>
+          <a:p>
+            <a:fld id="{846CE7D5-CF57-46EF-B807-FDD0502418D4}" type="datetimeFigureOut">
               <a:rPr lang="en-US" smtClean="0"/>
-              <a:t>Click to edit Master text styles</a:t>
-            </a:r>
-          </a:p>
-          <a:p>
-            <a:pPr lvl="1"/>
-            <a:r>
-              <a:rPr lang="en-US" smtClean="0"/>
-              <a:t>Second level</a:t>
-            </a:r>
-          </a:p>
-          <a:p>
-            <a:pPr lvl="2"/>
-            <a:r>
-              <a:rPr lang="en-US" smtClean="0"/>
-              <a:t>Third level</a:t>
-            </a:r>
-          </a:p>
-          <a:p>
-            <a:pPr lvl="3"/>
-            <a:r>
-              <a:rPr lang="en-US" smtClean="0"/>
-              <a:t>Fourth level</a:t>
-            </a:r>
-          </a:p>
-          <a:p>
-            <a:pPr lvl="4"/>
-            <a:r>
-              <a:rPr lang="en-US" smtClean="0"/>
-              <a:t>Fifth level</a:t>
-            </a:r>
-            <a:endParaRPr lang="en-US"/>
-          </a:p>
-        </p:txBody>
-      </p:sp>
-      <p:sp>
-        <p:nvSpPr>
-          <p:cNvPr id="4" name="Date Placeholder 3"/>
-          <p:cNvSpPr>
-            <a:spLocks noGrp="1"/>
-          </p:cNvSpPr>
-          <p:nvPr>
-            <p:ph type="dt" sz="half" idx="10"/>
-          </p:nvPr>
-        </p:nvSpPr>
-        <p:spPr/>
-        <p:txBody>
-          <a:bodyPr/>
-          <a:lstStyle/>
-          <a:p>
-            <a:fld id="{C9A72ECC-C4E6-43CF-A8B7-AA3E2120E49E}" type="datetimeFigureOut">
-              <a:rPr lang="en-US" smtClean="0"/>
-              <a:t>1/8/2019</a:t>
+              <a:t>5/13/2020</a:t>
             </a:fld>
             <a:endParaRPr lang="en-US"/>
           </a:p>
@@ -678,7 +1437,7 @@
           <a:bodyPr/>
           <a:lstStyle/>
           <a:p>
-            <a:fld id="{0B49E6E0-DE98-41EA-9E21-D83281D2FF67}" type="slidenum">
+            <a:fld id="{330EA680-D336-4FF7-8B7A-9848BB0A1C32}" type="slidenum">
               <a:rPr lang="en-US" smtClean="0"/>
               <a:t>‹#›</a:t>
             </a:fld>
@@ -689,7 +1448,7 @@
     </p:spTree>
     <p:extLst>
       <p:ext uri="{BB962C8B-B14F-4D97-AF65-F5344CB8AC3E}">
-        <p14:creationId xmlns:p14="http://schemas.microsoft.com/office/powerpoint/2010/main" val="1983235425"/>
+        <p14:creationId xmlns:p14="http://schemas.microsoft.com/office/powerpoint/2010/main" val="3479445657"/>
       </p:ext>
     </p:extLst>
   </p:cSld>
@@ -732,83 +1491,81 @@
           <a:lstStyle/>
           <a:p>
             <a:r>
+              <a:rPr lang="en-US"/>
+              <a:t>Click to edit Master title style</a:t>
+            </a:r>
+          </a:p>
+        </p:txBody>
+      </p:sp>
+      <p:sp>
+        <p:nvSpPr>
+          <p:cNvPr id="3" name="Content Placeholder 2"/>
+          <p:cNvSpPr>
+            <a:spLocks noGrp="1"/>
+          </p:cNvSpPr>
+          <p:nvPr>
+            <p:ph idx="1"/>
+          </p:nvPr>
+        </p:nvSpPr>
+        <p:spPr/>
+        <p:txBody>
+          <a:bodyPr/>
+          <a:lstStyle/>
+          <a:p>
+            <a:pPr lvl="0"/>
+            <a:r>
+              <a:rPr lang="en-US"/>
+              <a:t>Click to edit Master text styles</a:t>
+            </a:r>
+          </a:p>
+          <a:p>
+            <a:pPr lvl="1"/>
+            <a:r>
+              <a:rPr lang="en-US"/>
+              <a:t>Second level</a:t>
+            </a:r>
+          </a:p>
+          <a:p>
+            <a:pPr lvl="2"/>
+            <a:r>
+              <a:rPr lang="en-US"/>
+              <a:t>Third level</a:t>
+            </a:r>
+          </a:p>
+          <a:p>
+            <a:pPr lvl="3"/>
+            <a:r>
+              <a:rPr lang="en-US"/>
+              <a:t>Fourth level</a:t>
+            </a:r>
+          </a:p>
+          <a:p>
+            <a:pPr lvl="4"/>
+            <a:r>
+              <a:rPr lang="en-US"/>
+              <a:t>Fifth level</a:t>
+            </a:r>
+          </a:p>
+        </p:txBody>
+      </p:sp>
+      <p:sp>
+        <p:nvSpPr>
+          <p:cNvPr id="4" name="Date Placeholder 3"/>
+          <p:cNvSpPr>
+            <a:spLocks noGrp="1"/>
+          </p:cNvSpPr>
+          <p:nvPr>
+            <p:ph type="dt" sz="half" idx="10"/>
+          </p:nvPr>
+        </p:nvSpPr>
+        <p:spPr/>
+        <p:txBody>
+          <a:bodyPr/>
+          <a:lstStyle/>
+          <a:p>
+            <a:fld id="{846CE7D5-CF57-46EF-B807-FDD0502418D4}" type="datetimeFigureOut">
               <a:rPr lang="en-US" smtClean="0"/>
-              <a:t>Click to edit Master title style</a:t>
-            </a:r>
-            <a:endParaRPr lang="en-US"/>
-          </a:p>
-        </p:txBody>
-      </p:sp>
-      <p:sp>
-        <p:nvSpPr>
-          <p:cNvPr id="3" name="Content Placeholder 2"/>
-          <p:cNvSpPr>
-            <a:spLocks noGrp="1"/>
-          </p:cNvSpPr>
-          <p:nvPr>
-            <p:ph idx="1"/>
-          </p:nvPr>
-        </p:nvSpPr>
-        <p:spPr/>
-        <p:txBody>
-          <a:bodyPr/>
-          <a:lstStyle/>
-          <a:p>
-            <a:pPr lvl="0"/>
-            <a:r>
-              <a:rPr lang="en-US" smtClean="0"/>
-              <a:t>Click to edit Master text styles</a:t>
-            </a:r>
-          </a:p>
-          <a:p>
-            <a:pPr lvl="1"/>
-            <a:r>
-              <a:rPr lang="en-US" smtClean="0"/>
-              <a:t>Second level</a:t>
-            </a:r>
-          </a:p>
-          <a:p>
-            <a:pPr lvl="2"/>
-            <a:r>
-              <a:rPr lang="en-US" smtClean="0"/>
-              <a:t>Third level</a:t>
-            </a:r>
-          </a:p>
-          <a:p>
-            <a:pPr lvl="3"/>
-            <a:r>
-              <a:rPr lang="en-US" smtClean="0"/>
-              <a:t>Fourth level</a:t>
-            </a:r>
-          </a:p>
-          <a:p>
-            <a:pPr lvl="4"/>
-            <a:r>
-              <a:rPr lang="en-US" smtClean="0"/>
-              <a:t>Fifth level</a:t>
-            </a:r>
-            <a:endParaRPr lang="en-US"/>
-          </a:p>
-        </p:txBody>
-      </p:sp>
-      <p:sp>
-        <p:nvSpPr>
-          <p:cNvPr id="4" name="Date Placeholder 3"/>
-          <p:cNvSpPr>
-            <a:spLocks noGrp="1"/>
-          </p:cNvSpPr>
-          <p:nvPr>
-            <p:ph type="dt" sz="half" idx="10"/>
-          </p:nvPr>
-        </p:nvSpPr>
-        <p:spPr/>
-        <p:txBody>
-          <a:bodyPr/>
-          <a:lstStyle/>
-          <a:p>
-            <a:fld id="{C9A72ECC-C4E6-43CF-A8B7-AA3E2120E49E}" type="datetimeFigureOut">
-              <a:rPr lang="en-US" smtClean="0"/>
-              <a:t>1/8/2019</a:t>
+              <a:t>5/13/2020</a:t>
             </a:fld>
             <a:endParaRPr lang="en-US"/>
           </a:p>
@@ -848,7 +1605,7 @@
           <a:bodyPr/>
           <a:lstStyle/>
           <a:p>
-            <a:fld id="{0B49E6E0-DE98-41EA-9E21-D83281D2FF67}" type="slidenum">
+            <a:fld id="{330EA680-D336-4FF7-8B7A-9848BB0A1C32}" type="slidenum">
               <a:rPr lang="en-US" smtClean="0"/>
               <a:t>‹#›</a:t>
             </a:fld>
@@ -859,7 +1616,7 @@
     </p:spTree>
     <p:extLst>
       <p:ext uri="{BB962C8B-B14F-4D97-AF65-F5344CB8AC3E}">
-        <p14:creationId xmlns:p14="http://schemas.microsoft.com/office/powerpoint/2010/main" val="760430451"/>
+        <p14:creationId xmlns:p14="http://schemas.microsoft.com/office/powerpoint/2010/main" val="949138452"/>
       </p:ext>
     </p:extLst>
   </p:cSld>
@@ -898,23 +1655,22 @@
         </p:nvSpPr>
         <p:spPr>
           <a:xfrm>
-            <a:off x="722313" y="3305176"/>
-            <a:ext cx="7772400" cy="1021556"/>
+            <a:off x="831850" y="1709738"/>
+            <a:ext cx="10515600" cy="2852737"/>
           </a:xfrm>
         </p:spPr>
         <p:txBody>
-          <a:bodyPr anchor="t"/>
+          <a:bodyPr anchor="b"/>
           <a:lstStyle>
-            <a:lvl1pPr algn="l">
-              <a:defRPr sz="4000" b="1" cap="all"/>
+            <a:lvl1pPr>
+              <a:defRPr sz="6000"/>
             </a:lvl1pPr>
           </a:lstStyle>
           <a:p>
             <a:r>
-              <a:rPr lang="en-US" smtClean="0"/>
+              <a:rPr lang="en-US"/>
               <a:t>Click to edit Master title style</a:t>
             </a:r>
-            <a:endParaRPr lang="en-US"/>
           </a:p>
         </p:txBody>
       </p:sp>
@@ -930,16 +1686,16 @@
         </p:nvSpPr>
         <p:spPr>
           <a:xfrm>
-            <a:off x="722313" y="2180035"/>
-            <a:ext cx="7772400" cy="1125140"/>
+            <a:off x="831850" y="4589463"/>
+            <a:ext cx="10515600" cy="1500187"/>
           </a:xfrm>
         </p:spPr>
         <p:txBody>
-          <a:bodyPr anchor="b"/>
+          <a:bodyPr/>
           <a:lstStyle>
             <a:lvl1pPr marL="0" indent="0">
               <a:buNone/>
-              <a:defRPr sz="2000">
+              <a:defRPr sz="2400">
                 <a:solidFill>
                   <a:schemeClr val="tx1">
                     <a:tint val="75000"/>
@@ -949,7 +1705,7 @@
             </a:lvl1pPr>
             <a:lvl2pPr marL="457200" indent="0">
               <a:buNone/>
-              <a:defRPr sz="1800">
+              <a:defRPr sz="2000">
                 <a:solidFill>
                   <a:schemeClr val="tx1">
                     <a:tint val="75000"/>
@@ -959,7 +1715,7 @@
             </a:lvl2pPr>
             <a:lvl3pPr marL="914400" indent="0">
               <a:buNone/>
-              <a:defRPr sz="1600">
+              <a:defRPr sz="1800">
                 <a:solidFill>
                   <a:schemeClr val="tx1">
                     <a:tint val="75000"/>
@@ -969,7 +1725,7 @@
             </a:lvl3pPr>
             <a:lvl4pPr marL="1371600" indent="0">
               <a:buNone/>
-              <a:defRPr sz="1400">
+              <a:defRPr sz="1600">
                 <a:solidFill>
                   <a:schemeClr val="tx1">
                     <a:tint val="75000"/>
@@ -979,7 +1735,7 @@
             </a:lvl4pPr>
             <a:lvl5pPr marL="1828800" indent="0">
               <a:buNone/>
-              <a:defRPr sz="1400">
+              <a:defRPr sz="1600">
                 <a:solidFill>
                   <a:schemeClr val="tx1">
                     <a:tint val="75000"/>
@@ -989,7 +1745,7 @@
             </a:lvl5pPr>
             <a:lvl6pPr marL="2286000" indent="0">
               <a:buNone/>
-              <a:defRPr sz="1400">
+              <a:defRPr sz="1600">
                 <a:solidFill>
                   <a:schemeClr val="tx1">
                     <a:tint val="75000"/>
@@ -999,7 +1755,7 @@
             </a:lvl6pPr>
             <a:lvl7pPr marL="2743200" indent="0">
               <a:buNone/>
-              <a:defRPr sz="1400">
+              <a:defRPr sz="1600">
                 <a:solidFill>
                   <a:schemeClr val="tx1">
                     <a:tint val="75000"/>
@@ -1009,7 +1765,7 @@
             </a:lvl7pPr>
             <a:lvl8pPr marL="3200400" indent="0">
               <a:buNone/>
-              <a:defRPr sz="1400">
+              <a:defRPr sz="1600">
                 <a:solidFill>
                   <a:schemeClr val="tx1">
                     <a:tint val="75000"/>
@@ -1019,7 +1775,7 @@
             </a:lvl8pPr>
             <a:lvl9pPr marL="3657600" indent="0">
               <a:buNone/>
-              <a:defRPr sz="1400">
+              <a:defRPr sz="1600">
                 <a:solidFill>
                   <a:schemeClr val="tx1">
                     <a:tint val="75000"/>
@@ -1031,30 +1787,30 @@
           <a:p>
             <a:pPr lvl="0"/>
             <a:r>
+              <a:rPr lang="en-US"/>
+              <a:t>Click to edit Master text styles</a:t>
+            </a:r>
+          </a:p>
+        </p:txBody>
+      </p:sp>
+      <p:sp>
+        <p:nvSpPr>
+          <p:cNvPr id="4" name="Date Placeholder 3"/>
+          <p:cNvSpPr>
+            <a:spLocks noGrp="1"/>
+          </p:cNvSpPr>
+          <p:nvPr>
+            <p:ph type="dt" sz="half" idx="10"/>
+          </p:nvPr>
+        </p:nvSpPr>
+        <p:spPr/>
+        <p:txBody>
+          <a:bodyPr/>
+          <a:lstStyle/>
+          <a:p>
+            <a:fld id="{846CE7D5-CF57-46EF-B807-FDD0502418D4}" type="datetimeFigureOut">
               <a:rPr lang="en-US" smtClean="0"/>
-              <a:t>Click to edit Master text styles</a:t>
-            </a:r>
-          </a:p>
-        </p:txBody>
-      </p:sp>
-      <p:sp>
-        <p:nvSpPr>
-          <p:cNvPr id="4" name="Date Placeholder 3"/>
-          <p:cNvSpPr>
-            <a:spLocks noGrp="1"/>
-          </p:cNvSpPr>
-          <p:nvPr>
-            <p:ph type="dt" sz="half" idx="10"/>
-          </p:nvPr>
-        </p:nvSpPr>
-        <p:spPr/>
-        <p:txBody>
-          <a:bodyPr/>
-          <a:lstStyle/>
-          <a:p>
-            <a:fld id="{C9A72ECC-C4E6-43CF-A8B7-AA3E2120E49E}" type="datetimeFigureOut">
-              <a:rPr lang="en-US" smtClean="0"/>
-              <a:t>1/8/2019</a:t>
+              <a:t>5/13/2020</a:t>
             </a:fld>
             <a:endParaRPr lang="en-US"/>
           </a:p>
@@ -1094,7 +1850,7 @@
           <a:bodyPr/>
           <a:lstStyle/>
           <a:p>
-            <a:fld id="{0B49E6E0-DE98-41EA-9E21-D83281D2FF67}" type="slidenum">
+            <a:fld id="{330EA680-D336-4FF7-8B7A-9848BB0A1C32}" type="slidenum">
               <a:rPr lang="en-US" smtClean="0"/>
               <a:t>‹#›</a:t>
             </a:fld>
@@ -1105,7 +1861,7 @@
     </p:spTree>
     <p:extLst>
       <p:ext uri="{BB962C8B-B14F-4D97-AF65-F5344CB8AC3E}">
-        <p14:creationId xmlns:p14="http://schemas.microsoft.com/office/powerpoint/2010/main" val="3365349685"/>
+        <p14:creationId xmlns:p14="http://schemas.microsoft.com/office/powerpoint/2010/main" val="2591524520"/>
       </p:ext>
     </p:extLst>
   </p:cSld>
@@ -1148,10 +1904,9 @@
           <a:lstStyle/>
           <a:p>
             <a:r>
-              <a:rPr lang="en-US" smtClean="0"/>
+              <a:rPr lang="en-US"/>
               <a:t>Click to edit Master title style</a:t>
             </a:r>
-            <a:endParaRPr lang="en-US"/>
           </a:p>
         </p:txBody>
       </p:sp>
@@ -1167,76 +1922,47 @@
         </p:nvSpPr>
         <p:spPr>
           <a:xfrm>
-            <a:off x="457200" y="900113"/>
-            <a:ext cx="4038600" cy="2545556"/>
+            <a:off x="838200" y="1825625"/>
+            <a:ext cx="5181600" cy="4351338"/>
           </a:xfrm>
         </p:spPr>
         <p:txBody>
           <a:bodyPr/>
-          <a:lstStyle>
-            <a:lvl1pPr>
-              <a:defRPr sz="2800"/>
-            </a:lvl1pPr>
-            <a:lvl2pPr>
-              <a:defRPr sz="2400"/>
-            </a:lvl2pPr>
-            <a:lvl3pPr>
-              <a:defRPr sz="2000"/>
-            </a:lvl3pPr>
-            <a:lvl4pPr>
-              <a:defRPr sz="1800"/>
-            </a:lvl4pPr>
-            <a:lvl5pPr>
-              <a:defRPr sz="1800"/>
-            </a:lvl5pPr>
-            <a:lvl6pPr>
-              <a:defRPr sz="1800"/>
-            </a:lvl6pPr>
-            <a:lvl7pPr>
-              <a:defRPr sz="1800"/>
-            </a:lvl7pPr>
-            <a:lvl8pPr>
-              <a:defRPr sz="1800"/>
-            </a:lvl8pPr>
-            <a:lvl9pPr>
-              <a:defRPr sz="1800"/>
-            </a:lvl9pPr>
-          </a:lstStyle>
+          <a:lstStyle/>
           <a:p>
             <a:pPr lvl="0"/>
             <a:r>
-              <a:rPr lang="en-US" smtClean="0"/>
+              <a:rPr lang="en-US"/>
               <a:t>Click to edit Master text styles</a:t>
             </a:r>
           </a:p>
           <a:p>
             <a:pPr lvl="1"/>
             <a:r>
-              <a:rPr lang="en-US" smtClean="0"/>
+              <a:rPr lang="en-US"/>
               <a:t>Second level</a:t>
             </a:r>
           </a:p>
           <a:p>
             <a:pPr lvl="2"/>
             <a:r>
-              <a:rPr lang="en-US" smtClean="0"/>
+              <a:rPr lang="en-US"/>
               <a:t>Third level</a:t>
             </a:r>
           </a:p>
           <a:p>
             <a:pPr lvl="3"/>
             <a:r>
-              <a:rPr lang="en-US" smtClean="0"/>
+              <a:rPr lang="en-US"/>
               <a:t>Fourth level</a:t>
             </a:r>
           </a:p>
           <a:p>
             <a:pPr lvl="4"/>
             <a:r>
-              <a:rPr lang="en-US" smtClean="0"/>
+              <a:rPr lang="en-US"/>
               <a:t>Fifth level</a:t>
             </a:r>
-            <a:endParaRPr lang="en-US"/>
           </a:p>
         </p:txBody>
       </p:sp>
@@ -1252,97 +1978,68 @@
         </p:nvSpPr>
         <p:spPr>
           <a:xfrm>
-            <a:off x="4648200" y="900113"/>
-            <a:ext cx="4038600" cy="2545556"/>
+            <a:off x="6172200" y="1825625"/>
+            <a:ext cx="5181600" cy="4351338"/>
           </a:xfrm>
         </p:spPr>
         <p:txBody>
           <a:bodyPr/>
-          <a:lstStyle>
-            <a:lvl1pPr>
-              <a:defRPr sz="2800"/>
-            </a:lvl1pPr>
-            <a:lvl2pPr>
-              <a:defRPr sz="2400"/>
-            </a:lvl2pPr>
-            <a:lvl3pPr>
-              <a:defRPr sz="2000"/>
-            </a:lvl3pPr>
-            <a:lvl4pPr>
-              <a:defRPr sz="1800"/>
-            </a:lvl4pPr>
-            <a:lvl5pPr>
-              <a:defRPr sz="1800"/>
-            </a:lvl5pPr>
-            <a:lvl6pPr>
-              <a:defRPr sz="1800"/>
-            </a:lvl6pPr>
-            <a:lvl7pPr>
-              <a:defRPr sz="1800"/>
-            </a:lvl7pPr>
-            <a:lvl8pPr>
-              <a:defRPr sz="1800"/>
-            </a:lvl8pPr>
-            <a:lvl9pPr>
-              <a:defRPr sz="1800"/>
-            </a:lvl9pPr>
-          </a:lstStyle>
+          <a:lstStyle/>
           <a:p>
             <a:pPr lvl="0"/>
             <a:r>
+              <a:rPr lang="en-US"/>
+              <a:t>Click to edit Master text styles</a:t>
+            </a:r>
+          </a:p>
+          <a:p>
+            <a:pPr lvl="1"/>
+            <a:r>
+              <a:rPr lang="en-US"/>
+              <a:t>Second level</a:t>
+            </a:r>
+          </a:p>
+          <a:p>
+            <a:pPr lvl="2"/>
+            <a:r>
+              <a:rPr lang="en-US"/>
+              <a:t>Third level</a:t>
+            </a:r>
+          </a:p>
+          <a:p>
+            <a:pPr lvl="3"/>
+            <a:r>
+              <a:rPr lang="en-US"/>
+              <a:t>Fourth level</a:t>
+            </a:r>
+          </a:p>
+          <a:p>
+            <a:pPr lvl="4"/>
+            <a:r>
+              <a:rPr lang="en-US"/>
+              <a:t>Fifth level</a:t>
+            </a:r>
+          </a:p>
+        </p:txBody>
+      </p:sp>
+      <p:sp>
+        <p:nvSpPr>
+          <p:cNvPr id="5" name="Date Placeholder 4"/>
+          <p:cNvSpPr>
+            <a:spLocks noGrp="1"/>
+          </p:cNvSpPr>
+          <p:nvPr>
+            <p:ph type="dt" sz="half" idx="10"/>
+          </p:nvPr>
+        </p:nvSpPr>
+        <p:spPr/>
+        <p:txBody>
+          <a:bodyPr/>
+          <a:lstStyle/>
+          <a:p>
+            <a:fld id="{846CE7D5-CF57-46EF-B807-FDD0502418D4}" type="datetimeFigureOut">
               <a:rPr lang="en-US" smtClean="0"/>
-              <a:t>Click to edit Master text styles</a:t>
-            </a:r>
-          </a:p>
-          <a:p>
-            <a:pPr lvl="1"/>
-            <a:r>
-              <a:rPr lang="en-US" smtClean="0"/>
-              <a:t>Second level</a:t>
-            </a:r>
-          </a:p>
-          <a:p>
-            <a:pPr lvl="2"/>
-            <a:r>
-              <a:rPr lang="en-US" smtClean="0"/>
-              <a:t>Third level</a:t>
-            </a:r>
-          </a:p>
-          <a:p>
-            <a:pPr lvl="3"/>
-            <a:r>
-              <a:rPr lang="en-US" smtClean="0"/>
-              <a:t>Fourth level</a:t>
-            </a:r>
-          </a:p>
-          <a:p>
-            <a:pPr lvl="4"/>
-            <a:r>
-              <a:rPr lang="en-US" smtClean="0"/>
-              <a:t>Fifth level</a:t>
-            </a:r>
-            <a:endParaRPr lang="en-US"/>
-          </a:p>
-        </p:txBody>
-      </p:sp>
-      <p:sp>
-        <p:nvSpPr>
-          <p:cNvPr id="5" name="Date Placeholder 4"/>
-          <p:cNvSpPr>
-            <a:spLocks noGrp="1"/>
-          </p:cNvSpPr>
-          <p:nvPr>
-            <p:ph type="dt" sz="half" idx="10"/>
-          </p:nvPr>
-        </p:nvSpPr>
-        <p:spPr/>
-        <p:txBody>
-          <a:bodyPr/>
-          <a:lstStyle/>
-          <a:p>
-            <a:fld id="{C9A72ECC-C4E6-43CF-A8B7-AA3E2120E49E}" type="datetimeFigureOut">
-              <a:rPr lang="en-US" smtClean="0"/>
-              <a:t>1/8/2019</a:t>
+              <a:t>5/13/2020</a:t>
             </a:fld>
             <a:endParaRPr lang="en-US"/>
           </a:p>
@@ -1382,7 +2079,7 @@
           <a:bodyPr/>
           <a:lstStyle/>
           <a:p>
-            <a:fld id="{0B49E6E0-DE98-41EA-9E21-D83281D2FF67}" type="slidenum">
+            <a:fld id="{330EA680-D336-4FF7-8B7A-9848BB0A1C32}" type="slidenum">
               <a:rPr lang="en-US" smtClean="0"/>
               <a:t>‹#›</a:t>
             </a:fld>
@@ -1393,7 +2090,7 @@
     </p:spTree>
     <p:extLst>
       <p:ext uri="{BB962C8B-B14F-4D97-AF65-F5344CB8AC3E}">
-        <p14:creationId xmlns:p14="http://schemas.microsoft.com/office/powerpoint/2010/main" val="704244659"/>
+        <p14:creationId xmlns:p14="http://schemas.microsoft.com/office/powerpoint/2010/main" val="1203092039"/>
       </p:ext>
     </p:extLst>
   </p:cSld>
@@ -1432,23 +2129,18 @@
         </p:nvSpPr>
         <p:spPr>
           <a:xfrm>
-            <a:off x="457200" y="205979"/>
-            <a:ext cx="8229600" cy="857250"/>
+            <a:off x="839788" y="365125"/>
+            <a:ext cx="10515600" cy="1325563"/>
           </a:xfrm>
         </p:spPr>
         <p:txBody>
           <a:bodyPr/>
-          <a:lstStyle>
-            <a:lvl1pPr>
-              <a:defRPr/>
-            </a:lvl1pPr>
-          </a:lstStyle>
-          <a:p>
-            <a:r>
-              <a:rPr lang="en-US" smtClean="0"/>
+          <a:lstStyle/>
+          <a:p>
+            <a:r>
+              <a:rPr lang="en-US"/>
               <a:t>Click to edit Master title style</a:t>
             </a:r>
-            <a:endParaRPr lang="en-US"/>
           </a:p>
         </p:txBody>
       </p:sp>
@@ -1464,8 +2156,8 @@
         </p:nvSpPr>
         <p:spPr>
           <a:xfrm>
-            <a:off x="457200" y="1151335"/>
-            <a:ext cx="4040188" cy="479822"/>
+            <a:off x="839788" y="1681163"/>
+            <a:ext cx="5157787" cy="823912"/>
           </a:xfrm>
         </p:spPr>
         <p:txBody>
@@ -1511,7 +2203,7 @@
           <a:p>
             <a:pPr lvl="0"/>
             <a:r>
-              <a:rPr lang="en-US" smtClean="0"/>
+              <a:rPr lang="en-US"/>
               <a:t>Click to edit Master text styles</a:t>
             </a:r>
           </a:p>
@@ -1529,76 +2221,47 @@
         </p:nvSpPr>
         <p:spPr>
           <a:xfrm>
-            <a:off x="457200" y="1631156"/>
-            <a:ext cx="4040188" cy="2963466"/>
+            <a:off x="839788" y="2505075"/>
+            <a:ext cx="5157787" cy="3684588"/>
           </a:xfrm>
         </p:spPr>
         <p:txBody>
           <a:bodyPr/>
-          <a:lstStyle>
-            <a:lvl1pPr>
-              <a:defRPr sz="2400"/>
-            </a:lvl1pPr>
-            <a:lvl2pPr>
-              <a:defRPr sz="2000"/>
-            </a:lvl2pPr>
-            <a:lvl3pPr>
-              <a:defRPr sz="1800"/>
-            </a:lvl3pPr>
-            <a:lvl4pPr>
-              <a:defRPr sz="1600"/>
-            </a:lvl4pPr>
-            <a:lvl5pPr>
-              <a:defRPr sz="1600"/>
-            </a:lvl5pPr>
-            <a:lvl6pPr>
-              <a:defRPr sz="1600"/>
-            </a:lvl6pPr>
-            <a:lvl7pPr>
-              <a:defRPr sz="1600"/>
-            </a:lvl7pPr>
-            <a:lvl8pPr>
-              <a:defRPr sz="1600"/>
-            </a:lvl8pPr>
-            <a:lvl9pPr>
-              <a:defRPr sz="1600"/>
-            </a:lvl9pPr>
-          </a:lstStyle>
+          <a:lstStyle/>
           <a:p>
             <a:pPr lvl="0"/>
             <a:r>
-              <a:rPr lang="en-US" smtClean="0"/>
+              <a:rPr lang="en-US"/>
               <a:t>Click to edit Master text styles</a:t>
             </a:r>
           </a:p>
           <a:p>
             <a:pPr lvl="1"/>
             <a:r>
-              <a:rPr lang="en-US" smtClean="0"/>
+              <a:rPr lang="en-US"/>
               <a:t>Second level</a:t>
             </a:r>
           </a:p>
           <a:p>
             <a:pPr lvl="2"/>
             <a:r>
-              <a:rPr lang="en-US" smtClean="0"/>
+              <a:rPr lang="en-US"/>
               <a:t>Third level</a:t>
             </a:r>
           </a:p>
           <a:p>
             <a:pPr lvl="3"/>
             <a:r>
-              <a:rPr lang="en-US" smtClean="0"/>
+              <a:rPr lang="en-US"/>
               <a:t>Fourth level</a:t>
             </a:r>
           </a:p>
           <a:p>
             <a:pPr lvl="4"/>
             <a:r>
-              <a:rPr lang="en-US" smtClean="0"/>
+              <a:rPr lang="en-US"/>
               <a:t>Fifth level</a:t>
             </a:r>
-            <a:endParaRPr lang="en-US"/>
           </a:p>
         </p:txBody>
       </p:sp>
@@ -1614,8 +2277,8 @@
         </p:nvSpPr>
         <p:spPr>
           <a:xfrm>
-            <a:off x="4645026" y="1151335"/>
-            <a:ext cx="4041775" cy="479822"/>
+            <a:off x="6172200" y="1681163"/>
+            <a:ext cx="5183188" cy="823912"/>
           </a:xfrm>
         </p:spPr>
         <p:txBody>
@@ -1661,7 +2324,7 @@
           <a:p>
             <a:pPr lvl="0"/>
             <a:r>
-              <a:rPr lang="en-US" smtClean="0"/>
+              <a:rPr lang="en-US"/>
               <a:t>Click to edit Master text styles</a:t>
             </a:r>
           </a:p>
@@ -1679,97 +2342,68 @@
         </p:nvSpPr>
         <p:spPr>
           <a:xfrm>
-            <a:off x="4645026" y="1631156"/>
-            <a:ext cx="4041775" cy="2963466"/>
+            <a:off x="6172200" y="2505075"/>
+            <a:ext cx="5183188" cy="3684588"/>
           </a:xfrm>
         </p:spPr>
         <p:txBody>
           <a:bodyPr/>
-          <a:lstStyle>
-            <a:lvl1pPr>
-              <a:defRPr sz="2400"/>
-            </a:lvl1pPr>
-            <a:lvl2pPr>
-              <a:defRPr sz="2000"/>
-            </a:lvl2pPr>
-            <a:lvl3pPr>
-              <a:defRPr sz="1800"/>
-            </a:lvl3pPr>
-            <a:lvl4pPr>
-              <a:defRPr sz="1600"/>
-            </a:lvl4pPr>
-            <a:lvl5pPr>
-              <a:defRPr sz="1600"/>
-            </a:lvl5pPr>
-            <a:lvl6pPr>
-              <a:defRPr sz="1600"/>
-            </a:lvl6pPr>
-            <a:lvl7pPr>
-              <a:defRPr sz="1600"/>
-            </a:lvl7pPr>
-            <a:lvl8pPr>
-              <a:defRPr sz="1600"/>
-            </a:lvl8pPr>
-            <a:lvl9pPr>
-              <a:defRPr sz="1600"/>
-            </a:lvl9pPr>
-          </a:lstStyle>
+          <a:lstStyle/>
           <a:p>
             <a:pPr lvl="0"/>
             <a:r>
+              <a:rPr lang="en-US"/>
+              <a:t>Click to edit Master text styles</a:t>
+            </a:r>
+          </a:p>
+          <a:p>
+            <a:pPr lvl="1"/>
+            <a:r>
+              <a:rPr lang="en-US"/>
+              <a:t>Second level</a:t>
+            </a:r>
+          </a:p>
+          <a:p>
+            <a:pPr lvl="2"/>
+            <a:r>
+              <a:rPr lang="en-US"/>
+              <a:t>Third level</a:t>
+            </a:r>
+          </a:p>
+          <a:p>
+            <a:pPr lvl="3"/>
+            <a:r>
+              <a:rPr lang="en-US"/>
+              <a:t>Fourth level</a:t>
+            </a:r>
+          </a:p>
+          <a:p>
+            <a:pPr lvl="4"/>
+            <a:r>
+              <a:rPr lang="en-US"/>
+              <a:t>Fifth level</a:t>
+            </a:r>
+          </a:p>
+        </p:txBody>
+      </p:sp>
+      <p:sp>
+        <p:nvSpPr>
+          <p:cNvPr id="7" name="Date Placeholder 6"/>
+          <p:cNvSpPr>
+            <a:spLocks noGrp="1"/>
+          </p:cNvSpPr>
+          <p:nvPr>
+            <p:ph type="dt" sz="half" idx="10"/>
+          </p:nvPr>
+        </p:nvSpPr>
+        <p:spPr/>
+        <p:txBody>
+          <a:bodyPr/>
+          <a:lstStyle/>
+          <a:p>
+            <a:fld id="{846CE7D5-CF57-46EF-B807-FDD0502418D4}" type="datetimeFigureOut">
               <a:rPr lang="en-US" smtClean="0"/>
-              <a:t>Click to edit Master text styles</a:t>
-            </a:r>
-          </a:p>
-          <a:p>
-            <a:pPr lvl="1"/>
-            <a:r>
-              <a:rPr lang="en-US" smtClean="0"/>
-              <a:t>Second level</a:t>
-            </a:r>
-          </a:p>
-          <a:p>
-            <a:pPr lvl="2"/>
-            <a:r>
-              <a:rPr lang="en-US" smtClean="0"/>
-              <a:t>Third level</a:t>
-            </a:r>
-          </a:p>
-          <a:p>
-            <a:pPr lvl="3"/>
-            <a:r>
-              <a:rPr lang="en-US" smtClean="0"/>
-              <a:t>Fourth level</a:t>
-            </a:r>
-          </a:p>
-          <a:p>
-            <a:pPr lvl="4"/>
-            <a:r>
-              <a:rPr lang="en-US" smtClean="0"/>
-              <a:t>Fifth level</a:t>
-            </a:r>
-            <a:endParaRPr lang="en-US"/>
-          </a:p>
-        </p:txBody>
-      </p:sp>
-      <p:sp>
-        <p:nvSpPr>
-          <p:cNvPr id="7" name="Date Placeholder 6"/>
-          <p:cNvSpPr>
-            <a:spLocks noGrp="1"/>
-          </p:cNvSpPr>
-          <p:nvPr>
-            <p:ph type="dt" sz="half" idx="10"/>
-          </p:nvPr>
-        </p:nvSpPr>
-        <p:spPr/>
-        <p:txBody>
-          <a:bodyPr/>
-          <a:lstStyle/>
-          <a:p>
-            <a:fld id="{C9A72ECC-C4E6-43CF-A8B7-AA3E2120E49E}" type="datetimeFigureOut">
-              <a:rPr lang="en-US" smtClean="0"/>
-              <a:t>1/8/2019</a:t>
+              <a:t>5/13/2020</a:t>
             </a:fld>
             <a:endParaRPr lang="en-US"/>
           </a:p>
@@ -1809,7 +2443,7 @@
           <a:bodyPr/>
           <a:lstStyle/>
           <a:p>
-            <a:fld id="{0B49E6E0-DE98-41EA-9E21-D83281D2FF67}" type="slidenum">
+            <a:fld id="{330EA680-D336-4FF7-8B7A-9848BB0A1C32}" type="slidenum">
               <a:rPr lang="en-US" smtClean="0"/>
               <a:t>‹#›</a:t>
             </a:fld>
@@ -1820,7 +2454,7 @@
     </p:spTree>
     <p:extLst>
       <p:ext uri="{BB962C8B-B14F-4D97-AF65-F5344CB8AC3E}">
-        <p14:creationId xmlns:p14="http://schemas.microsoft.com/office/powerpoint/2010/main" val="2200902151"/>
+        <p14:creationId xmlns:p14="http://schemas.microsoft.com/office/powerpoint/2010/main" val="3733172339"/>
       </p:ext>
     </p:extLst>
   </p:cSld>
@@ -1863,31 +2497,30 @@
           <a:lstStyle/>
           <a:p>
             <a:r>
+              <a:rPr lang="en-US"/>
+              <a:t>Click to edit Master title style</a:t>
+            </a:r>
+          </a:p>
+        </p:txBody>
+      </p:sp>
+      <p:sp>
+        <p:nvSpPr>
+          <p:cNvPr id="3" name="Date Placeholder 2"/>
+          <p:cNvSpPr>
+            <a:spLocks noGrp="1"/>
+          </p:cNvSpPr>
+          <p:nvPr>
+            <p:ph type="dt" sz="half" idx="10"/>
+          </p:nvPr>
+        </p:nvSpPr>
+        <p:spPr/>
+        <p:txBody>
+          <a:bodyPr/>
+          <a:lstStyle/>
+          <a:p>
+            <a:fld id="{846CE7D5-CF57-46EF-B807-FDD0502418D4}" type="datetimeFigureOut">
               <a:rPr lang="en-US" smtClean="0"/>
-              <a:t>Click to edit Master title style</a:t>
-            </a:r>
-            <a:endParaRPr lang="en-US"/>
-          </a:p>
-        </p:txBody>
-      </p:sp>
-      <p:sp>
-        <p:nvSpPr>
-          <p:cNvPr id="3" name="Date Placeholder 2"/>
-          <p:cNvSpPr>
-            <a:spLocks noGrp="1"/>
-          </p:cNvSpPr>
-          <p:nvPr>
-            <p:ph type="dt" sz="half" idx="10"/>
-          </p:nvPr>
-        </p:nvSpPr>
-        <p:spPr/>
-        <p:txBody>
-          <a:bodyPr/>
-          <a:lstStyle/>
-          <a:p>
-            <a:fld id="{C9A72ECC-C4E6-43CF-A8B7-AA3E2120E49E}" type="datetimeFigureOut">
-              <a:rPr lang="en-US" smtClean="0"/>
-              <a:t>1/8/2019</a:t>
+              <a:t>5/13/2020</a:t>
             </a:fld>
             <a:endParaRPr lang="en-US"/>
           </a:p>
@@ -1927,7 +2560,7 @@
           <a:bodyPr/>
           <a:lstStyle/>
           <a:p>
-            <a:fld id="{0B49E6E0-DE98-41EA-9E21-D83281D2FF67}" type="slidenum">
+            <a:fld id="{330EA680-D336-4FF7-8B7A-9848BB0A1C32}" type="slidenum">
               <a:rPr lang="en-US" smtClean="0"/>
               <a:t>‹#›</a:t>
             </a:fld>
@@ -1938,7 +2571,7 @@
     </p:spTree>
     <p:extLst>
       <p:ext uri="{BB962C8B-B14F-4D97-AF65-F5344CB8AC3E}">
-        <p14:creationId xmlns:p14="http://schemas.microsoft.com/office/powerpoint/2010/main" val="1018921315"/>
+        <p14:creationId xmlns:p14="http://schemas.microsoft.com/office/powerpoint/2010/main" val="3210312558"/>
       </p:ext>
     </p:extLst>
   </p:cSld>
@@ -1980,9 +2613,9 @@
           <a:bodyPr/>
           <a:lstStyle/>
           <a:p>
-            <a:fld id="{C9A72ECC-C4E6-43CF-A8B7-AA3E2120E49E}" type="datetimeFigureOut">
+            <a:fld id="{846CE7D5-CF57-46EF-B807-FDD0502418D4}" type="datetimeFigureOut">
               <a:rPr lang="en-US" smtClean="0"/>
-              <a:t>1/8/2019</a:t>
+              <a:t>5/13/2020</a:t>
             </a:fld>
             <a:endParaRPr lang="en-US"/>
           </a:p>
@@ -2022,7 +2655,7 @@
           <a:bodyPr/>
           <a:lstStyle/>
           <a:p>
-            <a:fld id="{0B49E6E0-DE98-41EA-9E21-D83281D2FF67}" type="slidenum">
+            <a:fld id="{330EA680-D336-4FF7-8B7A-9848BB0A1C32}" type="slidenum">
               <a:rPr lang="en-US" smtClean="0"/>
               <a:t>‹#›</a:t>
             </a:fld>
@@ -2033,7 +2666,7 @@
     </p:spTree>
     <p:extLst>
       <p:ext uri="{BB962C8B-B14F-4D97-AF65-F5344CB8AC3E}">
-        <p14:creationId xmlns:p14="http://schemas.microsoft.com/office/powerpoint/2010/main" val="3178986920"/>
+        <p14:creationId xmlns:p14="http://schemas.microsoft.com/office/powerpoint/2010/main" val="3146388984"/>
       </p:ext>
     </p:extLst>
   </p:cSld>
@@ -2072,23 +2705,22 @@
         </p:nvSpPr>
         <p:spPr>
           <a:xfrm>
-            <a:off x="457201" y="204787"/>
-            <a:ext cx="3008313" cy="871538"/>
+            <a:off x="839788" y="457200"/>
+            <a:ext cx="3932237" cy="1600200"/>
           </a:xfrm>
         </p:spPr>
         <p:txBody>
           <a:bodyPr anchor="b"/>
           <a:lstStyle>
-            <a:lvl1pPr algn="l">
-              <a:defRPr sz="2000" b="1"/>
+            <a:lvl1pPr>
+              <a:defRPr sz="3200"/>
             </a:lvl1pPr>
           </a:lstStyle>
           <a:p>
             <a:r>
-              <a:rPr lang="en-US" smtClean="0"/>
+              <a:rPr lang="en-US"/>
               <a:t>Click to edit Master title style</a:t>
             </a:r>
-            <a:endParaRPr lang="en-US"/>
           </a:p>
         </p:txBody>
       </p:sp>
@@ -2104,8 +2736,8 @@
         </p:nvSpPr>
         <p:spPr>
           <a:xfrm>
-            <a:off x="3575050" y="204788"/>
-            <a:ext cx="5111750" cy="4389835"/>
+            <a:off x="5183188" y="987425"/>
+            <a:ext cx="6172200" cy="4873625"/>
           </a:xfrm>
         </p:spPr>
         <p:txBody>
@@ -2142,38 +2774,37 @@
           <a:p>
             <a:pPr lvl="0"/>
             <a:r>
-              <a:rPr lang="en-US" smtClean="0"/>
+              <a:rPr lang="en-US"/>
               <a:t>Click to edit Master text styles</a:t>
             </a:r>
           </a:p>
           <a:p>
             <a:pPr lvl="1"/>
             <a:r>
-              <a:rPr lang="en-US" smtClean="0"/>
+              <a:rPr lang="en-US"/>
               <a:t>Second level</a:t>
             </a:r>
           </a:p>
           <a:p>
             <a:pPr lvl="2"/>
             <a:r>
-              <a:rPr lang="en-US" smtClean="0"/>
+              <a:rPr lang="en-US"/>
               <a:t>Third level</a:t>
             </a:r>
           </a:p>
           <a:p>
             <a:pPr lvl="3"/>
             <a:r>
-              <a:rPr lang="en-US" smtClean="0"/>
+              <a:rPr lang="en-US"/>
               <a:t>Fourth level</a:t>
             </a:r>
           </a:p>
           <a:p>
             <a:pPr lvl="4"/>
             <a:r>
-              <a:rPr lang="en-US" smtClean="0"/>
+              <a:rPr lang="en-US"/>
               <a:t>Fifth level</a:t>
             </a:r>
-            <a:endParaRPr lang="en-US"/>
           </a:p>
         </p:txBody>
       </p:sp>
@@ -2189,8 +2820,8 @@
         </p:nvSpPr>
         <p:spPr>
           <a:xfrm>
-            <a:off x="457201" y="1076326"/>
-            <a:ext cx="3008313" cy="3518297"/>
+            <a:off x="839788" y="2057400"/>
+            <a:ext cx="3932237" cy="3811588"/>
           </a:xfrm>
         </p:spPr>
         <p:txBody>
@@ -2198,68 +2829,68 @@
           <a:lstStyle>
             <a:lvl1pPr marL="0" indent="0">
               <a:buNone/>
-              <a:defRPr sz="1400"/>
+              <a:defRPr sz="1600"/>
             </a:lvl1pPr>
             <a:lvl2pPr marL="457200" indent="0">
               <a:buNone/>
-              <a:defRPr sz="1200"/>
+              <a:defRPr sz="1400"/>
             </a:lvl2pPr>
             <a:lvl3pPr marL="914400" indent="0">
               <a:buNone/>
-              <a:defRPr sz="1000"/>
+              <a:defRPr sz="1200"/>
             </a:lvl3pPr>
             <a:lvl4pPr marL="1371600" indent="0">
               <a:buNone/>
-              <a:defRPr sz="900"/>
+              <a:defRPr sz="1000"/>
             </a:lvl4pPr>
             <a:lvl5pPr marL="1828800" indent="0">
               <a:buNone/>
-              <a:defRPr sz="900"/>
+              <a:defRPr sz="1000"/>
             </a:lvl5pPr>
             <a:lvl6pPr marL="2286000" indent="0">
               <a:buNone/>
-              <a:defRPr sz="900"/>
+              <a:defRPr sz="1000"/>
             </a:lvl6pPr>
             <a:lvl7pPr marL="2743200" indent="0">
               <a:buNone/>
-              <a:defRPr sz="900"/>
+              <a:defRPr sz="1000"/>
             </a:lvl7pPr>
             <a:lvl8pPr marL="3200400" indent="0">
               <a:buNone/>
-              <a:defRPr sz="900"/>
+              <a:defRPr sz="1000"/>
             </a:lvl8pPr>
             <a:lvl9pPr marL="3657600" indent="0">
               <a:buNone/>
-              <a:defRPr sz="900"/>
+              <a:defRPr sz="1000"/>
             </a:lvl9pPr>
           </a:lstStyle>
           <a:p>
             <a:pPr lvl="0"/>
             <a:r>
+              <a:rPr lang="en-US"/>
+              <a:t>Click to edit Master text styles</a:t>
+            </a:r>
+          </a:p>
+        </p:txBody>
+      </p:sp>
+      <p:sp>
+        <p:nvSpPr>
+          <p:cNvPr id="5" name="Date Placeholder 4"/>
+          <p:cNvSpPr>
+            <a:spLocks noGrp="1"/>
+          </p:cNvSpPr>
+          <p:nvPr>
+            <p:ph type="dt" sz="half" idx="10"/>
+          </p:nvPr>
+        </p:nvSpPr>
+        <p:spPr/>
+        <p:txBody>
+          <a:bodyPr/>
+          <a:lstStyle/>
+          <a:p>
+            <a:fld id="{846CE7D5-CF57-46EF-B807-FDD0502418D4}" type="datetimeFigureOut">
               <a:rPr lang="en-US" smtClean="0"/>
-              <a:t>Click to edit Master text styles</a:t>
-            </a:r>
-          </a:p>
-        </p:txBody>
-      </p:sp>
-      <p:sp>
-        <p:nvSpPr>
-          <p:cNvPr id="5" name="Date Placeholder 4"/>
-          <p:cNvSpPr>
-            <a:spLocks noGrp="1"/>
-          </p:cNvSpPr>
-          <p:nvPr>
-            <p:ph type="dt" sz="half" idx="10"/>
-          </p:nvPr>
-        </p:nvSpPr>
-        <p:spPr/>
-        <p:txBody>
-          <a:bodyPr/>
-          <a:lstStyle/>
-          <a:p>
-            <a:fld id="{C9A72ECC-C4E6-43CF-A8B7-AA3E2120E49E}" type="datetimeFigureOut">
-              <a:rPr lang="en-US" smtClean="0"/>
-              <a:t>1/8/2019</a:t>
+              <a:t>5/13/2020</a:t>
             </a:fld>
             <a:endParaRPr lang="en-US"/>
           </a:p>
@@ -2299,7 +2930,7 @@
           <a:bodyPr/>
           <a:lstStyle/>
           <a:p>
-            <a:fld id="{0B49E6E0-DE98-41EA-9E21-D83281D2FF67}" type="slidenum">
+            <a:fld id="{330EA680-D336-4FF7-8B7A-9848BB0A1C32}" type="slidenum">
               <a:rPr lang="en-US" smtClean="0"/>
               <a:t>‹#›</a:t>
             </a:fld>
@@ -2310,7 +2941,7 @@
     </p:spTree>
     <p:extLst>
       <p:ext uri="{BB962C8B-B14F-4D97-AF65-F5344CB8AC3E}">
-        <p14:creationId xmlns:p14="http://schemas.microsoft.com/office/powerpoint/2010/main" val="4155932572"/>
+        <p14:creationId xmlns:p14="http://schemas.microsoft.com/office/powerpoint/2010/main" val="3171841454"/>
       </p:ext>
     </p:extLst>
   </p:cSld>
@@ -2349,23 +2980,22 @@
         </p:nvSpPr>
         <p:spPr>
           <a:xfrm>
-            <a:off x="1792288" y="3600450"/>
-            <a:ext cx="5486400" cy="425054"/>
+            <a:off x="839788" y="457200"/>
+            <a:ext cx="3932237" cy="1600200"/>
           </a:xfrm>
         </p:spPr>
         <p:txBody>
           <a:bodyPr anchor="b"/>
           <a:lstStyle>
-            <a:lvl1pPr algn="l">
-              <a:defRPr sz="2000" b="1"/>
+            <a:lvl1pPr>
+              <a:defRPr sz="3200"/>
             </a:lvl1pPr>
           </a:lstStyle>
           <a:p>
             <a:r>
-              <a:rPr lang="en-US" smtClean="0"/>
+              <a:rPr lang="en-US"/>
               <a:t>Click to edit Master title style</a:t>
             </a:r>
-            <a:endParaRPr lang="en-US"/>
           </a:p>
         </p:txBody>
       </p:sp>
@@ -2373,7 +3003,7 @@
         <p:nvSpPr>
           <p:cNvPr id="3" name="Picture Placeholder 2"/>
           <p:cNvSpPr>
-            <a:spLocks noGrp="1"/>
+            <a:spLocks noGrp="1" noChangeAspect="1"/>
           </p:cNvSpPr>
           <p:nvPr>
             <p:ph type="pic" idx="1"/>
@@ -2381,12 +3011,12 @@
         </p:nvSpPr>
         <p:spPr>
           <a:xfrm>
-            <a:off x="1792288" y="459581"/>
-            <a:ext cx="5486400" cy="3086100"/>
+            <a:off x="5183188" y="987425"/>
+            <a:ext cx="6172200" cy="4873625"/>
           </a:xfrm>
         </p:spPr>
         <p:txBody>
-          <a:bodyPr/>
+          <a:bodyPr anchor="t"/>
           <a:lstStyle>
             <a:lvl1pPr marL="0" indent="0">
               <a:buNone/>
@@ -2426,7 +3056,10 @@
             </a:lvl9pPr>
           </a:lstStyle>
           <a:p>
-            <a:endParaRPr lang="en-US"/>
+            <a:r>
+              <a:rPr lang="en-US"/>
+              <a:t>Click icon to add picture</a:t>
+            </a:r>
           </a:p>
         </p:txBody>
       </p:sp>
@@ -2442,8 +3075,8 @@
         </p:nvSpPr>
         <p:spPr>
           <a:xfrm>
-            <a:off x="1792288" y="4025503"/>
-            <a:ext cx="5486400" cy="603647"/>
+            <a:off x="839788" y="2057400"/>
+            <a:ext cx="3932237" cy="3811588"/>
           </a:xfrm>
         </p:spPr>
         <p:txBody>
@@ -2451,68 +3084,68 @@
           <a:lstStyle>
             <a:lvl1pPr marL="0" indent="0">
               <a:buNone/>
-              <a:defRPr sz="1400"/>
+              <a:defRPr sz="1600"/>
             </a:lvl1pPr>
             <a:lvl2pPr marL="457200" indent="0">
               <a:buNone/>
-              <a:defRPr sz="1200"/>
+              <a:defRPr sz="1400"/>
             </a:lvl2pPr>
             <a:lvl3pPr marL="914400" indent="0">
               <a:buNone/>
-              <a:defRPr sz="1000"/>
+              <a:defRPr sz="1200"/>
             </a:lvl3pPr>
             <a:lvl4pPr marL="1371600" indent="0">
               <a:buNone/>
-              <a:defRPr sz="900"/>
+              <a:defRPr sz="1000"/>
             </a:lvl4pPr>
             <a:lvl5pPr marL="1828800" indent="0">
               <a:buNone/>
-              <a:defRPr sz="900"/>
+              <a:defRPr sz="1000"/>
             </a:lvl5pPr>
             <a:lvl6pPr marL="2286000" indent="0">
               <a:buNone/>
-              <a:defRPr sz="900"/>
+              <a:defRPr sz="1000"/>
             </a:lvl6pPr>
             <a:lvl7pPr marL="2743200" indent="0">
               <a:buNone/>
-              <a:defRPr sz="900"/>
+              <a:defRPr sz="1000"/>
             </a:lvl7pPr>
             <a:lvl8pPr marL="3200400" indent="0">
               <a:buNone/>
-              <a:defRPr sz="900"/>
+              <a:defRPr sz="1000"/>
             </a:lvl8pPr>
             <a:lvl9pPr marL="3657600" indent="0">
               <a:buNone/>
-              <a:defRPr sz="900"/>
+              <a:defRPr sz="1000"/>
             </a:lvl9pPr>
           </a:lstStyle>
           <a:p>
             <a:pPr lvl="0"/>
             <a:r>
+              <a:rPr lang="en-US"/>
+              <a:t>Click to edit Master text styles</a:t>
+            </a:r>
+          </a:p>
+        </p:txBody>
+      </p:sp>
+      <p:sp>
+        <p:nvSpPr>
+          <p:cNvPr id="5" name="Date Placeholder 4"/>
+          <p:cNvSpPr>
+            <a:spLocks noGrp="1"/>
+          </p:cNvSpPr>
+          <p:nvPr>
+            <p:ph type="dt" sz="half" idx="10"/>
+          </p:nvPr>
+        </p:nvSpPr>
+        <p:spPr/>
+        <p:txBody>
+          <a:bodyPr/>
+          <a:lstStyle/>
+          <a:p>
+            <a:fld id="{846CE7D5-CF57-46EF-B807-FDD0502418D4}" type="datetimeFigureOut">
               <a:rPr lang="en-US" smtClean="0"/>
-              <a:t>Click to edit Master text styles</a:t>
-            </a:r>
-          </a:p>
-        </p:txBody>
-      </p:sp>
-      <p:sp>
-        <p:nvSpPr>
-          <p:cNvPr id="5" name="Date Placeholder 4"/>
-          <p:cNvSpPr>
-            <a:spLocks noGrp="1"/>
-          </p:cNvSpPr>
-          <p:nvPr>
-            <p:ph type="dt" sz="half" idx="10"/>
-          </p:nvPr>
-        </p:nvSpPr>
-        <p:spPr/>
-        <p:txBody>
-          <a:bodyPr/>
-          <a:lstStyle/>
-          <a:p>
-            <a:fld id="{C9A72ECC-C4E6-43CF-A8B7-AA3E2120E49E}" type="datetimeFigureOut">
-              <a:rPr lang="en-US" smtClean="0"/>
-              <a:t>1/8/2019</a:t>
+              <a:t>5/13/2020</a:t>
             </a:fld>
             <a:endParaRPr lang="en-US"/>
           </a:p>
@@ -2552,7 +3185,7 @@
           <a:bodyPr/>
           <a:lstStyle/>
           <a:p>
-            <a:fld id="{0B49E6E0-DE98-41EA-9E21-D83281D2FF67}" type="slidenum">
+            <a:fld id="{330EA680-D336-4FF7-8B7A-9848BB0A1C32}" type="slidenum">
               <a:rPr lang="en-US" smtClean="0"/>
               <a:t>‹#›</a:t>
             </a:fld>
@@ -2563,7 +3196,7 @@
     </p:spTree>
     <p:extLst>
       <p:ext uri="{BB962C8B-B14F-4D97-AF65-F5344CB8AC3E}">
-        <p14:creationId xmlns:p14="http://schemas.microsoft.com/office/powerpoint/2010/main" val="3361200491"/>
+        <p14:creationId xmlns:p14="http://schemas.microsoft.com/office/powerpoint/2010/main" val="1718958274"/>
       </p:ext>
     </p:extLst>
   </p:cSld>
@@ -2607,8 +3240,8 @@
         </p:nvSpPr>
         <p:spPr>
           <a:xfrm>
-            <a:off x="457200" y="205979"/>
-            <a:ext cx="8229600" cy="857250"/>
+            <a:off x="838200" y="365125"/>
+            <a:ext cx="10515600" cy="1325563"/>
           </a:xfrm>
           <a:prstGeom prst="rect">
             <a:avLst/>
@@ -2621,10 +3254,9 @@
           <a:lstStyle/>
           <a:p>
             <a:r>
-              <a:rPr lang="en-US" smtClean="0"/>
+              <a:rPr lang="en-US"/>
               <a:t>Click to edit Master title style</a:t>
             </a:r>
-            <a:endParaRPr lang="en-US"/>
           </a:p>
         </p:txBody>
       </p:sp>
@@ -2640,8 +3272,8 @@
         </p:nvSpPr>
         <p:spPr>
           <a:xfrm>
-            <a:off x="457200" y="1200151"/>
-            <a:ext cx="8229600" cy="3394472"/>
+            <a:off x="838200" y="1825625"/>
+            <a:ext cx="10515600" cy="4351338"/>
           </a:xfrm>
           <a:prstGeom prst="rect">
             <a:avLst/>
@@ -2655,38 +3287,37 @@
           <a:p>
             <a:pPr lvl="0"/>
             <a:r>
-              <a:rPr lang="en-US" smtClean="0"/>
+              <a:rPr lang="en-US"/>
               <a:t>Click to edit Master text styles</a:t>
             </a:r>
           </a:p>
           <a:p>
             <a:pPr lvl="1"/>
             <a:r>
-              <a:rPr lang="en-US" smtClean="0"/>
+              <a:rPr lang="en-US"/>
               <a:t>Second level</a:t>
             </a:r>
           </a:p>
           <a:p>
             <a:pPr lvl="2"/>
             <a:r>
-              <a:rPr lang="en-US" smtClean="0"/>
+              <a:rPr lang="en-US"/>
               <a:t>Third level</a:t>
             </a:r>
           </a:p>
           <a:p>
             <a:pPr lvl="3"/>
             <a:r>
-              <a:rPr lang="en-US" smtClean="0"/>
+              <a:rPr lang="en-US"/>
               <a:t>Fourth level</a:t>
             </a:r>
           </a:p>
           <a:p>
             <a:pPr lvl="4"/>
             <a:r>
-              <a:rPr lang="en-US" smtClean="0"/>
+              <a:rPr lang="en-US"/>
               <a:t>Fifth level</a:t>
             </a:r>
-            <a:endParaRPr lang="en-US"/>
           </a:p>
         </p:txBody>
       </p:sp>
@@ -2702,8 +3333,8 @@
         </p:nvSpPr>
         <p:spPr>
           <a:xfrm>
-            <a:off x="457200" y="4767263"/>
-            <a:ext cx="2133600" cy="273844"/>
+            <a:off x="838200" y="6356350"/>
+            <a:ext cx="2743200" cy="365125"/>
           </a:xfrm>
           <a:prstGeom prst="rect">
             <a:avLst/>
@@ -2723,9 +3354,9 @@
             </a:lvl1pPr>
           </a:lstStyle>
           <a:p>
-            <a:fld id="{C9A72ECC-C4E6-43CF-A8B7-AA3E2120E49E}" type="datetimeFigureOut">
+            <a:fld id="{846CE7D5-CF57-46EF-B807-FDD0502418D4}" type="datetimeFigureOut">
               <a:rPr lang="en-US" smtClean="0"/>
-              <a:t>1/8/2019</a:t>
+              <a:t>5/13/2020</a:t>
             </a:fld>
             <a:endParaRPr lang="en-US"/>
           </a:p>
@@ -2743,8 +3374,8 @@
         </p:nvSpPr>
         <p:spPr>
           <a:xfrm>
-            <a:off x="3124200" y="4767263"/>
-            <a:ext cx="2895600" cy="273844"/>
+            <a:off x="4038600" y="6356350"/>
+            <a:ext cx="4114800" cy="365125"/>
           </a:xfrm>
           <a:prstGeom prst="rect">
             <a:avLst/>
@@ -2780,8 +3411,8 @@
         </p:nvSpPr>
         <p:spPr>
           <a:xfrm>
-            <a:off x="6553200" y="4767263"/>
-            <a:ext cx="2133600" cy="273844"/>
+            <a:off x="8610600" y="6356350"/>
+            <a:ext cx="2743200" cy="365125"/>
           </a:xfrm>
           <a:prstGeom prst="rect">
             <a:avLst/>
@@ -2801,7 +3432,7 @@
             </a:lvl1pPr>
           </a:lstStyle>
           <a:p>
-            <a:fld id="{0B49E6E0-DE98-41EA-9E21-D83281D2FF67}" type="slidenum">
+            <a:fld id="{330EA680-D336-4FF7-8B7A-9848BB0A1C32}" type="slidenum">
               <a:rPr lang="en-US" smtClean="0"/>
               <a:t>‹#›</a:t>
             </a:fld>
@@ -2812,27 +3443,30 @@
     </p:spTree>
     <p:extLst>
       <p:ext uri="{BB962C8B-B14F-4D97-AF65-F5344CB8AC3E}">
-        <p14:creationId xmlns:p14="http://schemas.microsoft.com/office/powerpoint/2010/main" val="1261456986"/>
+        <p14:creationId xmlns:p14="http://schemas.microsoft.com/office/powerpoint/2010/main" val="2460954070"/>
       </p:ext>
     </p:extLst>
   </p:cSld>
   <p:clrMap bg1="lt1" tx1="dk1" bg2="lt2" tx2="dk2" accent1="accent1" accent2="accent2" accent3="accent3" accent4="accent4" accent5="accent5" accent6="accent6" hlink="hlink" folHlink="folHlink"/>
   <p:sldLayoutIdLst>
-    <p:sldLayoutId id="2147483649" r:id="rId1"/>
-    <p:sldLayoutId id="2147483650" r:id="rId2"/>
-    <p:sldLayoutId id="2147483651" r:id="rId3"/>
-    <p:sldLayoutId id="2147483652" r:id="rId4"/>
-    <p:sldLayoutId id="2147483653" r:id="rId5"/>
-    <p:sldLayoutId id="2147483654" r:id="rId6"/>
-    <p:sldLayoutId id="2147483655" r:id="rId7"/>
-    <p:sldLayoutId id="2147483656" r:id="rId8"/>
-    <p:sldLayoutId id="2147483657" r:id="rId9"/>
-    <p:sldLayoutId id="2147483658" r:id="rId10"/>
-    <p:sldLayoutId id="2147483659" r:id="rId11"/>
+    <p:sldLayoutId id="2147483661" r:id="rId1"/>
+    <p:sldLayoutId id="2147483662" r:id="rId2"/>
+    <p:sldLayoutId id="2147483663" r:id="rId3"/>
+    <p:sldLayoutId id="2147483664" r:id="rId4"/>
+    <p:sldLayoutId id="2147483665" r:id="rId5"/>
+    <p:sldLayoutId id="2147483666" r:id="rId6"/>
+    <p:sldLayoutId id="2147483667" r:id="rId7"/>
+    <p:sldLayoutId id="2147483668" r:id="rId8"/>
+    <p:sldLayoutId id="2147483669" r:id="rId9"/>
+    <p:sldLayoutId id="2147483670" r:id="rId10"/>
+    <p:sldLayoutId id="2147483671" r:id="rId11"/>
   </p:sldLayoutIdLst>
   <p:txStyles>
     <p:titleStyle>
-      <a:lvl1pPr algn="ctr" defTabSz="914400" rtl="0" eaLnBrk="1" latinLnBrk="0" hangingPunct="1">
+      <a:lvl1pPr algn="l" defTabSz="914400" rtl="0" eaLnBrk="1" latinLnBrk="0" hangingPunct="1">
+        <a:lnSpc>
+          <a:spcPct val="90000"/>
+        </a:lnSpc>
         <a:spcBef>
           <a:spcPct val="0"/>
         </a:spcBef>
@@ -2848,13 +3482,16 @@
       </a:lvl1pPr>
     </p:titleStyle>
     <p:bodyStyle>
-      <a:lvl1pPr marL="342900" indent="-342900" algn="l" defTabSz="914400" rtl="0" eaLnBrk="1" latinLnBrk="0" hangingPunct="1">
+      <a:lvl1pPr marL="228600" indent="-228600" algn="l" defTabSz="914400" rtl="0" eaLnBrk="1" latinLnBrk="0" hangingPunct="1">
+        <a:lnSpc>
+          <a:spcPct val="90000"/>
+        </a:lnSpc>
         <a:spcBef>
-          <a:spcPct val="20000"/>
+          <a:spcPts val="1000"/>
         </a:spcBef>
         <a:buFont typeface="Arial" panose="020B0604020202020204" pitchFamily="34" charset="0"/>
         <a:buChar char="•"/>
-        <a:defRPr sz="3200" kern="1200">
+        <a:defRPr sz="2800" kern="1200">
           <a:solidFill>
             <a:schemeClr val="tx1"/>
           </a:solidFill>
@@ -2863,24 +3500,12 @@
           <a:cs typeface="+mn-cs"/>
         </a:defRPr>
       </a:lvl1pPr>
-      <a:lvl2pPr marL="742950" indent="-285750" algn="l" defTabSz="914400" rtl="0" eaLnBrk="1" latinLnBrk="0" hangingPunct="1">
+      <a:lvl2pPr marL="685800" indent="-228600" algn="l" defTabSz="914400" rtl="0" eaLnBrk="1" latinLnBrk="0" hangingPunct="1">
+        <a:lnSpc>
+          <a:spcPct val="90000"/>
+        </a:lnSpc>
         <a:spcBef>
-          <a:spcPct val="20000"/>
-        </a:spcBef>
-        <a:buFont typeface="Arial" panose="020B0604020202020204" pitchFamily="34" charset="0"/>
-        <a:buChar char="–"/>
-        <a:defRPr sz="2800" kern="1200">
-          <a:solidFill>
-            <a:schemeClr val="tx1"/>
-          </a:solidFill>
-          <a:latin typeface="+mn-lt"/>
-          <a:ea typeface="+mn-ea"/>
-          <a:cs typeface="+mn-cs"/>
-        </a:defRPr>
-      </a:lvl2pPr>
-      <a:lvl3pPr marL="1143000" indent="-228600" algn="l" defTabSz="914400" rtl="0" eaLnBrk="1" latinLnBrk="0" hangingPunct="1">
-        <a:spcBef>
-          <a:spcPct val="20000"/>
+          <a:spcPts val="500"/>
         </a:spcBef>
         <a:buFont typeface="Arial" panose="020B0604020202020204" pitchFamily="34" charset="0"/>
         <a:buChar char="•"/>
@@ -2892,40 +3517,13 @@
           <a:ea typeface="+mn-ea"/>
           <a:cs typeface="+mn-cs"/>
         </a:defRPr>
-      </a:lvl3pPr>
-      <a:lvl4pPr marL="1600200" indent="-228600" algn="l" defTabSz="914400" rtl="0" eaLnBrk="1" latinLnBrk="0" hangingPunct="1">
+      </a:lvl2pPr>
+      <a:lvl3pPr marL="1143000" indent="-228600" algn="l" defTabSz="914400" rtl="0" eaLnBrk="1" latinLnBrk="0" hangingPunct="1">
+        <a:lnSpc>
+          <a:spcPct val="90000"/>
+        </a:lnSpc>
         <a:spcBef>
-          <a:spcPct val="20000"/>
-        </a:spcBef>
-        <a:buFont typeface="Arial" panose="020B0604020202020204" pitchFamily="34" charset="0"/>
-        <a:buChar char="–"/>
-        <a:defRPr sz="2000" kern="1200">
-          <a:solidFill>
-            <a:schemeClr val="tx1"/>
-          </a:solidFill>
-          <a:latin typeface="+mn-lt"/>
-          <a:ea typeface="+mn-ea"/>
-          <a:cs typeface="+mn-cs"/>
-        </a:defRPr>
-      </a:lvl4pPr>
-      <a:lvl5pPr marL="2057400" indent="-228600" algn="l" defTabSz="914400" rtl="0" eaLnBrk="1" latinLnBrk="0" hangingPunct="1">
-        <a:spcBef>
-          <a:spcPct val="20000"/>
-        </a:spcBef>
-        <a:buFont typeface="Arial" panose="020B0604020202020204" pitchFamily="34" charset="0"/>
-        <a:buChar char="»"/>
-        <a:defRPr sz="2000" kern="1200">
-          <a:solidFill>
-            <a:schemeClr val="tx1"/>
-          </a:solidFill>
-          <a:latin typeface="+mn-lt"/>
-          <a:ea typeface="+mn-ea"/>
-          <a:cs typeface="+mn-cs"/>
-        </a:defRPr>
-      </a:lvl5pPr>
-      <a:lvl6pPr marL="2514600" indent="-228600" algn="l" defTabSz="914400" rtl="0" eaLnBrk="1" latinLnBrk="0" hangingPunct="1">
-        <a:spcBef>
-          <a:spcPct val="20000"/>
+          <a:spcPts val="500"/>
         </a:spcBef>
         <a:buFont typeface="Arial" panose="020B0604020202020204" pitchFamily="34" charset="0"/>
         <a:buChar char="•"/>
@@ -2937,14 +3535,71 @@
           <a:ea typeface="+mn-ea"/>
           <a:cs typeface="+mn-cs"/>
         </a:defRPr>
-      </a:lvl6pPr>
-      <a:lvl7pPr marL="2971800" indent="-228600" algn="l" defTabSz="914400" rtl="0" eaLnBrk="1" latinLnBrk="0" hangingPunct="1">
+      </a:lvl3pPr>
+      <a:lvl4pPr marL="1600200" indent="-228600" algn="l" defTabSz="914400" rtl="0" eaLnBrk="1" latinLnBrk="0" hangingPunct="1">
+        <a:lnSpc>
+          <a:spcPct val="90000"/>
+        </a:lnSpc>
         <a:spcBef>
-          <a:spcPct val="20000"/>
+          <a:spcPts val="500"/>
         </a:spcBef>
         <a:buFont typeface="Arial" panose="020B0604020202020204" pitchFamily="34" charset="0"/>
         <a:buChar char="•"/>
-        <a:defRPr sz="2000" kern="1200">
+        <a:defRPr sz="1800" kern="1200">
+          <a:solidFill>
+            <a:schemeClr val="tx1"/>
+          </a:solidFill>
+          <a:latin typeface="+mn-lt"/>
+          <a:ea typeface="+mn-ea"/>
+          <a:cs typeface="+mn-cs"/>
+        </a:defRPr>
+      </a:lvl4pPr>
+      <a:lvl5pPr marL="2057400" indent="-228600" algn="l" defTabSz="914400" rtl="0" eaLnBrk="1" latinLnBrk="0" hangingPunct="1">
+        <a:lnSpc>
+          <a:spcPct val="90000"/>
+        </a:lnSpc>
+        <a:spcBef>
+          <a:spcPts val="500"/>
+        </a:spcBef>
+        <a:buFont typeface="Arial" panose="020B0604020202020204" pitchFamily="34" charset="0"/>
+        <a:buChar char="•"/>
+        <a:defRPr sz="1800" kern="1200">
+          <a:solidFill>
+            <a:schemeClr val="tx1"/>
+          </a:solidFill>
+          <a:latin typeface="+mn-lt"/>
+          <a:ea typeface="+mn-ea"/>
+          <a:cs typeface="+mn-cs"/>
+        </a:defRPr>
+      </a:lvl5pPr>
+      <a:lvl6pPr marL="2514600" indent="-228600" algn="l" defTabSz="914400" rtl="0" eaLnBrk="1" latinLnBrk="0" hangingPunct="1">
+        <a:lnSpc>
+          <a:spcPct val="90000"/>
+        </a:lnSpc>
+        <a:spcBef>
+          <a:spcPts val="500"/>
+        </a:spcBef>
+        <a:buFont typeface="Arial" panose="020B0604020202020204" pitchFamily="34" charset="0"/>
+        <a:buChar char="•"/>
+        <a:defRPr sz="1800" kern="1200">
+          <a:solidFill>
+            <a:schemeClr val="tx1"/>
+          </a:solidFill>
+          <a:latin typeface="+mn-lt"/>
+          <a:ea typeface="+mn-ea"/>
+          <a:cs typeface="+mn-cs"/>
+        </a:defRPr>
+      </a:lvl6pPr>
+      <a:lvl7pPr marL="2971800" indent="-228600" algn="l" defTabSz="914400" rtl="0" eaLnBrk="1" latinLnBrk="0" hangingPunct="1">
+        <a:lnSpc>
+          <a:spcPct val="90000"/>
+        </a:lnSpc>
+        <a:spcBef>
+          <a:spcPts val="500"/>
+        </a:spcBef>
+        <a:buFont typeface="Arial" panose="020B0604020202020204" pitchFamily="34" charset="0"/>
+        <a:buChar char="•"/>
+        <a:defRPr sz="1800" kern="1200">
           <a:solidFill>
             <a:schemeClr val="tx1"/>
           </a:solidFill>
@@ -2954,12 +3609,15 @@
         </a:defRPr>
       </a:lvl7pPr>
       <a:lvl8pPr marL="3429000" indent="-228600" algn="l" defTabSz="914400" rtl="0" eaLnBrk="1" latinLnBrk="0" hangingPunct="1">
+        <a:lnSpc>
+          <a:spcPct val="90000"/>
+        </a:lnSpc>
         <a:spcBef>
-          <a:spcPct val="20000"/>
+          <a:spcPts val="500"/>
         </a:spcBef>
         <a:buFont typeface="Arial" panose="020B0604020202020204" pitchFamily="34" charset="0"/>
         <a:buChar char="•"/>
-        <a:defRPr sz="2000" kern="1200">
+        <a:defRPr sz="1800" kern="1200">
           <a:solidFill>
             <a:schemeClr val="tx1"/>
           </a:solidFill>
@@ -2969,12 +3627,15 @@
         </a:defRPr>
       </a:lvl8pPr>
       <a:lvl9pPr marL="3886200" indent="-228600" algn="l" defTabSz="914400" rtl="0" eaLnBrk="1" latinLnBrk="0" hangingPunct="1">
+        <a:lnSpc>
+          <a:spcPct val="90000"/>
+        </a:lnSpc>
         <a:spcBef>
-          <a:spcPct val="20000"/>
+          <a:spcPts val="500"/>
         </a:spcBef>
         <a:buFont typeface="Arial" panose="020B0604020202020204" pitchFamily="34" charset="0"/>
         <a:buChar char="•"/>
-        <a:defRPr sz="2000" kern="1200">
+        <a:defRPr sz="1800" kern="1200">
           <a:solidFill>
             <a:schemeClr val="tx1"/>
           </a:solidFill>
@@ -3086,14 +3747,6 @@
 <file path=ppt/slides/slide1.xml><?xml version="1.0" encoding="utf-8"?>
 <p:sld xmlns:a="http://schemas.openxmlformats.org/drawingml/2006/main" xmlns:r="http://schemas.openxmlformats.org/officeDocument/2006/relationships" xmlns:p="http://schemas.openxmlformats.org/presentationml/2006/main">
   <p:cSld>
-    <p:bg>
-      <p:bgPr>
-        <a:solidFill>
-          <a:srgbClr val="303030"/>
-        </a:solidFill>
-        <a:effectLst/>
-      </p:bgPr>
-    </p:bg>
     <p:spTree>
       <p:nvGrpSpPr>
         <p:cNvPr id="1" name=""/>
@@ -3108,117 +3761,954 @@
           <a:chExt cx="0" cy="0"/>
         </a:xfrm>
       </p:grpSpPr>
+      <p:sp>
+        <p:nvSpPr>
+          <p:cNvPr id="2" name="Title 1">
+            <a:extLst>
+              <a:ext uri="{FF2B5EF4-FFF2-40B4-BE49-F238E27FC236}">
+                <a16:creationId xmlns:a16="http://schemas.microsoft.com/office/drawing/2014/main" id="{B6FAA4E3-12BF-44A7-9C05-E2DA7A9843C5}"/>
+              </a:ext>
+            </a:extLst>
+          </p:cNvPr>
+          <p:cNvSpPr>
+            <a:spLocks noGrp="1"/>
+          </p:cNvSpPr>
+          <p:nvPr>
+            <p:ph type="ctrTitle"/>
+          </p:nvPr>
+        </p:nvSpPr>
+        <p:spPr/>
+        <p:txBody>
+          <a:bodyPr/>
+          <a:lstStyle/>
+          <a:p>
+            <a:r>
+              <a:rPr lang="en-US"/>
+              <a:t>A10 Game Treatment</a:t>
+            </a:r>
+          </a:p>
+        </p:txBody>
+      </p:sp>
+      <p:sp>
+        <p:nvSpPr>
+          <p:cNvPr id="3" name="Subtitle 2">
+            <a:extLst>
+              <a:ext uri="{FF2B5EF4-FFF2-40B4-BE49-F238E27FC236}">
+                <a16:creationId xmlns:a16="http://schemas.microsoft.com/office/drawing/2014/main" id="{5CAE0AA9-063A-456E-A579-CE40746CD918}"/>
+              </a:ext>
+            </a:extLst>
+          </p:cNvPr>
+          <p:cNvSpPr>
+            <a:spLocks noGrp="1"/>
+          </p:cNvSpPr>
+          <p:nvPr>
+            <p:ph type="subTitle" idx="1"/>
+          </p:nvPr>
+        </p:nvSpPr>
+        <p:spPr/>
+        <p:txBody>
+          <a:bodyPr/>
+          <a:lstStyle/>
+          <a:p>
+            <a:r>
+              <a:rPr lang="en-US"/>
+              <a:t>Canadian Donut (Luke Bodwell and Gavin Taylor)</a:t>
+            </a:r>
+          </a:p>
+          <a:p>
+            <a:endParaRPr lang="en-US"/>
+          </a:p>
+        </p:txBody>
+      </p:sp>
       <p:pic>
         <p:nvPicPr>
-          <p:cNvPr id="4" name="Picture 3"/>
+          <p:cNvPr id="5" name="Picture 5" descr="A picture containing clock, room&#10;&#10;Description generated with very high confidence">
+            <a:extLst>
+              <a:ext uri="{FF2B5EF4-FFF2-40B4-BE49-F238E27FC236}">
+                <a16:creationId xmlns:a16="http://schemas.microsoft.com/office/drawing/2014/main" id="{1593891D-5F3F-46ED-B3B7-8E4A2A90EF18}"/>
+              </a:ext>
+            </a:extLst>
+          </p:cNvPr>
           <p:cNvPicPr>
             <a:picLocks noChangeAspect="1"/>
           </p:cNvPicPr>
           <p:nvPr/>
         </p:nvPicPr>
         <p:blipFill>
-          <a:blip r:embed="rId2">
-            <a:extLst>
-              <a:ext uri="{28A0092B-C50C-407E-A947-70E740481C1C}">
-                <a14:useLocalDpi xmlns:a14="http://schemas.microsoft.com/office/drawing/2010/main" val="0"/>
-              </a:ext>
-            </a:extLst>
-          </a:blip>
+          <a:blip r:embed="rId2"/>
           <a:stretch>
             <a:fillRect/>
           </a:stretch>
         </p:blipFill>
         <p:spPr>
           <a:xfrm>
-            <a:off x="2852057" y="742950"/>
-            <a:ext cx="3396343" cy="2971800"/>
+            <a:off x="4010025" y="4371975"/>
+            <a:ext cx="3857625" cy="1933575"/>
           </a:xfrm>
           <a:prstGeom prst="rect">
             <a:avLst/>
           </a:prstGeom>
-          <a:effectLst>
-            <a:outerShdw blurRad="50800" dist="38100" dir="2700000" algn="tl" rotWithShape="0">
-              <a:prstClr val="black">
-                <a:alpha val="40000"/>
-              </a:prstClr>
-            </a:outerShdw>
-          </a:effectLst>
         </p:spPr>
       </p:pic>
-      <p:sp>
-        <p:nvSpPr>
-          <p:cNvPr id="5" name="TextBox 4"/>
-          <p:cNvSpPr txBox="1"/>
-          <p:nvPr/>
-        </p:nvSpPr>
-        <p:spPr>
-          <a:xfrm>
-            <a:off x="2743200" y="3845064"/>
-            <a:ext cx="3657600" cy="707886"/>
-          </a:xfrm>
-          <a:prstGeom prst="rect">
-            <a:avLst/>
-          </a:prstGeom>
-          <a:noFill/>
-          <a:effectLst>
-            <a:outerShdw blurRad="50800" dist="38100" dir="2700000" algn="tl" rotWithShape="0">
-              <a:prstClr val="black">
-                <a:alpha val="40000"/>
-              </a:prstClr>
-            </a:outerShdw>
-          </a:effectLst>
-        </p:spPr>
-        <p:txBody>
-          <a:bodyPr wrap="square" rtlCol="0">
-            <a:spAutoFit/>
-          </a:bodyPr>
-          <a:lstStyle/>
-          <a:p>
-            <a:pPr algn="ctr"/>
-            <a:r>
-              <a:rPr lang="en-US" sz="4000" dirty="0" smtClean="0">
-                <a:solidFill>
-                  <a:schemeClr val="bg1"/>
-                </a:solidFill>
-                <a:latin typeface="Arial" panose="020B0604020202020204" pitchFamily="34" charset="0"/>
-                <a:cs typeface="Arial" panose="020B0604020202020204" pitchFamily="34" charset="0"/>
-              </a:rPr>
-              <a:t>Presentation</a:t>
-            </a:r>
-            <a:endParaRPr lang="en-US" sz="4000" dirty="0">
-              <a:solidFill>
-                <a:schemeClr val="bg1"/>
-              </a:solidFill>
-              <a:latin typeface="Arial" panose="020B0604020202020204" pitchFamily="34" charset="0"/>
-              <a:cs typeface="Arial" panose="020B0604020202020204" pitchFamily="34" charset="0"/>
-            </a:endParaRPr>
-          </a:p>
-        </p:txBody>
-      </p:sp>
     </p:spTree>
     <p:extLst>
       <p:ext uri="{BB962C8B-B14F-4D97-AF65-F5344CB8AC3E}">
-        <p14:creationId xmlns:p14="http://schemas.microsoft.com/office/powerpoint/2010/main" val="457189995"/>
+        <p14:creationId xmlns:p14="http://schemas.microsoft.com/office/powerpoint/2010/main" val="905767964"/>
       </p:ext>
     </p:extLst>
   </p:cSld>
   <p:clrMapOvr>
     <a:masterClrMapping/>
   </p:clrMapOvr>
-  <p:timing>
-    <p:tnLst>
-      <p:par>
-        <p:cTn id="1" dur="indefinite" restart="never" nodeType="tmRoot"/>
-      </p:par>
-    </p:tnLst>
-  </p:timing>
+</p:sld>
+</file>
+
+<file path=ppt/slides/slide2.xml><?xml version="1.0" encoding="utf-8"?>
+<p:sld xmlns:a="http://schemas.openxmlformats.org/drawingml/2006/main" xmlns:r="http://schemas.openxmlformats.org/officeDocument/2006/relationships" xmlns:p="http://schemas.openxmlformats.org/presentationml/2006/main">
+  <p:cSld>
+    <p:spTree>
+      <p:nvGrpSpPr>
+        <p:cNvPr id="1" name=""/>
+        <p:cNvGrpSpPr/>
+        <p:nvPr/>
+      </p:nvGrpSpPr>
+      <p:grpSpPr>
+        <a:xfrm>
+          <a:off x="0" y="0"/>
+          <a:ext cx="0" cy="0"/>
+          <a:chOff x="0" y="0"/>
+          <a:chExt cx="0" cy="0"/>
+        </a:xfrm>
+      </p:grpSpPr>
+      <p:sp>
+        <p:nvSpPr>
+          <p:cNvPr id="2" name="Title 1">
+            <a:extLst>
+              <a:ext uri="{FF2B5EF4-FFF2-40B4-BE49-F238E27FC236}">
+                <a16:creationId xmlns:a16="http://schemas.microsoft.com/office/drawing/2014/main" id="{029980EC-70A1-47E2-92C8-AE13CF3706A8}"/>
+              </a:ext>
+            </a:extLst>
+          </p:cNvPr>
+          <p:cNvSpPr>
+            <a:spLocks noGrp="1"/>
+          </p:cNvSpPr>
+          <p:nvPr>
+            <p:ph type="title"/>
+          </p:nvPr>
+        </p:nvSpPr>
+        <p:spPr/>
+        <p:txBody>
+          <a:bodyPr/>
+          <a:lstStyle/>
+          <a:p>
+            <a:r>
+              <a:rPr lang="en-US"/>
+              <a:t>Game Title: Corona Cure</a:t>
+            </a:r>
+          </a:p>
+        </p:txBody>
+      </p:sp>
+      <p:sp>
+        <p:nvSpPr>
+          <p:cNvPr id="3" name="Content Placeholder 2">
+            <a:extLst>
+              <a:ext uri="{FF2B5EF4-FFF2-40B4-BE49-F238E27FC236}">
+                <a16:creationId xmlns:a16="http://schemas.microsoft.com/office/drawing/2014/main" id="{4AA79CD1-CBD8-4176-AE8E-F1A904062B55}"/>
+              </a:ext>
+            </a:extLst>
+          </p:cNvPr>
+          <p:cNvSpPr>
+            <a:spLocks noGrp="1"/>
+          </p:cNvSpPr>
+          <p:nvPr>
+            <p:ph idx="1"/>
+          </p:nvPr>
+        </p:nvSpPr>
+        <p:spPr/>
+        <p:txBody>
+          <a:bodyPr vert="horz" lIns="91440" tIns="45720" rIns="91440" bIns="45720" rtlCol="0" anchor="t">
+            <a:normAutofit/>
+          </a:bodyPr>
+          <a:lstStyle/>
+          <a:p>
+            <a:r>
+              <a:rPr lang="en-US">
+                <a:cs typeface="Calibri"/>
+              </a:rPr>
+              <a:t>Log line: </a:t>
+            </a:r>
+            <a:r>
+              <a:rPr lang="en-US">
+                <a:ea typeface="+mn-lt"/>
+                <a:cs typeface="+mn-lt"/>
+              </a:rPr>
+              <a:t>Avoid the sick for a corona vaccine. </a:t>
+            </a:r>
+            <a:endParaRPr lang="en-US">
+              <a:cs typeface="Calibri"/>
+            </a:endParaRPr>
+          </a:p>
+        </p:txBody>
+      </p:sp>
+    </p:spTree>
+    <p:extLst>
+      <p:ext uri="{BB962C8B-B14F-4D97-AF65-F5344CB8AC3E}">
+        <p14:creationId xmlns:p14="http://schemas.microsoft.com/office/powerpoint/2010/main" val="3233467802"/>
+      </p:ext>
+    </p:extLst>
+  </p:cSld>
+  <p:clrMapOvr>
+    <a:masterClrMapping/>
+  </p:clrMapOvr>
+</p:sld>
+</file>
+
+<file path=ppt/slides/slide3.xml><?xml version="1.0" encoding="utf-8"?>
+<p:sld xmlns:a="http://schemas.openxmlformats.org/drawingml/2006/main" xmlns:r="http://schemas.openxmlformats.org/officeDocument/2006/relationships" xmlns:p="http://schemas.openxmlformats.org/presentationml/2006/main">
+  <p:cSld>
+    <p:spTree>
+      <p:nvGrpSpPr>
+        <p:cNvPr id="1" name=""/>
+        <p:cNvGrpSpPr/>
+        <p:nvPr/>
+      </p:nvGrpSpPr>
+      <p:grpSpPr>
+        <a:xfrm>
+          <a:off x="0" y="0"/>
+          <a:ext cx="0" cy="0"/>
+          <a:chOff x="0" y="0"/>
+          <a:chExt cx="0" cy="0"/>
+        </a:xfrm>
+      </p:grpSpPr>
+      <p:sp>
+        <p:nvSpPr>
+          <p:cNvPr id="2" name="Title 1">
+            <a:extLst>
+              <a:ext uri="{FF2B5EF4-FFF2-40B4-BE49-F238E27FC236}">
+                <a16:creationId xmlns:a16="http://schemas.microsoft.com/office/drawing/2014/main" id="{FD4ACA5F-0B51-4B06-8B09-4033ED1837EE}"/>
+              </a:ext>
+            </a:extLst>
+          </p:cNvPr>
+          <p:cNvSpPr>
+            <a:spLocks noGrp="1"/>
+          </p:cNvSpPr>
+          <p:nvPr>
+            <p:ph type="title"/>
+          </p:nvPr>
+        </p:nvSpPr>
+        <p:spPr/>
+        <p:txBody>
+          <a:bodyPr/>
+          <a:lstStyle/>
+          <a:p>
+            <a:r>
+              <a:rPr lang="en-US"/>
+              <a:t>Essential Features</a:t>
+            </a:r>
+          </a:p>
+        </p:txBody>
+      </p:sp>
+      <p:sp>
+        <p:nvSpPr>
+          <p:cNvPr id="3" name="Content Placeholder 2">
+            <a:extLst>
+              <a:ext uri="{FF2B5EF4-FFF2-40B4-BE49-F238E27FC236}">
+                <a16:creationId xmlns:a16="http://schemas.microsoft.com/office/drawing/2014/main" id="{8B03DCAB-F77F-4164-9B6E-CF4338534561}"/>
+              </a:ext>
+            </a:extLst>
+          </p:cNvPr>
+          <p:cNvSpPr>
+            <a:spLocks noGrp="1"/>
+          </p:cNvSpPr>
+          <p:nvPr>
+            <p:ph idx="1"/>
+          </p:nvPr>
+        </p:nvSpPr>
+        <p:spPr/>
+        <p:txBody>
+          <a:bodyPr vert="horz" lIns="91440" tIns="45720" rIns="91440" bIns="45720" rtlCol="0" anchor="t">
+            <a:normAutofit/>
+          </a:bodyPr>
+          <a:lstStyle/>
+          <a:p>
+            <a:r>
+              <a:rPr lang="en-US">
+                <a:cs typeface="Calibri"/>
+              </a:rPr>
+              <a:t>Different maze-like levels to search for items</a:t>
+            </a:r>
+          </a:p>
+          <a:p>
+            <a:r>
+              <a:rPr lang="en-US">
+                <a:cs typeface="Calibri"/>
+              </a:rPr>
+              <a:t>Red squares represent infected people</a:t>
+            </a:r>
+          </a:p>
+          <a:p>
+            <a:r>
+              <a:rPr lang="en-US">
+                <a:cs typeface="Calibri"/>
+              </a:rPr>
+              <a:t>Purple squares represent health pickups</a:t>
+            </a:r>
+          </a:p>
+          <a:p>
+            <a:r>
+              <a:rPr lang="en-US">
+                <a:cs typeface="Calibri"/>
+              </a:rPr>
+              <a:t>Green squares represent pieces of a vaccine</a:t>
+            </a:r>
+          </a:p>
+          <a:p>
+            <a:r>
+              <a:rPr lang="en-US">
+                <a:cs typeface="Calibri"/>
+              </a:rPr>
+              <a:t>If you get touched by infected people, then you lose health for each time they touch you</a:t>
+            </a:r>
+          </a:p>
+          <a:p>
+            <a:r>
+              <a:rPr lang="en-US">
+                <a:cs typeface="Calibri"/>
+              </a:rPr>
+              <a:t>The yellow area in the first level is the base where you bring all the vaccines to create the cure</a:t>
+            </a:r>
+          </a:p>
+        </p:txBody>
+      </p:sp>
+    </p:spTree>
+    <p:extLst>
+      <p:ext uri="{BB962C8B-B14F-4D97-AF65-F5344CB8AC3E}">
+        <p14:creationId xmlns:p14="http://schemas.microsoft.com/office/powerpoint/2010/main" val="203405605"/>
+      </p:ext>
+    </p:extLst>
+  </p:cSld>
+  <p:clrMapOvr>
+    <a:masterClrMapping/>
+  </p:clrMapOvr>
+</p:sld>
+</file>
+
+<file path=ppt/slides/slide4.xml><?xml version="1.0" encoding="utf-8"?>
+<p:sld xmlns:a="http://schemas.openxmlformats.org/drawingml/2006/main" xmlns:r="http://schemas.openxmlformats.org/officeDocument/2006/relationships" xmlns:p="http://schemas.openxmlformats.org/presentationml/2006/main">
+  <p:cSld>
+    <p:spTree>
+      <p:nvGrpSpPr>
+        <p:cNvPr id="1" name=""/>
+        <p:cNvGrpSpPr/>
+        <p:nvPr/>
+      </p:nvGrpSpPr>
+      <p:grpSpPr>
+        <a:xfrm>
+          <a:off x="0" y="0"/>
+          <a:ext cx="0" cy="0"/>
+          <a:chOff x="0" y="0"/>
+          <a:chExt cx="0" cy="0"/>
+        </a:xfrm>
+      </p:grpSpPr>
+      <p:sp>
+        <p:nvSpPr>
+          <p:cNvPr id="2" name="Title 1">
+            <a:extLst>
+              <a:ext uri="{FF2B5EF4-FFF2-40B4-BE49-F238E27FC236}">
+                <a16:creationId xmlns:a16="http://schemas.microsoft.com/office/drawing/2014/main" id="{249450C9-E4C7-433D-9256-29DB5B1254D3}"/>
+              </a:ext>
+            </a:extLst>
+          </p:cNvPr>
+          <p:cNvSpPr>
+            <a:spLocks noGrp="1"/>
+          </p:cNvSpPr>
+          <p:nvPr>
+            <p:ph type="title"/>
+          </p:nvPr>
+        </p:nvSpPr>
+        <p:spPr/>
+        <p:txBody>
+          <a:bodyPr/>
+          <a:lstStyle/>
+          <a:p>
+            <a:r>
+              <a:rPr lang="en-US">
+                <a:cs typeface="Calibri Light"/>
+              </a:rPr>
+              <a:t>Artist Statement</a:t>
+            </a:r>
+            <a:endParaRPr lang="en-US"/>
+          </a:p>
+        </p:txBody>
+      </p:sp>
+      <p:sp>
+        <p:nvSpPr>
+          <p:cNvPr id="3" name="Content Placeholder 2">
+            <a:extLst>
+              <a:ext uri="{FF2B5EF4-FFF2-40B4-BE49-F238E27FC236}">
+                <a16:creationId xmlns:a16="http://schemas.microsoft.com/office/drawing/2014/main" id="{C90A231C-60FB-49A0-BF3A-4FBF842B7BA2}"/>
+              </a:ext>
+            </a:extLst>
+          </p:cNvPr>
+          <p:cNvSpPr>
+            <a:spLocks noGrp="1"/>
+          </p:cNvSpPr>
+          <p:nvPr>
+            <p:ph idx="1"/>
+          </p:nvPr>
+        </p:nvSpPr>
+        <p:spPr/>
+        <p:txBody>
+          <a:bodyPr vert="horz" lIns="91440" tIns="45720" rIns="91440" bIns="45720" rtlCol="0" anchor="t">
+            <a:normAutofit/>
+          </a:bodyPr>
+          <a:lstStyle/>
+          <a:p>
+            <a:r>
+              <a:rPr lang="en-US">
+                <a:cs typeface="Calibri"/>
+              </a:rPr>
+              <a:t>The premise of this game is to put the player in the shoes of the health care workers that are working day in and out to help find a cure for this virus. With enemies that resemble infected people always gravitating towards them, you get a sense of the struggle that is constantly being around sick people while trying to help them. In addition to keeping things semi-realistic, the process to developing a cure takes time with multiple discoveries, so thus the player needs to find numerous pieces of the vaccine to create the cure.  </a:t>
+            </a:r>
+            <a:endParaRPr lang="en-US"/>
+          </a:p>
+        </p:txBody>
+      </p:sp>
+    </p:spTree>
+    <p:extLst>
+      <p:ext uri="{BB962C8B-B14F-4D97-AF65-F5344CB8AC3E}">
+        <p14:creationId xmlns:p14="http://schemas.microsoft.com/office/powerpoint/2010/main" val="3733008032"/>
+      </p:ext>
+    </p:extLst>
+  </p:cSld>
+  <p:clrMapOvr>
+    <a:masterClrMapping/>
+  </p:clrMapOvr>
+</p:sld>
+</file>
+
+<file path=ppt/slides/slide5.xml><?xml version="1.0" encoding="utf-8"?>
+<p:sld xmlns:a="http://schemas.openxmlformats.org/drawingml/2006/main" xmlns:r="http://schemas.openxmlformats.org/officeDocument/2006/relationships" xmlns:p="http://schemas.openxmlformats.org/presentationml/2006/main">
+  <p:cSld>
+    <p:spTree>
+      <p:nvGrpSpPr>
+        <p:cNvPr id="1" name=""/>
+        <p:cNvGrpSpPr/>
+        <p:nvPr/>
+      </p:nvGrpSpPr>
+      <p:grpSpPr>
+        <a:xfrm>
+          <a:off x="0" y="0"/>
+          <a:ext cx="0" cy="0"/>
+          <a:chOff x="0" y="0"/>
+          <a:chExt cx="0" cy="0"/>
+        </a:xfrm>
+      </p:grpSpPr>
+      <p:sp>
+        <p:nvSpPr>
+          <p:cNvPr id="2" name="Title 1">
+            <a:extLst>
+              <a:ext uri="{FF2B5EF4-FFF2-40B4-BE49-F238E27FC236}">
+                <a16:creationId xmlns:a16="http://schemas.microsoft.com/office/drawing/2014/main" id="{45791F94-7AB2-4A62-842D-8643616720D2}"/>
+              </a:ext>
+            </a:extLst>
+          </p:cNvPr>
+          <p:cNvSpPr>
+            <a:spLocks noGrp="1"/>
+          </p:cNvSpPr>
+          <p:nvPr>
+            <p:ph type="title"/>
+          </p:nvPr>
+        </p:nvSpPr>
+        <p:spPr/>
+        <p:txBody>
+          <a:bodyPr/>
+          <a:lstStyle/>
+          <a:p>
+            <a:r>
+              <a:rPr lang="en-US"/>
+              <a:t>Screen Mockup 1</a:t>
+            </a:r>
+          </a:p>
+        </p:txBody>
+      </p:sp>
+      <p:pic>
+        <p:nvPicPr>
+          <p:cNvPr id="5" name="Picture 6" descr="A picture containing toy&#10;&#10;Description generated with very high confidence">
+            <a:extLst>
+              <a:ext uri="{FF2B5EF4-FFF2-40B4-BE49-F238E27FC236}">
+                <a16:creationId xmlns:a16="http://schemas.microsoft.com/office/drawing/2014/main" id="{E31E0BBB-C032-466D-8FD2-36A9F61F5185}"/>
+              </a:ext>
+            </a:extLst>
+          </p:cNvPr>
+          <p:cNvPicPr>
+            <a:picLocks noChangeAspect="1"/>
+          </p:cNvPicPr>
+          <p:nvPr/>
+        </p:nvPicPr>
+        <p:blipFill>
+          <a:blip r:embed="rId2"/>
+          <a:stretch>
+            <a:fillRect/>
+          </a:stretch>
+        </p:blipFill>
+        <p:spPr>
+          <a:xfrm>
+            <a:off x="3886200" y="1635192"/>
+            <a:ext cx="4637314" cy="4665301"/>
+          </a:xfrm>
+          <a:prstGeom prst="rect">
+            <a:avLst/>
+          </a:prstGeom>
+        </p:spPr>
+      </p:pic>
+      <p:sp>
+        <p:nvSpPr>
+          <p:cNvPr id="18" name="TextBox 17">
+            <a:extLst>
+              <a:ext uri="{FF2B5EF4-FFF2-40B4-BE49-F238E27FC236}">
+                <a16:creationId xmlns:a16="http://schemas.microsoft.com/office/drawing/2014/main" id="{A1B31DCF-0455-4FEE-8EA9-94D2FB293FDB}"/>
+              </a:ext>
+            </a:extLst>
+          </p:cNvPr>
+          <p:cNvSpPr txBox="1"/>
+          <p:nvPr/>
+        </p:nvSpPr>
+        <p:spPr>
+          <a:xfrm>
+            <a:off x="751114" y="4411068"/>
+            <a:ext cx="1548714" cy="369332"/>
+          </a:xfrm>
+          <a:prstGeom prst="rect">
+            <a:avLst/>
+          </a:prstGeom>
+          <a:noFill/>
+        </p:spPr>
+        <p:txBody>
+          <a:bodyPr rot="0" spcFirstLastPara="0" vertOverflow="overflow" horzOverflow="overflow" vert="horz" wrap="square" lIns="91440" tIns="45720" rIns="91440" bIns="45720" numCol="1" spcCol="0" rtlCol="0" fromWordArt="0" anchor="t" anchorCtr="0" forceAA="0" compatLnSpc="1">
+            <a:prstTxWarp prst="textNoShape">
+              <a:avLst/>
+            </a:prstTxWarp>
+            <a:spAutoFit/>
+          </a:bodyPr>
+          <a:lstStyle/>
+          <a:p>
+            <a:r>
+              <a:rPr lang="en-US"/>
+              <a:t>Health pickup</a:t>
+            </a:r>
+          </a:p>
+        </p:txBody>
+      </p:sp>
+      <p:cxnSp>
+        <p:nvCxnSpPr>
+          <p:cNvPr id="19" name="Straight Arrow Connector 18">
+            <a:extLst>
+              <a:ext uri="{FF2B5EF4-FFF2-40B4-BE49-F238E27FC236}">
+                <a16:creationId xmlns:a16="http://schemas.microsoft.com/office/drawing/2014/main" id="{0326AAD0-29C4-4FE2-94E5-694465E59059}"/>
+              </a:ext>
+            </a:extLst>
+          </p:cNvPr>
+          <p:cNvCxnSpPr/>
+          <p:nvPr/>
+        </p:nvCxnSpPr>
+        <p:spPr>
+          <a:xfrm flipV="1">
+            <a:off x="2362972" y="4574829"/>
+            <a:ext cx="1954426" cy="53546"/>
+          </a:xfrm>
+          <a:prstGeom prst="straightConnector1">
+            <a:avLst/>
+          </a:prstGeom>
+          <a:ln w="28575">
+            <a:solidFill>
+              <a:schemeClr val="accent5">
+                <a:lumMod val="60000"/>
+                <a:lumOff val="40000"/>
+              </a:schemeClr>
+            </a:solidFill>
+            <a:tailEnd type="triangle"/>
+          </a:ln>
+        </p:spPr>
+        <p:style>
+          <a:lnRef idx="1">
+            <a:schemeClr val="accent1"/>
+          </a:lnRef>
+          <a:fillRef idx="0">
+            <a:schemeClr val="accent1"/>
+          </a:fillRef>
+          <a:effectRef idx="0">
+            <a:schemeClr val="accent1"/>
+          </a:effectRef>
+          <a:fontRef idx="minor">
+            <a:schemeClr val="tx1"/>
+          </a:fontRef>
+        </p:style>
+      </p:cxnSp>
+      <p:cxnSp>
+        <p:nvCxnSpPr>
+          <p:cNvPr id="20" name="Straight Arrow Connector 19">
+            <a:extLst>
+              <a:ext uri="{FF2B5EF4-FFF2-40B4-BE49-F238E27FC236}">
+                <a16:creationId xmlns:a16="http://schemas.microsoft.com/office/drawing/2014/main" id="{5E440254-084E-4C4A-802D-E4B5B6AF0293}"/>
+              </a:ext>
+            </a:extLst>
+          </p:cNvPr>
+          <p:cNvCxnSpPr>
+            <a:cxnSpLocks/>
+          </p:cNvCxnSpPr>
+          <p:nvPr/>
+        </p:nvCxnSpPr>
+        <p:spPr>
+          <a:xfrm flipV="1">
+            <a:off x="2424756" y="5903180"/>
+            <a:ext cx="1954426" cy="53546"/>
+          </a:xfrm>
+          <a:prstGeom prst="straightConnector1">
+            <a:avLst/>
+          </a:prstGeom>
+          <a:ln w="28575">
+            <a:solidFill>
+              <a:schemeClr val="accent5">
+                <a:lumMod val="60000"/>
+                <a:lumOff val="40000"/>
+              </a:schemeClr>
+            </a:solidFill>
+            <a:tailEnd type="triangle"/>
+          </a:ln>
+        </p:spPr>
+        <p:style>
+          <a:lnRef idx="1">
+            <a:schemeClr val="accent1"/>
+          </a:lnRef>
+          <a:fillRef idx="0">
+            <a:schemeClr val="accent1"/>
+          </a:fillRef>
+          <a:effectRef idx="0">
+            <a:schemeClr val="accent1"/>
+          </a:effectRef>
+          <a:fontRef idx="minor">
+            <a:schemeClr val="tx1"/>
+          </a:fontRef>
+        </p:style>
+      </p:cxnSp>
+      <p:sp>
+        <p:nvSpPr>
+          <p:cNvPr id="22" name="TextBox 21">
+            <a:extLst>
+              <a:ext uri="{FF2B5EF4-FFF2-40B4-BE49-F238E27FC236}">
+                <a16:creationId xmlns:a16="http://schemas.microsoft.com/office/drawing/2014/main" id="{D03706B0-D9D4-4AEE-BCEE-1E56E899343B}"/>
+              </a:ext>
+            </a:extLst>
+          </p:cNvPr>
+          <p:cNvSpPr txBox="1"/>
+          <p:nvPr/>
+        </p:nvSpPr>
+        <p:spPr>
+          <a:xfrm>
+            <a:off x="1276276" y="5780608"/>
+            <a:ext cx="1548714" cy="369332"/>
+          </a:xfrm>
+          <a:prstGeom prst="rect">
+            <a:avLst/>
+          </a:prstGeom>
+          <a:noFill/>
+        </p:spPr>
+        <p:txBody>
+          <a:bodyPr rot="0" spcFirstLastPara="0" vertOverflow="overflow" horzOverflow="overflow" vert="horz" wrap="square" lIns="91440" tIns="45720" rIns="91440" bIns="45720" numCol="1" spcCol="0" rtlCol="0" fromWordArt="0" anchor="t" anchorCtr="0" forceAA="0" compatLnSpc="1">
+            <a:prstTxWarp prst="textNoShape">
+              <a:avLst/>
+            </a:prstTxWarp>
+            <a:spAutoFit/>
+          </a:bodyPr>
+          <a:lstStyle/>
+          <a:p>
+            <a:r>
+              <a:rPr lang="en-US"/>
+              <a:t>vaccine</a:t>
+            </a:r>
+          </a:p>
+        </p:txBody>
+      </p:sp>
+      <p:cxnSp>
+        <p:nvCxnSpPr>
+          <p:cNvPr id="23" name="Straight Arrow Connector 22">
+            <a:extLst>
+              <a:ext uri="{FF2B5EF4-FFF2-40B4-BE49-F238E27FC236}">
+                <a16:creationId xmlns:a16="http://schemas.microsoft.com/office/drawing/2014/main" id="{5F5A4EA8-A530-46F5-9982-20CEF36D963B}"/>
+              </a:ext>
+            </a:extLst>
+          </p:cNvPr>
+          <p:cNvCxnSpPr>
+            <a:cxnSpLocks/>
+          </p:cNvCxnSpPr>
+          <p:nvPr/>
+        </p:nvCxnSpPr>
+        <p:spPr>
+          <a:xfrm flipH="1">
+            <a:off x="7962642" y="2270292"/>
+            <a:ext cx="1670222" cy="28833"/>
+          </a:xfrm>
+          <a:prstGeom prst="straightConnector1">
+            <a:avLst/>
+          </a:prstGeom>
+          <a:ln w="28575">
+            <a:solidFill>
+              <a:schemeClr val="accent5">
+                <a:lumMod val="60000"/>
+                <a:lumOff val="40000"/>
+              </a:schemeClr>
+            </a:solidFill>
+            <a:tailEnd type="triangle"/>
+          </a:ln>
+        </p:spPr>
+        <p:style>
+          <a:lnRef idx="1">
+            <a:schemeClr val="accent1"/>
+          </a:lnRef>
+          <a:fillRef idx="0">
+            <a:schemeClr val="accent1"/>
+          </a:fillRef>
+          <a:effectRef idx="0">
+            <a:schemeClr val="accent1"/>
+          </a:effectRef>
+          <a:fontRef idx="minor">
+            <a:schemeClr val="tx1"/>
+          </a:fontRef>
+        </p:style>
+      </p:cxnSp>
+      <p:sp>
+        <p:nvSpPr>
+          <p:cNvPr id="24" name="TextBox 23">
+            <a:extLst>
+              <a:ext uri="{FF2B5EF4-FFF2-40B4-BE49-F238E27FC236}">
+                <a16:creationId xmlns:a16="http://schemas.microsoft.com/office/drawing/2014/main" id="{3EF2D98E-36B7-4AF4-B04D-8FBD95F3F72C}"/>
+              </a:ext>
+            </a:extLst>
+          </p:cNvPr>
+          <p:cNvSpPr txBox="1"/>
+          <p:nvPr/>
+        </p:nvSpPr>
+        <p:spPr>
+          <a:xfrm>
+            <a:off x="9627384" y="2032392"/>
+            <a:ext cx="1548714" cy="369332"/>
+          </a:xfrm>
+          <a:prstGeom prst="rect">
+            <a:avLst/>
+          </a:prstGeom>
+          <a:noFill/>
+        </p:spPr>
+        <p:txBody>
+          <a:bodyPr rot="0" spcFirstLastPara="0" vertOverflow="overflow" horzOverflow="overflow" vert="horz" wrap="square" lIns="91440" tIns="45720" rIns="91440" bIns="45720" numCol="1" spcCol="0" rtlCol="0" fromWordArt="0" anchor="t" anchorCtr="0" forceAA="0" compatLnSpc="1">
+            <a:prstTxWarp prst="textNoShape">
+              <a:avLst/>
+            </a:prstTxWarp>
+            <a:spAutoFit/>
+          </a:bodyPr>
+          <a:lstStyle/>
+          <a:p>
+            <a:r>
+              <a:rPr lang="en-US"/>
+              <a:t>enemy</a:t>
+            </a:r>
+          </a:p>
+        </p:txBody>
+      </p:sp>
+    </p:spTree>
+    <p:extLst>
+      <p:ext uri="{BB962C8B-B14F-4D97-AF65-F5344CB8AC3E}">
+        <p14:creationId xmlns:p14="http://schemas.microsoft.com/office/powerpoint/2010/main" val="3755884589"/>
+      </p:ext>
+    </p:extLst>
+  </p:cSld>
+  <p:clrMapOvr>
+    <a:masterClrMapping/>
+  </p:clrMapOvr>
+</p:sld>
+</file>
+
+<file path=ppt/slides/slide6.xml><?xml version="1.0" encoding="utf-8"?>
+<p:sld xmlns:a="http://schemas.openxmlformats.org/drawingml/2006/main" xmlns:r="http://schemas.openxmlformats.org/officeDocument/2006/relationships" xmlns:p="http://schemas.openxmlformats.org/presentationml/2006/main">
+  <p:cSld>
+    <p:spTree>
+      <p:nvGrpSpPr>
+        <p:cNvPr id="1" name=""/>
+        <p:cNvGrpSpPr/>
+        <p:nvPr/>
+      </p:nvGrpSpPr>
+      <p:grpSpPr>
+        <a:xfrm>
+          <a:off x="0" y="0"/>
+          <a:ext cx="0" cy="0"/>
+          <a:chOff x="0" y="0"/>
+          <a:chExt cx="0" cy="0"/>
+        </a:xfrm>
+      </p:grpSpPr>
+      <p:sp>
+        <p:nvSpPr>
+          <p:cNvPr id="2" name="Title 1">
+            <a:extLst>
+              <a:ext uri="{FF2B5EF4-FFF2-40B4-BE49-F238E27FC236}">
+                <a16:creationId xmlns:a16="http://schemas.microsoft.com/office/drawing/2014/main" id="{45791F94-7AB2-4A62-842D-8643616720D2}"/>
+              </a:ext>
+            </a:extLst>
+          </p:cNvPr>
+          <p:cNvSpPr>
+            <a:spLocks noGrp="1"/>
+          </p:cNvSpPr>
+          <p:nvPr>
+            <p:ph type="title"/>
+          </p:nvPr>
+        </p:nvSpPr>
+        <p:spPr/>
+        <p:txBody>
+          <a:bodyPr/>
+          <a:lstStyle/>
+          <a:p>
+            <a:r>
+              <a:rPr lang="en-US"/>
+              <a:t>Screen Mockup 2</a:t>
+            </a:r>
+          </a:p>
+        </p:txBody>
+      </p:sp>
+      <p:pic>
+        <p:nvPicPr>
+          <p:cNvPr id="4" name="Picture 4" descr="A picture containing building, toy, light, view&#10;&#10;Description generated with very high confidence">
+            <a:extLst>
+              <a:ext uri="{FF2B5EF4-FFF2-40B4-BE49-F238E27FC236}">
+                <a16:creationId xmlns:a16="http://schemas.microsoft.com/office/drawing/2014/main" id="{3672A8EC-7251-4DE0-AD70-EF9823B147E1}"/>
+              </a:ext>
+            </a:extLst>
+          </p:cNvPr>
+          <p:cNvPicPr>
+            <a:picLocks noChangeAspect="1"/>
+          </p:cNvPicPr>
+          <p:nvPr/>
+        </p:nvPicPr>
+        <p:blipFill>
+          <a:blip r:embed="rId2"/>
+          <a:stretch>
+            <a:fillRect/>
+          </a:stretch>
+        </p:blipFill>
+        <p:spPr>
+          <a:xfrm>
+            <a:off x="3831771" y="1612788"/>
+            <a:ext cx="4757057" cy="4753654"/>
+          </a:xfrm>
+          <a:prstGeom prst="rect">
+            <a:avLst/>
+          </a:prstGeom>
+        </p:spPr>
+      </p:pic>
+    </p:spTree>
+    <p:extLst>
+      <p:ext uri="{BB962C8B-B14F-4D97-AF65-F5344CB8AC3E}">
+        <p14:creationId xmlns:p14="http://schemas.microsoft.com/office/powerpoint/2010/main" val="731696971"/>
+      </p:ext>
+    </p:extLst>
+  </p:cSld>
+  <p:clrMapOvr>
+    <a:masterClrMapping/>
+  </p:clrMapOvr>
+</p:sld>
+</file>
+
+<file path=ppt/slides/slide7.xml><?xml version="1.0" encoding="utf-8"?>
+<p:sld xmlns:a="http://schemas.openxmlformats.org/drawingml/2006/main" xmlns:r="http://schemas.openxmlformats.org/officeDocument/2006/relationships" xmlns:p="http://schemas.openxmlformats.org/presentationml/2006/main">
+  <p:cSld>
+    <p:spTree>
+      <p:nvGrpSpPr>
+        <p:cNvPr id="1" name=""/>
+        <p:cNvGrpSpPr/>
+        <p:nvPr/>
+      </p:nvGrpSpPr>
+      <p:grpSpPr>
+        <a:xfrm>
+          <a:off x="0" y="0"/>
+          <a:ext cx="0" cy="0"/>
+          <a:chOff x="0" y="0"/>
+          <a:chExt cx="0" cy="0"/>
+        </a:xfrm>
+      </p:grpSpPr>
+      <p:sp>
+        <p:nvSpPr>
+          <p:cNvPr id="2" name="Title 1">
+            <a:extLst>
+              <a:ext uri="{FF2B5EF4-FFF2-40B4-BE49-F238E27FC236}">
+                <a16:creationId xmlns:a16="http://schemas.microsoft.com/office/drawing/2014/main" id="{871B1A0A-DA7A-4512-A919-9637987C018F}"/>
+              </a:ext>
+            </a:extLst>
+          </p:cNvPr>
+          <p:cNvSpPr>
+            <a:spLocks noGrp="1"/>
+          </p:cNvSpPr>
+          <p:nvPr>
+            <p:ph type="title"/>
+          </p:nvPr>
+        </p:nvSpPr>
+        <p:spPr/>
+        <p:txBody>
+          <a:bodyPr/>
+          <a:lstStyle/>
+          <a:p>
+            <a:r>
+              <a:rPr lang="en-US">
+                <a:cs typeface="Calibri Light"/>
+              </a:rPr>
+              <a:t>Screen Mockup 3</a:t>
+            </a:r>
+          </a:p>
+        </p:txBody>
+      </p:sp>
+      <p:pic>
+        <p:nvPicPr>
+          <p:cNvPr id="4" name="Picture 4" descr="A picture containing toy, colorful&#10;&#10;Description generated with very high confidence">
+            <a:extLst>
+              <a:ext uri="{FF2B5EF4-FFF2-40B4-BE49-F238E27FC236}">
+                <a16:creationId xmlns:a16="http://schemas.microsoft.com/office/drawing/2014/main" id="{5BCEFCAF-43FD-42E3-8E64-3F23CFF39FD2}"/>
+              </a:ext>
+            </a:extLst>
+          </p:cNvPr>
+          <p:cNvPicPr>
+            <a:picLocks noGrp="1" noChangeAspect="1"/>
+          </p:cNvPicPr>
+          <p:nvPr>
+            <p:ph idx="1"/>
+          </p:nvPr>
+        </p:nvPicPr>
+        <p:blipFill>
+          <a:blip r:embed="rId2"/>
+          <a:stretch>
+            <a:fillRect/>
+          </a:stretch>
+        </p:blipFill>
+        <p:spPr>
+          <a:xfrm>
+            <a:off x="3607365" y="1586138"/>
+            <a:ext cx="4977270" cy="4982710"/>
+          </a:xfrm>
+        </p:spPr>
+      </p:pic>
+    </p:spTree>
+    <p:extLst>
+      <p:ext uri="{BB962C8B-B14F-4D97-AF65-F5344CB8AC3E}">
+        <p14:creationId xmlns:p14="http://schemas.microsoft.com/office/powerpoint/2010/main" val="3655777338"/>
+      </p:ext>
+    </p:extLst>
+  </p:cSld>
+  <p:clrMapOvr>
+    <a:masterClrMapping/>
+  </p:clrMapOvr>
 </p:sld>
 </file>
 
 <file path=ppt/theme/theme1.xml><?xml version="1.0" encoding="utf-8"?>
-<a:theme xmlns:a="http://schemas.openxmlformats.org/drawingml/2006/main" name="Office Theme">
+<a:theme xmlns:a="http://schemas.openxmlformats.org/drawingml/2006/main" name="office theme">
   <a:themeElements>
-    <a:clrScheme name="Office">
+    <a:clrScheme name="Office Theme">
       <a:dk1>
         <a:sysClr val="windowText" lastClr="000000"/>
       </a:dk1>
@@ -3226,39 +4716,39 @@
         <a:sysClr val="window" lastClr="FFFFFF"/>
       </a:lt1>
       <a:dk2>
-        <a:srgbClr val="1F497D"/>
+        <a:srgbClr val="44546A"/>
       </a:dk2>
       <a:lt2>
-        <a:srgbClr val="EEECE1"/>
+        <a:srgbClr val="E7E6E6"/>
       </a:lt2>
       <a:accent1>
-        <a:srgbClr val="4F81BD"/>
+        <a:srgbClr val="4472C4"/>
       </a:accent1>
       <a:accent2>
-        <a:srgbClr val="C0504D"/>
+        <a:srgbClr val="ED7D31"/>
       </a:accent2>
       <a:accent3>
-        <a:srgbClr val="9BBB59"/>
+        <a:srgbClr val="A5A5A5"/>
       </a:accent3>
       <a:accent4>
-        <a:srgbClr val="8064A2"/>
+        <a:srgbClr val="FFC000"/>
       </a:accent4>
       <a:accent5>
-        <a:srgbClr val="4BACC6"/>
+        <a:srgbClr val="5B9BD5"/>
       </a:accent5>
       <a:accent6>
-        <a:srgbClr val="F79646"/>
+        <a:srgbClr val="70AD47"/>
       </a:accent6>
       <a:hlink>
-        <a:srgbClr val="0000FF"/>
+        <a:srgbClr val="0563C1"/>
       </a:hlink>
       <a:folHlink>
-        <a:srgbClr val="800080"/>
+        <a:srgbClr val="954F72"/>
       </a:folHlink>
     </a:clrScheme>
-    <a:fontScheme name="Office">
+    <a:fontScheme name="Office Theme">
       <a:majorFont>
-        <a:latin typeface="Calibri"/>
+        <a:latin typeface="Calibri Light" panose="020F0302020204030204"/>
         <a:ea typeface=""/>
         <a:cs typeface=""/>
         <a:font script="Jpan" typeface="ＭＳ Ｐゴシック"/>
@@ -3293,7 +4783,7 @@
         <a:font script="Geor" typeface="Sylfaen"/>
       </a:majorFont>
       <a:minorFont>
-        <a:latin typeface="Calibri"/>
+        <a:latin typeface="Calibri" panose="020F0502020204030204"/>
         <a:ea typeface=""/>
         <a:cs typeface=""/>
         <a:font script="Jpan" typeface="ＭＳ Ｐゴシック"/>
@@ -3328,7 +4818,7 @@
         <a:font script="Geor" typeface="Sylfaen"/>
       </a:minorFont>
     </a:fontScheme>
-    <a:fmtScheme name="Office">
+    <a:fmtScheme name="Office Theme">
       <a:fillStyleLst>
         <a:solidFill>
           <a:schemeClr val="phClr"/>
@@ -3337,165 +4827,141 @@
           <a:gsLst>
             <a:gs pos="0">
               <a:schemeClr val="phClr">
-                <a:tint val="50000"/>
-                <a:satMod val="300000"/>
+                <a:lumMod val="110000"/>
+                <a:satMod val="105000"/>
+                <a:tint val="67000"/>
               </a:schemeClr>
             </a:gs>
-            <a:gs pos="35000">
+            <a:gs pos="50000">
               <a:schemeClr val="phClr">
-                <a:tint val="37000"/>
-                <a:satMod val="300000"/>
+                <a:lumMod val="105000"/>
+                <a:satMod val="103000"/>
+                <a:tint val="73000"/>
               </a:schemeClr>
             </a:gs>
             <a:gs pos="100000">
               <a:schemeClr val="phClr">
-                <a:tint val="15000"/>
-                <a:satMod val="350000"/>
+                <a:lumMod val="105000"/>
+                <a:satMod val="109000"/>
+                <a:tint val="81000"/>
               </a:schemeClr>
             </a:gs>
           </a:gsLst>
-          <a:lin ang="16200000" scaled="1"/>
+          <a:lin ang="5400000" scaled="0"/>
         </a:gradFill>
         <a:gradFill rotWithShape="1">
           <a:gsLst>
             <a:gs pos="0">
               <a:schemeClr val="phClr">
-                <a:shade val="51000"/>
-                <a:satMod val="130000"/>
+                <a:satMod val="103000"/>
+                <a:lumMod val="102000"/>
+                <a:tint val="94000"/>
               </a:schemeClr>
             </a:gs>
-            <a:gs pos="80000">
+            <a:gs pos="50000">
               <a:schemeClr val="phClr">
-                <a:shade val="93000"/>
-                <a:satMod val="130000"/>
+                <a:satMod val="110000"/>
+                <a:lumMod val="100000"/>
+                <a:shade val="100000"/>
               </a:schemeClr>
             </a:gs>
             <a:gs pos="100000">
               <a:schemeClr val="phClr">
-                <a:shade val="94000"/>
-                <a:satMod val="135000"/>
+                <a:lumMod val="99000"/>
+                <a:satMod val="120000"/>
+                <a:shade val="78000"/>
               </a:schemeClr>
             </a:gs>
           </a:gsLst>
-          <a:lin ang="16200000" scaled="0"/>
+          <a:lin ang="5400000" scaled="0"/>
         </a:gradFill>
       </a:fillStyleLst>
       <a:lnStyleLst>
-        <a:ln w="9525" cap="flat" cmpd="sng" algn="ctr">
-          <a:solidFill>
-            <a:schemeClr val="phClr">
-              <a:shade val="95000"/>
-              <a:satMod val="105000"/>
-            </a:schemeClr>
-          </a:solidFill>
-          <a:prstDash val="solid"/>
-        </a:ln>
-        <a:ln w="25400" cap="flat" cmpd="sng" algn="ctr">
+        <a:ln w="6350" cap="flat" cmpd="sng" algn="ctr">
           <a:solidFill>
             <a:schemeClr val="phClr"/>
           </a:solidFill>
           <a:prstDash val="solid"/>
+          <a:miter lim="800000"/>
         </a:ln>
-        <a:ln w="38100" cap="flat" cmpd="sng" algn="ctr">
+        <a:ln w="12700" cap="flat" cmpd="sng" algn="ctr">
           <a:solidFill>
             <a:schemeClr val="phClr"/>
           </a:solidFill>
           <a:prstDash val="solid"/>
+          <a:miter lim="800000"/>
+        </a:ln>
+        <a:ln w="19050" cap="flat" cmpd="sng" algn="ctr">
+          <a:solidFill>
+            <a:schemeClr val="phClr"/>
+          </a:solidFill>
+          <a:prstDash val="solid"/>
+          <a:miter lim="800000"/>
         </a:ln>
       </a:lnStyleLst>
       <a:effectStyleLst>
         <a:effectStyle>
+          <a:effectLst/>
+        </a:effectStyle>
+        <a:effectStyle>
+          <a:effectLst/>
+        </a:effectStyle>
+        <a:effectStyle>
           <a:effectLst>
-            <a:outerShdw blurRad="40000" dist="20000" dir="5400000" rotWithShape="0">
+            <a:outerShdw blurRad="57150" dist="19050" dir="5400000" algn="ctr" rotWithShape="0">
               <a:srgbClr val="000000">
-                <a:alpha val="38000"/>
+                <a:alpha val="63000"/>
               </a:srgbClr>
             </a:outerShdw>
           </a:effectLst>
-        </a:effectStyle>
-        <a:effectStyle>
-          <a:effectLst>
-            <a:outerShdw blurRad="40000" dist="23000" dir="5400000" rotWithShape="0">
-              <a:srgbClr val="000000">
-                <a:alpha val="35000"/>
-              </a:srgbClr>
-            </a:outerShdw>
-          </a:effectLst>
-        </a:effectStyle>
-        <a:effectStyle>
-          <a:effectLst>
-            <a:outerShdw blurRad="40000" dist="23000" dir="5400000" rotWithShape="0">
-              <a:srgbClr val="000000">
-                <a:alpha val="35000"/>
-              </a:srgbClr>
-            </a:outerShdw>
-          </a:effectLst>
-          <a:scene3d>
-            <a:camera prst="orthographicFront">
-              <a:rot lat="0" lon="0" rev="0"/>
-            </a:camera>
-            <a:lightRig rig="threePt" dir="t">
-              <a:rot lat="0" lon="0" rev="1200000"/>
-            </a:lightRig>
-          </a:scene3d>
-          <a:sp3d>
-            <a:bevelT w="63500" h="25400"/>
-          </a:sp3d>
         </a:effectStyle>
       </a:effectStyleLst>
       <a:bgFillStyleLst>
         <a:solidFill>
           <a:schemeClr val="phClr"/>
         </a:solidFill>
+        <a:solidFill>
+          <a:schemeClr val="phClr">
+            <a:tint val="95000"/>
+            <a:satMod val="170000"/>
+          </a:schemeClr>
+        </a:solidFill>
         <a:gradFill rotWithShape="1">
           <a:gsLst>
             <a:gs pos="0">
               <a:schemeClr val="phClr">
-                <a:tint val="40000"/>
-                <a:satMod val="350000"/>
+                <a:tint val="93000"/>
+                <a:satMod val="150000"/>
+                <a:shade val="98000"/>
+                <a:lumMod val="102000"/>
               </a:schemeClr>
             </a:gs>
-            <a:gs pos="40000">
+            <a:gs pos="50000">
               <a:schemeClr val="phClr">
-                <a:tint val="45000"/>
-                <a:shade val="99000"/>
-                <a:satMod val="350000"/>
+                <a:tint val="98000"/>
+                <a:satMod val="130000"/>
+                <a:shade val="90000"/>
+                <a:lumMod val="103000"/>
               </a:schemeClr>
             </a:gs>
             <a:gs pos="100000">
               <a:schemeClr val="phClr">
-                <a:shade val="20000"/>
-                <a:satMod val="255000"/>
+                <a:shade val="63000"/>
+                <a:satMod val="120000"/>
               </a:schemeClr>
             </a:gs>
           </a:gsLst>
-          <a:path path="circle">
-            <a:fillToRect l="50000" t="-80000" r="50000" b="180000"/>
-          </a:path>
-        </a:gradFill>
-        <a:gradFill rotWithShape="1">
-          <a:gsLst>
-            <a:gs pos="0">
-              <a:schemeClr val="phClr">
-                <a:tint val="80000"/>
-                <a:satMod val="300000"/>
-              </a:schemeClr>
-            </a:gs>
-            <a:gs pos="100000">
-              <a:schemeClr val="phClr">
-                <a:shade val="30000"/>
-                <a:satMod val="200000"/>
-              </a:schemeClr>
-            </a:gs>
-          </a:gsLst>
-          <a:path path="circle">
-            <a:fillToRect l="50000" t="50000" r="50000" b="50000"/>
-          </a:path>
+          <a:lin ang="5400000" scaled="0"/>
         </a:gradFill>
       </a:bgFillStyleLst>
     </a:fmtScheme>
   </a:themeElements>
   <a:objectDefaults/>
   <a:extraClrSchemeLst/>
+  <a:extLst>
+    <a:ext uri="{05A4C25C-085E-4340-85A3-A5531E510DB2}">
+      <thm15:themeFamily xmlns:thm15="http://schemas.microsoft.com/office/thememl/2012/main" name="Office Theme" id="{62F939B6-93AF-4DB8-9C6B-D6C7DFDC589F}" vid="{4A3C46E8-61CC-4603-A589-7422A47A8E4A}"/>
+    </a:ext>
+  </a:extLst>
 </a:theme>
 </file>